--- a/Makefile_tutorial/Makefile_tutorial.pptx
+++ b/Makefile_tutorial/Makefile_tutorial.pptx
@@ -124,6 +124,22 @@
       </a:defRPr>
     </a:lvl9pPr>
   </p:defaultTextStyle>
+  <p:extLst>
+    <p:ext uri="{EFAFB233-063F-42B5-8137-9DF3F51BA10A}">
+      <p15:sldGuideLst xmlns:p15="http://schemas.microsoft.com/office/powerpoint/2012/main">
+        <p15:guide id="1" orient="horz" pos="2160">
+          <p15:clr>
+            <a:srgbClr val="A4A3A4"/>
+          </p15:clr>
+        </p15:guide>
+        <p15:guide id="2" pos="2880">
+          <p15:clr>
+            <a:srgbClr val="A4A3A4"/>
+          </p15:clr>
+        </p15:guide>
+      </p15:sldGuideLst>
+    </p:ext>
+  </p:extLst>
 </p:presentation>
 </file>
 
@@ -165,7 +181,7 @@
           <a:lstStyle/>
           <a:p>
             <a:r>
-              <a:rPr lang="en-CA" smtClean="0"/>
+              <a:rPr lang="en-CA"/>
               <a:t>Click to edit Master title style</a:t>
             </a:r>
             <a:endParaRPr lang="en-US"/>
@@ -284,7 +300,7 @@
           </a:lstStyle>
           <a:p>
             <a:r>
-              <a:rPr lang="en-CA" smtClean="0"/>
+              <a:rPr lang="en-CA"/>
               <a:t>Click to edit Master subtitle style</a:t>
             </a:r>
             <a:endParaRPr lang="en-US"/>
@@ -308,7 +324,7 @@
           <a:p>
             <a:fld id="{CD428E41-936B-CA48-9C8F-B9555C84C668}" type="datetimeFigureOut">
               <a:rPr lang="en-US" smtClean="0"/>
-              <a:t>3/25/14</a:t>
+              <a:t>9/19/22</a:t>
             </a:fld>
             <a:endParaRPr lang="en-US"/>
           </a:p>
@@ -402,7 +418,7 @@
           <a:lstStyle/>
           <a:p>
             <a:r>
-              <a:rPr lang="en-CA" smtClean="0"/>
+              <a:rPr lang="en-CA"/>
               <a:t>Click to edit Master title style</a:t>
             </a:r>
             <a:endParaRPr lang="en-US"/>
@@ -426,35 +442,35 @@
           <a:p>
             <a:pPr lvl="0"/>
             <a:r>
-              <a:rPr lang="en-CA" smtClean="0"/>
+              <a:rPr lang="en-CA"/>
               <a:t>Click to edit Master text styles</a:t>
             </a:r>
           </a:p>
           <a:p>
             <a:pPr lvl="1"/>
             <a:r>
-              <a:rPr lang="en-CA" smtClean="0"/>
+              <a:rPr lang="en-CA"/>
               <a:t>Second level</a:t>
             </a:r>
           </a:p>
           <a:p>
             <a:pPr lvl="2"/>
             <a:r>
-              <a:rPr lang="en-CA" smtClean="0"/>
+              <a:rPr lang="en-CA"/>
               <a:t>Third level</a:t>
             </a:r>
           </a:p>
           <a:p>
             <a:pPr lvl="3"/>
             <a:r>
-              <a:rPr lang="en-CA" smtClean="0"/>
+              <a:rPr lang="en-CA"/>
               <a:t>Fourth level</a:t>
             </a:r>
           </a:p>
           <a:p>
             <a:pPr lvl="4"/>
             <a:r>
-              <a:rPr lang="en-CA" smtClean="0"/>
+              <a:rPr lang="en-CA"/>
               <a:t>Fifth level</a:t>
             </a:r>
             <a:endParaRPr lang="en-US"/>
@@ -478,7 +494,7 @@
           <a:p>
             <a:fld id="{CD428E41-936B-CA48-9C8F-B9555C84C668}" type="datetimeFigureOut">
               <a:rPr lang="en-US" smtClean="0"/>
-              <a:t>3/25/14</a:t>
+              <a:t>9/19/22</a:t>
             </a:fld>
             <a:endParaRPr lang="en-US"/>
           </a:p>
@@ -577,7 +593,7 @@
           <a:lstStyle/>
           <a:p>
             <a:r>
-              <a:rPr lang="en-CA" smtClean="0"/>
+              <a:rPr lang="en-CA"/>
               <a:t>Click to edit Master title style</a:t>
             </a:r>
             <a:endParaRPr lang="en-US"/>
@@ -606,35 +622,35 @@
           <a:p>
             <a:pPr lvl="0"/>
             <a:r>
-              <a:rPr lang="en-CA" smtClean="0"/>
+              <a:rPr lang="en-CA"/>
               <a:t>Click to edit Master text styles</a:t>
             </a:r>
           </a:p>
           <a:p>
             <a:pPr lvl="1"/>
             <a:r>
-              <a:rPr lang="en-CA" smtClean="0"/>
+              <a:rPr lang="en-CA"/>
               <a:t>Second level</a:t>
             </a:r>
           </a:p>
           <a:p>
             <a:pPr lvl="2"/>
             <a:r>
-              <a:rPr lang="en-CA" smtClean="0"/>
+              <a:rPr lang="en-CA"/>
               <a:t>Third level</a:t>
             </a:r>
           </a:p>
           <a:p>
             <a:pPr lvl="3"/>
             <a:r>
-              <a:rPr lang="en-CA" smtClean="0"/>
+              <a:rPr lang="en-CA"/>
               <a:t>Fourth level</a:t>
             </a:r>
           </a:p>
           <a:p>
             <a:pPr lvl="4"/>
             <a:r>
-              <a:rPr lang="en-CA" smtClean="0"/>
+              <a:rPr lang="en-CA"/>
               <a:t>Fifth level</a:t>
             </a:r>
             <a:endParaRPr lang="en-US"/>
@@ -658,7 +674,7 @@
           <a:p>
             <a:fld id="{CD428E41-936B-CA48-9C8F-B9555C84C668}" type="datetimeFigureOut">
               <a:rPr lang="en-US" smtClean="0"/>
-              <a:t>3/25/14</a:t>
+              <a:t>9/19/22</a:t>
             </a:fld>
             <a:endParaRPr lang="en-US"/>
           </a:p>
@@ -752,7 +768,7 @@
           <a:lstStyle/>
           <a:p>
             <a:r>
-              <a:rPr lang="en-CA" smtClean="0"/>
+              <a:rPr lang="en-CA"/>
               <a:t>Click to edit Master title style</a:t>
             </a:r>
             <a:endParaRPr lang="en-US"/>
@@ -776,35 +792,35 @@
           <a:p>
             <a:pPr lvl="0"/>
             <a:r>
-              <a:rPr lang="en-CA" smtClean="0"/>
+              <a:rPr lang="en-CA"/>
               <a:t>Click to edit Master text styles</a:t>
             </a:r>
           </a:p>
           <a:p>
             <a:pPr lvl="1"/>
             <a:r>
-              <a:rPr lang="en-CA" smtClean="0"/>
+              <a:rPr lang="en-CA"/>
               <a:t>Second level</a:t>
             </a:r>
           </a:p>
           <a:p>
             <a:pPr lvl="2"/>
             <a:r>
-              <a:rPr lang="en-CA" smtClean="0"/>
+              <a:rPr lang="en-CA"/>
               <a:t>Third level</a:t>
             </a:r>
           </a:p>
           <a:p>
             <a:pPr lvl="3"/>
             <a:r>
-              <a:rPr lang="en-CA" smtClean="0"/>
+              <a:rPr lang="en-CA"/>
               <a:t>Fourth level</a:t>
             </a:r>
           </a:p>
           <a:p>
             <a:pPr lvl="4"/>
             <a:r>
-              <a:rPr lang="en-CA" smtClean="0"/>
+              <a:rPr lang="en-CA"/>
               <a:t>Fifth level</a:t>
             </a:r>
             <a:endParaRPr lang="en-US"/>
@@ -828,7 +844,7 @@
           <a:p>
             <a:fld id="{CD428E41-936B-CA48-9C8F-B9555C84C668}" type="datetimeFigureOut">
               <a:rPr lang="en-US" smtClean="0"/>
-              <a:t>3/25/14</a:t>
+              <a:t>9/19/22</a:t>
             </a:fld>
             <a:endParaRPr lang="en-US"/>
           </a:p>
@@ -931,7 +947,7 @@
           </a:lstStyle>
           <a:p>
             <a:r>
-              <a:rPr lang="en-CA" smtClean="0"/>
+              <a:rPr lang="en-CA"/>
               <a:t>Click to edit Master title style</a:t>
             </a:r>
             <a:endParaRPr lang="en-US"/>
@@ -1051,7 +1067,7 @@
           <a:p>
             <a:pPr lvl="0"/>
             <a:r>
-              <a:rPr lang="en-CA" smtClean="0"/>
+              <a:rPr lang="en-CA"/>
               <a:t>Click to edit Master text styles</a:t>
             </a:r>
           </a:p>
@@ -1074,7 +1090,7 @@
           <a:p>
             <a:fld id="{CD428E41-936B-CA48-9C8F-B9555C84C668}" type="datetimeFigureOut">
               <a:rPr lang="en-US" smtClean="0"/>
-              <a:t>3/25/14</a:t>
+              <a:t>9/19/22</a:t>
             </a:fld>
             <a:endParaRPr lang="en-US"/>
           </a:p>
@@ -1168,7 +1184,7 @@
           <a:lstStyle/>
           <a:p>
             <a:r>
-              <a:rPr lang="en-CA" smtClean="0"/>
+              <a:rPr lang="en-CA"/>
               <a:t>Click to edit Master title style</a:t>
             </a:r>
             <a:endParaRPr lang="en-US"/>
@@ -1225,35 +1241,35 @@
           <a:p>
             <a:pPr lvl="0"/>
             <a:r>
-              <a:rPr lang="en-CA" smtClean="0"/>
+              <a:rPr lang="en-CA"/>
               <a:t>Click to edit Master text styles</a:t>
             </a:r>
           </a:p>
           <a:p>
             <a:pPr lvl="1"/>
             <a:r>
-              <a:rPr lang="en-CA" smtClean="0"/>
+              <a:rPr lang="en-CA"/>
               <a:t>Second level</a:t>
             </a:r>
           </a:p>
           <a:p>
             <a:pPr lvl="2"/>
             <a:r>
-              <a:rPr lang="en-CA" smtClean="0"/>
+              <a:rPr lang="en-CA"/>
               <a:t>Third level</a:t>
             </a:r>
           </a:p>
           <a:p>
             <a:pPr lvl="3"/>
             <a:r>
-              <a:rPr lang="en-CA" smtClean="0"/>
+              <a:rPr lang="en-CA"/>
               <a:t>Fourth level</a:t>
             </a:r>
           </a:p>
           <a:p>
             <a:pPr lvl="4"/>
             <a:r>
-              <a:rPr lang="en-CA" smtClean="0"/>
+              <a:rPr lang="en-CA"/>
               <a:t>Fifth level</a:t>
             </a:r>
             <a:endParaRPr lang="en-US"/>
@@ -1310,35 +1326,35 @@
           <a:p>
             <a:pPr lvl="0"/>
             <a:r>
-              <a:rPr lang="en-CA" smtClean="0"/>
+              <a:rPr lang="en-CA"/>
               <a:t>Click to edit Master text styles</a:t>
             </a:r>
           </a:p>
           <a:p>
             <a:pPr lvl="1"/>
             <a:r>
-              <a:rPr lang="en-CA" smtClean="0"/>
+              <a:rPr lang="en-CA"/>
               <a:t>Second level</a:t>
             </a:r>
           </a:p>
           <a:p>
             <a:pPr lvl="2"/>
             <a:r>
-              <a:rPr lang="en-CA" smtClean="0"/>
+              <a:rPr lang="en-CA"/>
               <a:t>Third level</a:t>
             </a:r>
           </a:p>
           <a:p>
             <a:pPr lvl="3"/>
             <a:r>
-              <a:rPr lang="en-CA" smtClean="0"/>
+              <a:rPr lang="en-CA"/>
               <a:t>Fourth level</a:t>
             </a:r>
           </a:p>
           <a:p>
             <a:pPr lvl="4"/>
             <a:r>
-              <a:rPr lang="en-CA" smtClean="0"/>
+              <a:rPr lang="en-CA"/>
               <a:t>Fifth level</a:t>
             </a:r>
             <a:endParaRPr lang="en-US"/>
@@ -1362,7 +1378,7 @@
           <a:p>
             <a:fld id="{CD428E41-936B-CA48-9C8F-B9555C84C668}" type="datetimeFigureOut">
               <a:rPr lang="en-US" smtClean="0"/>
-              <a:t>3/25/14</a:t>
+              <a:t>9/19/22</a:t>
             </a:fld>
             <a:endParaRPr lang="en-US"/>
           </a:p>
@@ -1460,7 +1476,7 @@
           </a:lstStyle>
           <a:p>
             <a:r>
-              <a:rPr lang="en-CA" smtClean="0"/>
+              <a:rPr lang="en-CA"/>
               <a:t>Click to edit Master title style</a:t>
             </a:r>
             <a:endParaRPr lang="en-US"/>
@@ -1526,7 +1542,7 @@
           <a:p>
             <a:pPr lvl="0"/>
             <a:r>
-              <a:rPr lang="en-CA" smtClean="0"/>
+              <a:rPr lang="en-CA"/>
               <a:t>Click to edit Master text styles</a:t>
             </a:r>
           </a:p>
@@ -1582,35 +1598,35 @@
           <a:p>
             <a:pPr lvl="0"/>
             <a:r>
-              <a:rPr lang="en-CA" smtClean="0"/>
+              <a:rPr lang="en-CA"/>
               <a:t>Click to edit Master text styles</a:t>
             </a:r>
           </a:p>
           <a:p>
             <a:pPr lvl="1"/>
             <a:r>
-              <a:rPr lang="en-CA" smtClean="0"/>
+              <a:rPr lang="en-CA"/>
               <a:t>Second level</a:t>
             </a:r>
           </a:p>
           <a:p>
             <a:pPr lvl="2"/>
             <a:r>
-              <a:rPr lang="en-CA" smtClean="0"/>
+              <a:rPr lang="en-CA"/>
               <a:t>Third level</a:t>
             </a:r>
           </a:p>
           <a:p>
             <a:pPr lvl="3"/>
             <a:r>
-              <a:rPr lang="en-CA" smtClean="0"/>
+              <a:rPr lang="en-CA"/>
               <a:t>Fourth level</a:t>
             </a:r>
           </a:p>
           <a:p>
             <a:pPr lvl="4"/>
             <a:r>
-              <a:rPr lang="en-CA" smtClean="0"/>
+              <a:rPr lang="en-CA"/>
               <a:t>Fifth level</a:t>
             </a:r>
             <a:endParaRPr lang="en-US"/>
@@ -1676,7 +1692,7 @@
           <a:p>
             <a:pPr lvl="0"/>
             <a:r>
-              <a:rPr lang="en-CA" smtClean="0"/>
+              <a:rPr lang="en-CA"/>
               <a:t>Click to edit Master text styles</a:t>
             </a:r>
           </a:p>
@@ -1732,35 +1748,35 @@
           <a:p>
             <a:pPr lvl="0"/>
             <a:r>
-              <a:rPr lang="en-CA" smtClean="0"/>
+              <a:rPr lang="en-CA"/>
               <a:t>Click to edit Master text styles</a:t>
             </a:r>
           </a:p>
           <a:p>
             <a:pPr lvl="1"/>
             <a:r>
-              <a:rPr lang="en-CA" smtClean="0"/>
+              <a:rPr lang="en-CA"/>
               <a:t>Second level</a:t>
             </a:r>
           </a:p>
           <a:p>
             <a:pPr lvl="2"/>
             <a:r>
-              <a:rPr lang="en-CA" smtClean="0"/>
+              <a:rPr lang="en-CA"/>
               <a:t>Third level</a:t>
             </a:r>
           </a:p>
           <a:p>
             <a:pPr lvl="3"/>
             <a:r>
-              <a:rPr lang="en-CA" smtClean="0"/>
+              <a:rPr lang="en-CA"/>
               <a:t>Fourth level</a:t>
             </a:r>
           </a:p>
           <a:p>
             <a:pPr lvl="4"/>
             <a:r>
-              <a:rPr lang="en-CA" smtClean="0"/>
+              <a:rPr lang="en-CA"/>
               <a:t>Fifth level</a:t>
             </a:r>
             <a:endParaRPr lang="en-US"/>
@@ -1784,7 +1800,7 @@
           <a:p>
             <a:fld id="{CD428E41-936B-CA48-9C8F-B9555C84C668}" type="datetimeFigureOut">
               <a:rPr lang="en-US" smtClean="0"/>
-              <a:t>3/25/14</a:t>
+              <a:t>9/19/22</a:t>
             </a:fld>
             <a:endParaRPr lang="en-US"/>
           </a:p>
@@ -1878,7 +1894,7 @@
           <a:lstStyle/>
           <a:p>
             <a:r>
-              <a:rPr lang="en-CA" smtClean="0"/>
+              <a:rPr lang="en-CA"/>
               <a:t>Click to edit Master title style</a:t>
             </a:r>
             <a:endParaRPr lang="en-US"/>
@@ -1902,7 +1918,7 @@
           <a:p>
             <a:fld id="{CD428E41-936B-CA48-9C8F-B9555C84C668}" type="datetimeFigureOut">
               <a:rPr lang="en-US" smtClean="0"/>
-              <a:t>3/25/14</a:t>
+              <a:t>9/19/22</a:t>
             </a:fld>
             <a:endParaRPr lang="en-US"/>
           </a:p>
@@ -1997,7 +2013,7 @@
           <a:p>
             <a:fld id="{CD428E41-936B-CA48-9C8F-B9555C84C668}" type="datetimeFigureOut">
               <a:rPr lang="en-US" smtClean="0"/>
-              <a:t>3/25/14</a:t>
+              <a:t>9/19/22</a:t>
             </a:fld>
             <a:endParaRPr lang="en-US"/>
           </a:p>
@@ -2100,7 +2116,7 @@
           </a:lstStyle>
           <a:p>
             <a:r>
-              <a:rPr lang="en-CA" smtClean="0"/>
+              <a:rPr lang="en-CA"/>
               <a:t>Click to edit Master title style</a:t>
             </a:r>
             <a:endParaRPr lang="en-US"/>
@@ -2157,35 +2173,35 @@
           <a:p>
             <a:pPr lvl="0"/>
             <a:r>
-              <a:rPr lang="en-CA" smtClean="0"/>
+              <a:rPr lang="en-CA"/>
               <a:t>Click to edit Master text styles</a:t>
             </a:r>
           </a:p>
           <a:p>
             <a:pPr lvl="1"/>
             <a:r>
-              <a:rPr lang="en-CA" smtClean="0"/>
+              <a:rPr lang="en-CA"/>
               <a:t>Second level</a:t>
             </a:r>
           </a:p>
           <a:p>
             <a:pPr lvl="2"/>
             <a:r>
-              <a:rPr lang="en-CA" smtClean="0"/>
+              <a:rPr lang="en-CA"/>
               <a:t>Third level</a:t>
             </a:r>
           </a:p>
           <a:p>
             <a:pPr lvl="3"/>
             <a:r>
-              <a:rPr lang="en-CA" smtClean="0"/>
+              <a:rPr lang="en-CA"/>
               <a:t>Fourth level</a:t>
             </a:r>
           </a:p>
           <a:p>
             <a:pPr lvl="4"/>
             <a:r>
-              <a:rPr lang="en-CA" smtClean="0"/>
+              <a:rPr lang="en-CA"/>
               <a:t>Fifth level</a:t>
             </a:r>
             <a:endParaRPr lang="en-US"/>
@@ -2251,7 +2267,7 @@
           <a:p>
             <a:pPr lvl="0"/>
             <a:r>
-              <a:rPr lang="en-CA" smtClean="0"/>
+              <a:rPr lang="en-CA"/>
               <a:t>Click to edit Master text styles</a:t>
             </a:r>
           </a:p>
@@ -2274,7 +2290,7 @@
           <a:p>
             <a:fld id="{CD428E41-936B-CA48-9C8F-B9555C84C668}" type="datetimeFigureOut">
               <a:rPr lang="en-US" smtClean="0"/>
-              <a:t>3/25/14</a:t>
+              <a:t>9/19/22</a:t>
             </a:fld>
             <a:endParaRPr lang="en-US"/>
           </a:p>
@@ -2377,7 +2393,7 @@
           </a:lstStyle>
           <a:p>
             <a:r>
-              <a:rPr lang="en-CA" smtClean="0"/>
+              <a:rPr lang="en-CA"/>
               <a:t>Click to edit Master title style</a:t>
             </a:r>
             <a:endParaRPr lang="en-US"/>
@@ -2504,7 +2520,7 @@
           <a:p>
             <a:pPr lvl="0"/>
             <a:r>
-              <a:rPr lang="en-CA" smtClean="0"/>
+              <a:rPr lang="en-CA"/>
               <a:t>Click to edit Master text styles</a:t>
             </a:r>
           </a:p>
@@ -2527,7 +2543,7 @@
           <a:p>
             <a:fld id="{CD428E41-936B-CA48-9C8F-B9555C84C668}" type="datetimeFigureOut">
               <a:rPr lang="en-US" smtClean="0"/>
-              <a:t>3/25/14</a:t>
+              <a:t>9/19/22</a:t>
             </a:fld>
             <a:endParaRPr lang="en-US"/>
           </a:p>
@@ -2636,7 +2652,7 @@
           <a:lstStyle/>
           <a:p>
             <a:r>
-              <a:rPr lang="en-CA" smtClean="0"/>
+              <a:rPr lang="en-CA"/>
               <a:t>Click to edit Master title style</a:t>
             </a:r>
             <a:endParaRPr lang="en-US"/>
@@ -2670,35 +2686,35 @@
           <a:p>
             <a:pPr lvl="0"/>
             <a:r>
-              <a:rPr lang="en-CA" smtClean="0"/>
+              <a:rPr lang="en-CA"/>
               <a:t>Click to edit Master text styles</a:t>
             </a:r>
           </a:p>
           <a:p>
             <a:pPr lvl="1"/>
             <a:r>
-              <a:rPr lang="en-CA" smtClean="0"/>
+              <a:rPr lang="en-CA"/>
               <a:t>Second level</a:t>
             </a:r>
           </a:p>
           <a:p>
             <a:pPr lvl="2"/>
             <a:r>
-              <a:rPr lang="en-CA" smtClean="0"/>
+              <a:rPr lang="en-CA"/>
               <a:t>Third level</a:t>
             </a:r>
           </a:p>
           <a:p>
             <a:pPr lvl="3"/>
             <a:r>
-              <a:rPr lang="en-CA" smtClean="0"/>
+              <a:rPr lang="en-CA"/>
               <a:t>Fourth level</a:t>
             </a:r>
           </a:p>
           <a:p>
             <a:pPr lvl="4"/>
             <a:r>
-              <a:rPr lang="en-CA" smtClean="0"/>
+              <a:rPr lang="en-CA"/>
               <a:t>Fifth level</a:t>
             </a:r>
             <a:endParaRPr lang="en-US"/>
@@ -2740,7 +2756,7 @@
           <a:p>
             <a:fld id="{CD428E41-936B-CA48-9C8F-B9555C84C668}" type="datetimeFigureOut">
               <a:rPr lang="en-US" smtClean="0"/>
-              <a:t>3/25/14</a:t>
+              <a:t>9/19/22</a:t>
             </a:fld>
             <a:endParaRPr lang="en-US"/>
           </a:p>
@@ -3131,10 +3147,9 @@
           <a:lstStyle/>
           <a:p>
             <a:r>
-              <a:rPr lang="en-US" dirty="0" smtClean="0"/>
+              <a:rPr lang="en-US" dirty="0"/>
               <a:t>Make Tutorial</a:t>
             </a:r>
-            <a:endParaRPr lang="en-US" dirty="0"/>
           </a:p>
         </p:txBody>
       </p:sp>
@@ -3154,30 +3169,21 @@
           <a:lstStyle/>
           <a:p>
             <a:r>
-              <a:rPr lang="en-US" dirty="0" smtClean="0"/>
+              <a:rPr lang="en-US" dirty="0"/>
               <a:t>Dr. Edward Brash</a:t>
             </a:r>
           </a:p>
           <a:p>
             <a:r>
-              <a:rPr lang="en-US" dirty="0" smtClean="0"/>
-              <a:t>March 25</a:t>
-            </a:r>
-            <a:r>
-              <a:rPr lang="en-US" baseline="30000" dirty="0" smtClean="0"/>
-              <a:t>th</a:t>
-            </a:r>
-            <a:r>
-              <a:rPr lang="en-US" dirty="0" smtClean="0"/>
-              <a:t>, 2014</a:t>
-            </a:r>
-          </a:p>
-          <a:p>
-            <a:r>
-              <a:rPr lang="en-US" dirty="0" smtClean="0"/>
-              <a:t>SPS Crash Course</a:t>
-            </a:r>
-            <a:endParaRPr lang="en-US" dirty="0"/>
+              <a:rPr lang="en-US" dirty="0"/>
+              <a:t>September 23, 2022</a:t>
+            </a:r>
+          </a:p>
+          <a:p>
+            <a:r>
+              <a:rPr lang="en-US" dirty="0"/>
+              <a:t>CPSC 256</a:t>
+            </a:r>
           </a:p>
         </p:txBody>
       </p:sp>
@@ -3191,13 +3197,6 @@
   <p:clrMapOvr>
     <a:masterClrMapping/>
   </p:clrMapOvr>
-  <p:timing>
-    <p:tnLst>
-      <p:par>
-        <p:cTn xmlns:p14="http://schemas.microsoft.com/office/powerpoint/2010/main" id="1" dur="indefinite" restart="never" nodeType="tmRoot"/>
-      </p:par>
-    </p:tnLst>
-  </p:timing>
 </p:sld>
 </file>
 
@@ -3234,10 +3233,9 @@
           <a:lstStyle/>
           <a:p>
             <a:r>
-              <a:rPr lang="en-US" dirty="0" smtClean="0"/>
+              <a:rPr lang="en-US" dirty="0"/>
               <a:t>How do we do this with Make?</a:t>
             </a:r>
-            <a:endParaRPr lang="en-US" dirty="0"/>
           </a:p>
         </p:txBody>
       </p:sp>
@@ -3257,18 +3255,18 @@
           <a:lstStyle/>
           <a:p>
             <a:r>
-              <a:rPr lang="en-US" dirty="0" smtClean="0"/>
+              <a:rPr lang="en-US" dirty="0"/>
               <a:t>Create a file called </a:t>
             </a:r>
             <a:r>
-              <a:rPr lang="en-US" dirty="0" err="1" smtClean="0"/>
+              <a:rPr lang="en-US" dirty="0" err="1"/>
               <a:t>Makefile</a:t>
             </a:r>
             <a:endParaRPr lang="en-US" dirty="0"/>
           </a:p>
           <a:p>
             <a:r>
-              <a:rPr lang="en-US" dirty="0" smtClean="0"/>
+              <a:rPr lang="en-US" dirty="0"/>
               <a:t>Note the tab characters!!! Yikes!!!</a:t>
             </a:r>
           </a:p>
@@ -3290,17 +3288,7 @@
                 <a:latin typeface="Courier"/>
                 <a:cs typeface="Courier"/>
               </a:rPr>
-              <a:t>a</a:t>
-            </a:r>
-            <a:r>
-              <a:rPr lang="en-US" sz="2000" dirty="0" smtClean="0">
-                <a:solidFill>
-                  <a:srgbClr val="3366FF"/>
-                </a:solidFill>
-                <a:latin typeface="Courier"/>
-                <a:cs typeface="Courier"/>
-              </a:rPr>
-              <a:t>ll:</a:t>
+              <a:t>all:</a:t>
             </a:r>
           </a:p>
           <a:p>
@@ -3312,24 +3300,17 @@
                 <a:latin typeface="Courier"/>
                 <a:cs typeface="Courier"/>
               </a:rPr>
-              <a:t>	</a:t>
-            </a:r>
-            <a:r>
-              <a:rPr lang="en-US" sz="2000" dirty="0" smtClean="0">
-                <a:latin typeface="Courier"/>
-                <a:cs typeface="Courier"/>
-              </a:rPr>
-              <a:t>	</a:t>
-            </a:r>
-            <a:r>
-              <a:rPr lang="en-US" sz="2000" dirty="0" smtClean="0">
-                <a:solidFill>
-                  <a:srgbClr val="FF0000"/>
-                </a:solidFill>
-                <a:latin typeface="Courier"/>
-                <a:cs typeface="Courier"/>
-              </a:rPr>
-              <a:t>g</a:t>
+              <a:t>		</a:t>
+            </a:r>
+            <a:r>
+              <a:rPr lang="en-US" sz="2000" dirty="0" err="1">
+                <a:solidFill>
+                  <a:srgbClr val="FF0000"/>
+                </a:solidFill>
+                <a:latin typeface="Courier"/>
+                <a:cs typeface="Courier"/>
+              </a:rPr>
+              <a:t>gcc</a:t>
             </a:r>
             <a:r>
               <a:rPr lang="en-US" sz="2000" dirty="0">
@@ -3339,30 +3320,20 @@
                 <a:latin typeface="Courier"/>
                 <a:cs typeface="Courier"/>
               </a:rPr>
-              <a:t>++ </a:t>
-            </a:r>
-            <a:r>
-              <a:rPr lang="en-US" sz="2000" dirty="0" smtClean="0">
-                <a:solidFill>
-                  <a:srgbClr val="FF0000"/>
-                </a:solidFill>
-                <a:latin typeface="Courier"/>
-                <a:cs typeface="Courier"/>
-              </a:rPr>
-              <a:t>-c </a:t>
-            </a:r>
-            <a:r>
-              <a:rPr lang="en-US" sz="2000" dirty="0" err="1" smtClean="0">
-                <a:solidFill>
-                  <a:srgbClr val="FF0000"/>
-                </a:solidFill>
-                <a:latin typeface="Courier"/>
-                <a:cs typeface="Courier"/>
-              </a:rPr>
-              <a:t>main.cpp</a:t>
-            </a:r>
-            <a:r>
-              <a:rPr lang="en-US" sz="2000" dirty="0" smtClean="0">
+              <a:t> -c </a:t>
+            </a:r>
+            <a:r>
+              <a:rPr lang="en-US" sz="2000" dirty="0" err="1">
+                <a:solidFill>
+                  <a:srgbClr val="FF0000"/>
+                </a:solidFill>
+                <a:latin typeface="Courier"/>
+                <a:cs typeface="Courier"/>
+              </a:rPr>
+              <a:t>main.c</a:t>
+            </a:r>
+            <a:r>
+              <a:rPr lang="en-US" sz="2000" dirty="0">
                 <a:solidFill>
                   <a:srgbClr val="FF0000"/>
                 </a:solidFill>
@@ -3384,30 +3355,40 @@
                 <a:latin typeface="Courier"/>
                 <a:cs typeface="Courier"/>
               </a:rPr>
-              <a:t>	</a:t>
-            </a:r>
-            <a:r>
-              <a:rPr lang="en-US" sz="2000" dirty="0" smtClean="0">
-                <a:solidFill>
-                  <a:srgbClr val="FF0000"/>
-                </a:solidFill>
-                <a:latin typeface="Courier"/>
-                <a:cs typeface="Courier"/>
-              </a:rPr>
-              <a:t>	g++ -c </a:t>
-            </a:r>
-            <a:r>
-              <a:rPr lang="en-US" sz="2000" dirty="0" err="1" smtClean="0">
-                <a:solidFill>
-                  <a:srgbClr val="FF0000"/>
-                </a:solidFill>
-                <a:latin typeface="Courier"/>
-                <a:cs typeface="Courier"/>
-              </a:rPr>
-              <a:t>hello.cpp</a:t>
-            </a:r>
-            <a:r>
-              <a:rPr lang="en-US" sz="2000" dirty="0" smtClean="0">
+              <a:t>		</a:t>
+            </a:r>
+            <a:r>
+              <a:rPr lang="en-US" sz="2000" dirty="0" err="1">
+                <a:solidFill>
+                  <a:srgbClr val="FF0000"/>
+                </a:solidFill>
+                <a:latin typeface="Courier"/>
+                <a:cs typeface="Courier"/>
+              </a:rPr>
+              <a:t>gcc</a:t>
+            </a:r>
+            <a:r>
+              <a:rPr lang="en-US" sz="2000" dirty="0">
+                <a:solidFill>
+                  <a:srgbClr val="FF0000"/>
+                </a:solidFill>
+                <a:latin typeface="Courier"/>
+                <a:cs typeface="Courier"/>
+              </a:rPr>
+              <a:t> -c </a:t>
+            </a:r>
+            <a:r>
+              <a:rPr lang="en-US" sz="2000" dirty="0" err="1">
+                <a:solidFill>
+                  <a:srgbClr val="FF0000"/>
+                </a:solidFill>
+                <a:latin typeface="Courier"/>
+                <a:cs typeface="Courier"/>
+              </a:rPr>
+              <a:t>hello.c</a:t>
+            </a:r>
+            <a:r>
+              <a:rPr lang="en-US" sz="2000" dirty="0">
                 <a:solidFill>
                   <a:srgbClr val="FF0000"/>
                 </a:solidFill>
@@ -3429,30 +3410,40 @@
                 <a:latin typeface="Courier"/>
                 <a:cs typeface="Courier"/>
               </a:rPr>
-              <a:t>	</a:t>
-            </a:r>
-            <a:r>
-              <a:rPr lang="en-US" sz="2000" dirty="0" smtClean="0">
-                <a:solidFill>
-                  <a:srgbClr val="FF0000"/>
-                </a:solidFill>
-                <a:latin typeface="Courier"/>
-                <a:cs typeface="Courier"/>
-              </a:rPr>
-              <a:t>	g++ -c </a:t>
-            </a:r>
-            <a:r>
-              <a:rPr lang="en-US" sz="2000" dirty="0" err="1" smtClean="0">
-                <a:solidFill>
-                  <a:srgbClr val="FF0000"/>
-                </a:solidFill>
-                <a:latin typeface="Courier"/>
-                <a:cs typeface="Courier"/>
-              </a:rPr>
-              <a:t>factorial.cpp</a:t>
-            </a:r>
-            <a:r>
-              <a:rPr lang="en-US" sz="2000" dirty="0" smtClean="0">
+              <a:t>		</a:t>
+            </a:r>
+            <a:r>
+              <a:rPr lang="en-US" sz="2000" dirty="0" err="1">
+                <a:solidFill>
+                  <a:srgbClr val="FF0000"/>
+                </a:solidFill>
+                <a:latin typeface="Courier"/>
+                <a:cs typeface="Courier"/>
+              </a:rPr>
+              <a:t>gcc</a:t>
+            </a:r>
+            <a:r>
+              <a:rPr lang="en-US" sz="2000" dirty="0">
+                <a:solidFill>
+                  <a:srgbClr val="FF0000"/>
+                </a:solidFill>
+                <a:latin typeface="Courier"/>
+                <a:cs typeface="Courier"/>
+              </a:rPr>
+              <a:t> -c </a:t>
+            </a:r>
+            <a:r>
+              <a:rPr lang="en-US" sz="2000" dirty="0" err="1">
+                <a:solidFill>
+                  <a:srgbClr val="FF0000"/>
+                </a:solidFill>
+                <a:latin typeface="Courier"/>
+                <a:cs typeface="Courier"/>
+              </a:rPr>
+              <a:t>factorial.c</a:t>
+            </a:r>
+            <a:r>
+              <a:rPr lang="en-US" sz="2000" dirty="0">
                 <a:solidFill>
                   <a:srgbClr val="FF0000"/>
                 </a:solidFill>
@@ -3474,17 +3465,17 @@
                 <a:latin typeface="Courier"/>
                 <a:cs typeface="Courier"/>
               </a:rPr>
-              <a:t>	</a:t>
-            </a:r>
-            <a:r>
-              <a:rPr lang="en-US" sz="2000" dirty="0" smtClean="0">
-                <a:solidFill>
-                  <a:srgbClr val="FF0000"/>
-                </a:solidFill>
-                <a:latin typeface="Courier"/>
-                <a:cs typeface="Courier"/>
-              </a:rPr>
-              <a:t>	g++ -</a:t>
+              <a:t>		</a:t>
+            </a:r>
+            <a:r>
+              <a:rPr lang="en-US" sz="2000" dirty="0" err="1">
+                <a:solidFill>
+                  <a:srgbClr val="FF0000"/>
+                </a:solidFill>
+                <a:latin typeface="Courier"/>
+                <a:cs typeface="Courier"/>
+              </a:rPr>
+              <a:t>gcc</a:t>
             </a:r>
             <a:r>
               <a:rPr lang="en-US" sz="2000" dirty="0">
@@ -3494,20 +3485,10 @@
                 <a:latin typeface="Courier"/>
                 <a:cs typeface="Courier"/>
               </a:rPr>
-              <a:t>o </a:t>
-            </a:r>
-            <a:r>
-              <a:rPr lang="en-US" sz="2000" dirty="0" smtClean="0">
-                <a:solidFill>
-                  <a:srgbClr val="FF0000"/>
-                </a:solidFill>
-                <a:latin typeface="Courier"/>
-                <a:cs typeface="Courier"/>
-              </a:rPr>
-              <a:t>hello </a:t>
-            </a:r>
-            <a:r>
-              <a:rPr lang="en-US" sz="2000" dirty="0" err="1" smtClean="0">
+              <a:t> -o hello </a:t>
+            </a:r>
+            <a:r>
+              <a:rPr lang="en-US" sz="2000" dirty="0" err="1">
                 <a:solidFill>
                   <a:srgbClr val="FF0000"/>
                 </a:solidFill>
@@ -3517,7 +3498,7 @@
               <a:t>main.o</a:t>
             </a:r>
             <a:r>
-              <a:rPr lang="en-US" sz="2000" dirty="0" smtClean="0">
+              <a:rPr lang="en-US" sz="2000" dirty="0">
                 <a:solidFill>
                   <a:srgbClr val="FF0000"/>
                 </a:solidFill>
@@ -3527,7 +3508,7 @@
               <a:t> </a:t>
             </a:r>
             <a:r>
-              <a:rPr lang="en-US" sz="2000" dirty="0" err="1" smtClean="0">
+              <a:rPr lang="en-US" sz="2000" dirty="0" err="1">
                 <a:solidFill>
                   <a:srgbClr val="FF0000"/>
                 </a:solidFill>
@@ -3537,7 +3518,7 @@
               <a:t>hello.o</a:t>
             </a:r>
             <a:r>
-              <a:rPr lang="en-US" sz="2000" dirty="0" smtClean="0">
+              <a:rPr lang="en-US" sz="2000" dirty="0">
                 <a:solidFill>
                   <a:srgbClr val="FF0000"/>
                 </a:solidFill>
@@ -3547,7 +3528,7 @@
               <a:t> </a:t>
             </a:r>
             <a:r>
-              <a:rPr lang="en-US" sz="2000" dirty="0" err="1" smtClean="0">
+              <a:rPr lang="en-US" sz="2000" dirty="0" err="1">
                 <a:solidFill>
                   <a:srgbClr val="FF0000"/>
                 </a:solidFill>
@@ -3582,13 +3563,6 @@
   <p:clrMapOvr>
     <a:masterClrMapping/>
   </p:clrMapOvr>
-  <p:timing>
-    <p:tnLst>
-      <p:par>
-        <p:cTn xmlns:p14="http://schemas.microsoft.com/office/powerpoint/2010/main" id="1" dur="indefinite" restart="never" nodeType="tmRoot"/>
-      </p:par>
-    </p:tnLst>
-  </p:timing>
 </p:sld>
 </file>
 
@@ -3625,10 +3599,9 @@
           <a:lstStyle/>
           <a:p>
             <a:r>
-              <a:rPr lang="en-US" dirty="0" smtClean="0"/>
+              <a:rPr lang="en-US" dirty="0"/>
               <a:t>Problems</a:t>
             </a:r>
-            <a:endParaRPr lang="en-US" dirty="0"/>
           </a:p>
         </p:txBody>
       </p:sp>
@@ -3648,7 +3621,7 @@
           <a:lstStyle/>
           <a:p>
             <a:r>
-              <a:rPr lang="en-US" dirty="0" smtClean="0"/>
+              <a:rPr lang="en-US" dirty="0"/>
               <a:t>Stupid … it makes EVERYTHING every time whether there have been changes or not … highly inefficient</a:t>
             </a:r>
           </a:p>
@@ -3657,8 +3630,16 @@
           </a:p>
           <a:p>
             <a:r>
-              <a:rPr lang="en-US" dirty="0" smtClean="0"/>
-              <a:t>Uses four steps every time … g++ is smarter than this</a:t>
+              <a:rPr lang="en-US" dirty="0"/>
+              <a:t>Uses four steps every time … </a:t>
+            </a:r>
+            <a:r>
+              <a:rPr lang="en-US" dirty="0" err="1"/>
+              <a:t>gcc</a:t>
+            </a:r>
+            <a:r>
+              <a:rPr lang="en-US" dirty="0"/>
+              <a:t> is smarter than this!</a:t>
             </a:r>
           </a:p>
           <a:p>
@@ -3676,13 +3657,6 @@
   <p:clrMapOvr>
     <a:masterClrMapping/>
   </p:clrMapOvr>
-  <p:timing>
-    <p:tnLst>
-      <p:par>
-        <p:cTn xmlns:p14="http://schemas.microsoft.com/office/powerpoint/2010/main" id="1" dur="indefinite" restart="never" nodeType="tmRoot"/>
-      </p:par>
-    </p:tnLst>
-  </p:timing>
 </p:sld>
 </file>
 
@@ -3719,10 +3693,9 @@
           <a:lstStyle/>
           <a:p>
             <a:r>
-              <a:rPr lang="en-US" dirty="0" smtClean="0"/>
+              <a:rPr lang="en-US" dirty="0"/>
               <a:t>Modification 1 – Still stupid</a:t>
             </a:r>
-            <a:endParaRPr lang="en-US" dirty="0"/>
           </a:p>
         </p:txBody>
       </p:sp>
@@ -3767,14 +3740,14 @@
               <a:t>       </a:t>
             </a:r>
             <a:r>
-              <a:rPr lang="en-US" sz="2000" dirty="0" smtClean="0">
-                <a:solidFill>
-                  <a:srgbClr val="FF0000"/>
-                </a:solidFill>
-                <a:latin typeface="Courier"/>
-                <a:cs typeface="Courier"/>
-              </a:rPr>
-              <a:t>g</a:t>
+              <a:rPr lang="en-US" sz="2000" dirty="0" err="1">
+                <a:solidFill>
+                  <a:srgbClr val="FF0000"/>
+                </a:solidFill>
+                <a:latin typeface="Courier"/>
+                <a:cs typeface="Courier"/>
+              </a:rPr>
+              <a:t>gcc</a:t>
             </a:r>
             <a:r>
               <a:rPr lang="en-US" sz="2000" dirty="0">
@@ -3784,7 +3757,7 @@
                 <a:latin typeface="Courier"/>
                 <a:cs typeface="Courier"/>
               </a:rPr>
-              <a:t>++ </a:t>
+              <a:t> </a:t>
             </a:r>
             <a:r>
               <a:rPr lang="en-US" sz="2000" dirty="0" err="1">
@@ -3794,7 +3767,7 @@
                 <a:latin typeface="Courier"/>
                 <a:cs typeface="Courier"/>
               </a:rPr>
-              <a:t>main.cpp</a:t>
+              <a:t>main.c</a:t>
             </a:r>
             <a:r>
               <a:rPr lang="en-US" sz="2000" dirty="0">
@@ -3814,7 +3787,7 @@
                 <a:latin typeface="Courier"/>
                 <a:cs typeface="Courier"/>
               </a:rPr>
-              <a:t>hello.cpp</a:t>
+              <a:t>hello.c</a:t>
             </a:r>
             <a:r>
               <a:rPr lang="en-US" sz="2000" dirty="0">
@@ -3834,7 +3807,7 @@
                 <a:latin typeface="Courier"/>
                 <a:cs typeface="Courier"/>
               </a:rPr>
-              <a:t>factorial.cpp</a:t>
+              <a:t>factorial.c</a:t>
             </a:r>
             <a:r>
               <a:rPr lang="en-US" sz="2000" dirty="0">
@@ -3865,13 +3838,6 @@
   <p:clrMapOvr>
     <a:masterClrMapping/>
   </p:clrMapOvr>
-  <p:timing>
-    <p:tnLst>
-      <p:par>
-        <p:cTn xmlns:p14="http://schemas.microsoft.com/office/powerpoint/2010/main" id="1" dur="indefinite" restart="never" nodeType="tmRoot"/>
-      </p:par>
-    </p:tnLst>
-  </p:timing>
 </p:sld>
 </file>
 
@@ -3908,10 +3874,9 @@
           <a:lstStyle/>
           <a:p>
             <a:r>
-              <a:rPr lang="en-US" dirty="0" smtClean="0"/>
+              <a:rPr lang="en-US" dirty="0"/>
               <a:t>Modification 2 – Separate things</a:t>
             </a:r>
-            <a:endParaRPr lang="en-US" dirty="0"/>
           </a:p>
         </p:txBody>
       </p:sp>
@@ -4014,117 +3979,12 @@
               <a:t> </a:t>
             </a:r>
             <a:r>
-              <a:rPr lang="en-US" dirty="0" err="1" smtClean="0">
+              <a:rPr lang="en-US" dirty="0" err="1">
                 <a:latin typeface="Courier"/>
                 <a:cs typeface="Courier"/>
               </a:rPr>
               <a:t>hello.o</a:t>
             </a:r>
-            <a:endParaRPr lang="en-US" dirty="0" smtClean="0">
-              <a:latin typeface="Courier"/>
-              <a:cs typeface="Courier"/>
-            </a:endParaRPr>
-          </a:p>
-          <a:p>
-            <a:pPr marL="0" indent="0">
-              <a:buNone/>
-            </a:pPr>
-            <a:r>
-              <a:rPr lang="en-US" dirty="0">
-                <a:latin typeface="Courier"/>
-                <a:cs typeface="Courier"/>
-              </a:rPr>
-              <a:t>	</a:t>
-            </a:r>
-            <a:r>
-              <a:rPr lang="en-US" dirty="0" smtClean="0">
-                <a:latin typeface="Courier"/>
-                <a:cs typeface="Courier"/>
-              </a:rPr>
-              <a:t>	</a:t>
-            </a:r>
-            <a:r>
-              <a:rPr lang="en-US" dirty="0" smtClean="0">
-                <a:solidFill>
-                  <a:srgbClr val="FF0000"/>
-                </a:solidFill>
-                <a:latin typeface="Courier"/>
-                <a:cs typeface="Courier"/>
-              </a:rPr>
-              <a:t>g</a:t>
-            </a:r>
-            <a:r>
-              <a:rPr lang="en-US" dirty="0">
-                <a:solidFill>
-                  <a:srgbClr val="FF0000"/>
-                </a:solidFill>
-                <a:latin typeface="Courier"/>
-                <a:cs typeface="Courier"/>
-              </a:rPr>
-              <a:t>++ </a:t>
-            </a:r>
-            <a:r>
-              <a:rPr lang="en-US" dirty="0" err="1">
-                <a:solidFill>
-                  <a:srgbClr val="FF0000"/>
-                </a:solidFill>
-                <a:latin typeface="Courier"/>
-                <a:cs typeface="Courier"/>
-              </a:rPr>
-              <a:t>main.o</a:t>
-            </a:r>
-            <a:r>
-              <a:rPr lang="en-US" dirty="0">
-                <a:solidFill>
-                  <a:srgbClr val="FF0000"/>
-                </a:solidFill>
-                <a:latin typeface="Courier"/>
-                <a:cs typeface="Courier"/>
-              </a:rPr>
-              <a:t> </a:t>
-            </a:r>
-            <a:r>
-              <a:rPr lang="en-US" dirty="0" err="1">
-                <a:solidFill>
-                  <a:srgbClr val="FF0000"/>
-                </a:solidFill>
-                <a:latin typeface="Courier"/>
-                <a:cs typeface="Courier"/>
-              </a:rPr>
-              <a:t>factorial.o</a:t>
-            </a:r>
-            <a:r>
-              <a:rPr lang="en-US" dirty="0">
-                <a:solidFill>
-                  <a:srgbClr val="FF0000"/>
-                </a:solidFill>
-                <a:latin typeface="Courier"/>
-                <a:cs typeface="Courier"/>
-              </a:rPr>
-              <a:t> </a:t>
-            </a:r>
-            <a:r>
-              <a:rPr lang="en-US" dirty="0" err="1">
-                <a:solidFill>
-                  <a:srgbClr val="FF0000"/>
-                </a:solidFill>
-                <a:latin typeface="Courier"/>
-                <a:cs typeface="Courier"/>
-              </a:rPr>
-              <a:t>hello.o</a:t>
-            </a:r>
-            <a:r>
-              <a:rPr lang="en-US" dirty="0">
-                <a:solidFill>
-                  <a:srgbClr val="FF0000"/>
-                </a:solidFill>
-                <a:latin typeface="Courier"/>
-                <a:cs typeface="Courier"/>
-              </a:rPr>
-              <a:t> -o hello</a:t>
-            </a:r>
-          </a:p>
-          <a:p>
             <a:endParaRPr lang="en-US" dirty="0">
               <a:latin typeface="Courier"/>
               <a:cs typeface="Courier"/>
@@ -4135,9 +3995,36 @@
               <a:buNone/>
             </a:pPr>
             <a:r>
+              <a:rPr lang="en-US" dirty="0">
+                <a:latin typeface="Courier"/>
+                <a:cs typeface="Courier"/>
+              </a:rPr>
+              <a:t>		</a:t>
+            </a:r>
+            <a:r>
               <a:rPr lang="en-US" dirty="0" err="1">
                 <a:solidFill>
-                  <a:srgbClr val="3366FF"/>
+                  <a:srgbClr val="FF0000"/>
+                </a:solidFill>
+                <a:latin typeface="Courier"/>
+                <a:cs typeface="Courier"/>
+              </a:rPr>
+              <a:t>gcc</a:t>
+            </a:r>
+            <a:r>
+              <a:rPr lang="en-US" dirty="0">
+                <a:solidFill>
+                  <a:srgbClr val="FF0000"/>
+                </a:solidFill>
+                <a:latin typeface="Courier"/>
+                <a:cs typeface="Courier"/>
+              </a:rPr>
+              <a:t> </a:t>
+            </a:r>
+            <a:r>
+              <a:rPr lang="en-US" dirty="0" err="1">
+                <a:solidFill>
+                  <a:srgbClr val="FF0000"/>
                 </a:solidFill>
                 <a:latin typeface="Courier"/>
                 <a:cs typeface="Courier"/>
@@ -4147,28 +4034,56 @@
             <a:r>
               <a:rPr lang="en-US" dirty="0">
                 <a:solidFill>
-                  <a:srgbClr val="3366FF"/>
-                </a:solidFill>
-                <a:latin typeface="Courier"/>
-                <a:cs typeface="Courier"/>
-              </a:rPr>
-              <a:t>:</a:t>
+                  <a:srgbClr val="FF0000"/>
+                </a:solidFill>
+                <a:latin typeface="Courier"/>
+                <a:cs typeface="Courier"/>
+              </a:rPr>
+              <a:t> </a:t>
+            </a:r>
+            <a:r>
+              <a:rPr lang="en-US" dirty="0" err="1">
+                <a:solidFill>
+                  <a:srgbClr val="FF0000"/>
+                </a:solidFill>
+                <a:latin typeface="Courier"/>
+                <a:cs typeface="Courier"/>
+              </a:rPr>
+              <a:t>factorial.o</a:t>
             </a:r>
             <a:r>
               <a:rPr lang="en-US" dirty="0">
+                <a:solidFill>
+                  <a:srgbClr val="FF0000"/>
+                </a:solidFill>
                 <a:latin typeface="Courier"/>
                 <a:cs typeface="Courier"/>
               </a:rPr>
               <a:t> </a:t>
             </a:r>
             <a:r>
-              <a:rPr lang="en-US" dirty="0" err="1" smtClean="0">
-                <a:latin typeface="Courier"/>
-                <a:cs typeface="Courier"/>
-              </a:rPr>
-              <a:t>main.cpp</a:t>
-            </a:r>
-            <a:endParaRPr lang="en-US" dirty="0" smtClean="0">
+              <a:rPr lang="en-US" dirty="0" err="1">
+                <a:solidFill>
+                  <a:srgbClr val="FF0000"/>
+                </a:solidFill>
+                <a:latin typeface="Courier"/>
+                <a:cs typeface="Courier"/>
+              </a:rPr>
+              <a:t>hello.o</a:t>
+            </a:r>
+            <a:r>
+              <a:rPr lang="en-US" dirty="0">
+                <a:solidFill>
+                  <a:srgbClr val="FF0000"/>
+                </a:solidFill>
+                <a:latin typeface="Courier"/>
+                <a:cs typeface="Courier"/>
+              </a:rPr>
+              <a:t> -o hello</a:t>
+            </a:r>
+          </a:p>
+          <a:p>
+            <a:endParaRPr lang="en-US" dirty="0">
               <a:latin typeface="Courier"/>
               <a:cs typeface="Courier"/>
             </a:endParaRPr>
@@ -4178,28 +4093,64 @@
               <a:buNone/>
             </a:pPr>
             <a:r>
+              <a:rPr lang="en-US" dirty="0" err="1">
+                <a:solidFill>
+                  <a:srgbClr val="3366FF"/>
+                </a:solidFill>
+                <a:latin typeface="Courier"/>
+                <a:cs typeface="Courier"/>
+              </a:rPr>
+              <a:t>main.o</a:t>
+            </a:r>
+            <a:r>
               <a:rPr lang="en-US" dirty="0">
-                <a:latin typeface="Courier"/>
-                <a:cs typeface="Courier"/>
-              </a:rPr>
-              <a:t>	</a:t>
-            </a:r>
-            <a:r>
-              <a:rPr lang="en-US" dirty="0" smtClean="0">
-                <a:latin typeface="Courier"/>
-                <a:cs typeface="Courier"/>
-              </a:rPr>
-              <a:t>	</a:t>
-            </a:r>
-            <a:r>
-              <a:rPr lang="fr-FR" dirty="0" smtClean="0">
-                <a:solidFill>
-                  <a:srgbClr val="FF0000"/>
-                </a:solidFill>
-                <a:latin typeface="Courier"/>
-                <a:cs typeface="Courier"/>
-              </a:rPr>
-              <a:t>g</a:t>
+                <a:solidFill>
+                  <a:srgbClr val="3366FF"/>
+                </a:solidFill>
+                <a:latin typeface="Courier"/>
+                <a:cs typeface="Courier"/>
+              </a:rPr>
+              <a:t>:</a:t>
+            </a:r>
+            <a:r>
+              <a:rPr lang="en-US" dirty="0">
+                <a:latin typeface="Courier"/>
+                <a:cs typeface="Courier"/>
+              </a:rPr>
+              <a:t> </a:t>
+            </a:r>
+            <a:r>
+              <a:rPr lang="en-US" dirty="0" err="1">
+                <a:latin typeface="Courier"/>
+                <a:cs typeface="Courier"/>
+              </a:rPr>
+              <a:t>main.c</a:t>
+            </a:r>
+            <a:endParaRPr lang="en-US" dirty="0">
+              <a:latin typeface="Courier"/>
+              <a:cs typeface="Courier"/>
+            </a:endParaRPr>
+          </a:p>
+          <a:p>
+            <a:pPr marL="0" indent="0">
+              <a:buNone/>
+            </a:pPr>
+            <a:r>
+              <a:rPr lang="en-US" dirty="0">
+                <a:latin typeface="Courier"/>
+                <a:cs typeface="Courier"/>
+              </a:rPr>
+              <a:t>		</a:t>
+            </a:r>
+            <a:r>
+              <a:rPr lang="fr-FR" dirty="0" err="1">
+                <a:solidFill>
+                  <a:srgbClr val="FF0000"/>
+                </a:solidFill>
+                <a:latin typeface="Courier"/>
+                <a:cs typeface="Courier"/>
+              </a:rPr>
+              <a:t>gcc</a:t>
             </a:r>
             <a:r>
               <a:rPr lang="fr-FR" dirty="0">
@@ -4209,17 +4160,17 @@
                 <a:latin typeface="Courier"/>
                 <a:cs typeface="Courier"/>
               </a:rPr>
-              <a:t>++ -c </a:t>
-            </a:r>
-            <a:r>
-              <a:rPr lang="fr-FR" dirty="0" err="1" smtClean="0">
-                <a:solidFill>
-                  <a:srgbClr val="FF0000"/>
-                </a:solidFill>
-                <a:latin typeface="Courier"/>
-                <a:cs typeface="Courier"/>
-              </a:rPr>
-              <a:t>main.cpp</a:t>
+              <a:t> -c </a:t>
+            </a:r>
+            <a:r>
+              <a:rPr lang="fr-FR" dirty="0" err="1">
+                <a:solidFill>
+                  <a:srgbClr val="FF0000"/>
+                </a:solidFill>
+                <a:latin typeface="Courier"/>
+                <a:cs typeface="Courier"/>
+              </a:rPr>
+              <a:t>main.c</a:t>
             </a:r>
             <a:endParaRPr lang="fr-FR" dirty="0">
               <a:solidFill>
@@ -4233,7 +4184,7 @@
             <a:pPr marL="0" indent="0">
               <a:buNone/>
             </a:pPr>
-            <a:endParaRPr lang="fr-FR" dirty="0" smtClean="0">
+            <a:endParaRPr lang="fr-FR" dirty="0">
               <a:latin typeface="Courier"/>
               <a:cs typeface="Courier"/>
             </a:endParaRPr>
@@ -4243,7 +4194,7 @@
               <a:buNone/>
             </a:pPr>
             <a:r>
-              <a:rPr lang="fr-FR" dirty="0" err="1" smtClean="0">
+              <a:rPr lang="fr-FR" dirty="0" err="1">
                 <a:solidFill>
                   <a:srgbClr val="3366FF"/>
                 </a:solidFill>
@@ -4270,13 +4221,13 @@
               <a:t> </a:t>
             </a:r>
             <a:r>
-              <a:rPr lang="fr-FR" dirty="0" err="1" smtClean="0">
-                <a:latin typeface="Courier"/>
-                <a:cs typeface="Courier"/>
-              </a:rPr>
-              <a:t>factorial.cpp</a:t>
-            </a:r>
-            <a:endParaRPr lang="fr-FR" dirty="0" smtClean="0">
+              <a:rPr lang="fr-FR" dirty="0" err="1">
+                <a:latin typeface="Courier"/>
+                <a:cs typeface="Courier"/>
+              </a:rPr>
+              <a:t>factorial.c</a:t>
+            </a:r>
+            <a:endParaRPr lang="fr-FR" dirty="0">
               <a:latin typeface="Courier"/>
               <a:cs typeface="Courier"/>
             </a:endParaRPr>
@@ -4290,24 +4241,17 @@
                 <a:latin typeface="Courier"/>
                 <a:cs typeface="Courier"/>
               </a:rPr>
-              <a:t>	</a:t>
-            </a:r>
-            <a:r>
-              <a:rPr lang="fr-FR" dirty="0" smtClean="0">
-                <a:latin typeface="Courier"/>
-                <a:cs typeface="Courier"/>
-              </a:rPr>
-              <a:t>	</a:t>
-            </a:r>
-            <a:r>
-              <a:rPr lang="fr-FR" dirty="0" smtClean="0">
-                <a:solidFill>
-                  <a:srgbClr val="FF0000"/>
-                </a:solidFill>
-                <a:latin typeface="Courier"/>
-                <a:cs typeface="Courier"/>
-              </a:rPr>
-              <a:t>g</a:t>
+              <a:t>		</a:t>
+            </a:r>
+            <a:r>
+              <a:rPr lang="fr-FR" dirty="0" err="1">
+                <a:solidFill>
+                  <a:srgbClr val="FF0000"/>
+                </a:solidFill>
+                <a:latin typeface="Courier"/>
+                <a:cs typeface="Courier"/>
+              </a:rPr>
+              <a:t>gcc</a:t>
             </a:r>
             <a:r>
               <a:rPr lang="fr-FR" dirty="0">
@@ -4317,7 +4261,7 @@
                 <a:latin typeface="Courier"/>
                 <a:cs typeface="Courier"/>
               </a:rPr>
-              <a:t>++ -c </a:t>
+              <a:t> -c </a:t>
             </a:r>
             <a:r>
               <a:rPr lang="fr-FR" dirty="0" err="1">
@@ -4327,7 +4271,7 @@
                 <a:latin typeface="Courier"/>
                 <a:cs typeface="Courier"/>
               </a:rPr>
-              <a:t>factorial.cpp</a:t>
+              <a:t>factorial.c</a:t>
             </a:r>
             <a:endParaRPr lang="fr-FR" dirty="0">
               <a:solidFill>
@@ -4341,7 +4285,7 @@
             <a:pPr marL="0" indent="0">
               <a:buNone/>
             </a:pPr>
-            <a:endParaRPr lang="fr-FR" dirty="0" smtClean="0">
+            <a:endParaRPr lang="fr-FR" dirty="0">
               <a:latin typeface="Courier"/>
               <a:cs typeface="Courier"/>
             </a:endParaRPr>
@@ -4351,7 +4295,7 @@
               <a:buNone/>
             </a:pPr>
             <a:r>
-              <a:rPr lang="fr-FR" dirty="0" err="1" smtClean="0">
+              <a:rPr lang="fr-FR" dirty="0" err="1">
                 <a:solidFill>
                   <a:srgbClr val="3366FF"/>
                 </a:solidFill>
@@ -4378,13 +4322,13 @@
               <a:t> </a:t>
             </a:r>
             <a:r>
-              <a:rPr lang="fr-FR" dirty="0" err="1" smtClean="0">
-                <a:latin typeface="Courier"/>
-                <a:cs typeface="Courier"/>
-              </a:rPr>
-              <a:t>hello.cpp</a:t>
-            </a:r>
-            <a:endParaRPr lang="fr-FR" dirty="0" smtClean="0">
+              <a:rPr lang="fr-FR" dirty="0" err="1">
+                <a:latin typeface="Courier"/>
+                <a:cs typeface="Courier"/>
+              </a:rPr>
+              <a:t>hello.c</a:t>
+            </a:r>
+            <a:endParaRPr lang="fr-FR" dirty="0">
               <a:latin typeface="Courier"/>
               <a:cs typeface="Courier"/>
             </a:endParaRPr>
@@ -4398,24 +4342,17 @@
                 <a:latin typeface="Courier"/>
                 <a:cs typeface="Courier"/>
               </a:rPr>
-              <a:t>	</a:t>
-            </a:r>
-            <a:r>
-              <a:rPr lang="fr-FR" dirty="0" smtClean="0">
-                <a:latin typeface="Courier"/>
-                <a:cs typeface="Courier"/>
-              </a:rPr>
-              <a:t>	</a:t>
-            </a:r>
-            <a:r>
-              <a:rPr lang="it-IT" dirty="0" smtClean="0">
-                <a:solidFill>
-                  <a:srgbClr val="FF0000"/>
-                </a:solidFill>
-                <a:latin typeface="Courier"/>
-                <a:cs typeface="Courier"/>
-              </a:rPr>
-              <a:t>g</a:t>
+              <a:t>		</a:t>
+            </a:r>
+            <a:r>
+              <a:rPr lang="it-IT" dirty="0" err="1">
+                <a:solidFill>
+                  <a:srgbClr val="FF0000"/>
+                </a:solidFill>
+                <a:latin typeface="Courier"/>
+                <a:cs typeface="Courier"/>
+              </a:rPr>
+              <a:t>gcc</a:t>
             </a:r>
             <a:r>
               <a:rPr lang="it-IT" dirty="0">
@@ -4425,7 +4362,7 @@
                 <a:latin typeface="Courier"/>
                 <a:cs typeface="Courier"/>
               </a:rPr>
-              <a:t>++ -c </a:t>
+              <a:t> -c </a:t>
             </a:r>
             <a:r>
               <a:rPr lang="it-IT" dirty="0" err="1">
@@ -4435,7 +4372,7 @@
                 <a:latin typeface="Courier"/>
                 <a:cs typeface="Courier"/>
               </a:rPr>
-              <a:t>hello.cpp</a:t>
+              <a:t>hello.c</a:t>
             </a:r>
             <a:endParaRPr lang="it-IT" dirty="0">
               <a:solidFill>
@@ -4463,20 +4400,10 @@
                 <a:latin typeface="Courier"/>
                 <a:cs typeface="Courier"/>
               </a:rPr>
-              <a:t>c</a:t>
-            </a:r>
-            <a:r>
-              <a:rPr lang="it-IT" dirty="0" err="1" smtClean="0">
-                <a:solidFill>
-                  <a:srgbClr val="3366FF"/>
-                </a:solidFill>
-                <a:latin typeface="Courier"/>
-                <a:cs typeface="Courier"/>
-              </a:rPr>
-              <a:t>lean</a:t>
-            </a:r>
-            <a:r>
-              <a:rPr lang="it-IT" dirty="0" smtClean="0">
+              <a:t>clean</a:t>
+            </a:r>
+            <a:r>
+              <a:rPr lang="it-IT" dirty="0">
                 <a:solidFill>
                   <a:srgbClr val="3366FF"/>
                 </a:solidFill>
@@ -4498,20 +4425,10 @@
                 <a:latin typeface="Courier"/>
                 <a:cs typeface="Courier"/>
               </a:rPr>
-              <a:t>	</a:t>
-            </a:r>
-            <a:r>
-              <a:rPr lang="it-IT" dirty="0" smtClean="0">
-                <a:solidFill>
-                  <a:srgbClr val="3366FF"/>
-                </a:solidFill>
-                <a:latin typeface="Courier"/>
-                <a:cs typeface="Courier"/>
-              </a:rPr>
-              <a:t>	</a:t>
-            </a:r>
-            <a:r>
-              <a:rPr lang="it-IT" dirty="0" err="1" smtClean="0">
+              <a:t>		</a:t>
+            </a:r>
+            <a:r>
+              <a:rPr lang="it-IT" dirty="0" err="1">
                 <a:solidFill>
                   <a:srgbClr val="FF0000"/>
                 </a:solidFill>
@@ -4521,16 +4438,6 @@
               <a:t>rm</a:t>
             </a:r>
             <a:r>
-              <a:rPr lang="it-IT" dirty="0" smtClean="0">
-                <a:solidFill>
-                  <a:srgbClr val="FF0000"/>
-                </a:solidFill>
-                <a:latin typeface="Courier"/>
-                <a:cs typeface="Courier"/>
-              </a:rPr>
-              <a:t> </a:t>
-            </a:r>
-            <a:r>
               <a:rPr lang="it-IT" dirty="0">
                 <a:solidFill>
                   <a:srgbClr val="FF0000"/>
@@ -4538,7 +4445,7 @@
                 <a:latin typeface="Courier"/>
                 <a:cs typeface="Courier"/>
               </a:rPr>
-              <a:t>-</a:t>
+              <a:t> -</a:t>
             </a:r>
             <a:r>
               <a:rPr lang="it-IT" dirty="0" err="1">
@@ -4558,27 +4465,7 @@
                 <a:latin typeface="Courier"/>
                 <a:cs typeface="Courier"/>
               </a:rPr>
-              <a:t> </a:t>
-            </a:r>
-            <a:r>
-              <a:rPr lang="it-IT" dirty="0" smtClean="0">
-                <a:solidFill>
-                  <a:srgbClr val="FF0000"/>
-                </a:solidFill>
-                <a:latin typeface="Courier"/>
-                <a:cs typeface="Courier"/>
-              </a:rPr>
-              <a:t>*.o </a:t>
-            </a:r>
-            <a:r>
-              <a:rPr lang="it-IT" dirty="0">
-                <a:solidFill>
-                  <a:srgbClr val="FF0000"/>
-                </a:solidFill>
-                <a:latin typeface="Courier"/>
-                <a:cs typeface="Courier"/>
-              </a:rPr>
-              <a:t>hello</a:t>
+              <a:t> *.o hello</a:t>
             </a:r>
           </a:p>
           <a:p>
@@ -4599,13 +4486,6 @@
   <p:clrMapOvr>
     <a:masterClrMapping/>
   </p:clrMapOvr>
-  <p:timing>
-    <p:tnLst>
-      <p:par>
-        <p:cTn xmlns:p14="http://schemas.microsoft.com/office/powerpoint/2010/main" id="1" dur="indefinite" restart="never" nodeType="tmRoot"/>
-      </p:par>
-    </p:tnLst>
-  </p:timing>
 </p:sld>
 </file>
 
@@ -4642,10 +4522,9 @@
           <a:lstStyle/>
           <a:p>
             <a:r>
-              <a:rPr lang="en-US" dirty="0" smtClean="0"/>
+              <a:rPr lang="en-US" dirty="0"/>
               <a:t>Modification 3 – Documentation!</a:t>
             </a:r>
-            <a:endParaRPr lang="en-US" dirty="0"/>
           </a:p>
         </p:txBody>
       </p:sp>
@@ -4675,7 +4554,7 @@
               <a:buNone/>
             </a:pPr>
             <a:r>
-              <a:rPr lang="en-US" dirty="0" smtClean="0">
+              <a:rPr lang="en-US" dirty="0">
                 <a:solidFill>
                   <a:srgbClr val="3366FF"/>
                 </a:solidFill>
@@ -4690,16 +4569,6 @@
               <a:buNone/>
             </a:pPr>
             <a:r>
-              <a:rPr lang="en-US" dirty="0" smtClean="0">
-                <a:solidFill>
-                  <a:srgbClr val="3366FF"/>
-                </a:solidFill>
-                <a:latin typeface="Courier"/>
-                <a:cs typeface="Courier"/>
-              </a:rPr>
-              <a:t># </a:t>
-            </a:r>
-            <a:r>
               <a:rPr lang="en-US" dirty="0">
                 <a:solidFill>
                   <a:srgbClr val="3366FF"/>
@@ -4707,25 +4576,15 @@
                 <a:latin typeface="Courier"/>
                 <a:cs typeface="Courier"/>
               </a:rPr>
-              <a:t>I am a </a:t>
-            </a:r>
-            <a:r>
-              <a:rPr lang="en-US" dirty="0" smtClean="0">
-                <a:solidFill>
-                  <a:srgbClr val="3366FF"/>
-                </a:solidFill>
-                <a:latin typeface="Courier"/>
-                <a:cs typeface="Courier"/>
-              </a:rPr>
-              <a:t>comment … students have never seen me before</a:t>
-            </a:r>
-          </a:p>
-          <a:p>
-            <a:pPr marL="0" indent="0">
-              <a:buNone/>
-            </a:pPr>
-            <a:r>
-              <a:rPr lang="en-US" dirty="0" smtClean="0">
+              <a:t># I am a comment … students have never seen me before</a:t>
+            </a:r>
+          </a:p>
+          <a:p>
+            <a:pPr marL="0" indent="0">
+              <a:buNone/>
+            </a:pPr>
+            <a:r>
+              <a:rPr lang="en-US" dirty="0">
                 <a:solidFill>
                   <a:srgbClr val="3366FF"/>
                 </a:solidFill>
@@ -4740,7 +4599,7 @@
               <a:buNone/>
             </a:pPr>
             <a:r>
-              <a:rPr lang="en-US" dirty="0" smtClean="0">
+              <a:rPr lang="en-US" dirty="0">
                 <a:solidFill>
                   <a:srgbClr val="3366FF"/>
                 </a:solidFill>
@@ -4755,7 +4614,7 @@
               <a:buNone/>
             </a:pPr>
             <a:r>
-              <a:rPr lang="en-US" dirty="0" smtClean="0">
+              <a:rPr lang="en-US" dirty="0">
                 <a:solidFill>
                   <a:srgbClr val="3366FF"/>
                 </a:solidFill>
@@ -4770,16 +4629,6 @@
               <a:buNone/>
             </a:pPr>
             <a:r>
-              <a:rPr lang="en-US" dirty="0" smtClean="0">
-                <a:solidFill>
-                  <a:srgbClr val="3366FF"/>
-                </a:solidFill>
-                <a:latin typeface="Courier"/>
-                <a:cs typeface="Courier"/>
-              </a:rPr>
-              <a:t>all</a:t>
-            </a:r>
-            <a:r>
               <a:rPr lang="en-US" dirty="0">
                 <a:solidFill>
                   <a:srgbClr val="3366FF"/>
@@ -4787,7 +4636,7 @@
                 <a:latin typeface="Courier"/>
                 <a:cs typeface="Courier"/>
               </a:rPr>
-              <a:t>:</a:t>
+              <a:t>all:</a:t>
             </a:r>
             <a:r>
               <a:rPr lang="en-US" dirty="0">
@@ -4853,117 +4702,12 @@
               <a:t> </a:t>
             </a:r>
             <a:r>
-              <a:rPr lang="en-US" dirty="0" err="1" smtClean="0">
+              <a:rPr lang="en-US" dirty="0" err="1">
                 <a:latin typeface="Courier"/>
                 <a:cs typeface="Courier"/>
               </a:rPr>
               <a:t>hello.o</a:t>
             </a:r>
-            <a:endParaRPr lang="en-US" dirty="0" smtClean="0">
-              <a:latin typeface="Courier"/>
-              <a:cs typeface="Courier"/>
-            </a:endParaRPr>
-          </a:p>
-          <a:p>
-            <a:pPr marL="0" indent="0">
-              <a:buNone/>
-            </a:pPr>
-            <a:r>
-              <a:rPr lang="en-US" dirty="0">
-                <a:latin typeface="Courier"/>
-                <a:cs typeface="Courier"/>
-              </a:rPr>
-              <a:t>	</a:t>
-            </a:r>
-            <a:r>
-              <a:rPr lang="en-US" dirty="0" smtClean="0">
-                <a:latin typeface="Courier"/>
-                <a:cs typeface="Courier"/>
-              </a:rPr>
-              <a:t>	</a:t>
-            </a:r>
-            <a:r>
-              <a:rPr lang="en-US" dirty="0" smtClean="0">
-                <a:solidFill>
-                  <a:srgbClr val="FF0000"/>
-                </a:solidFill>
-                <a:latin typeface="Courier"/>
-                <a:cs typeface="Courier"/>
-              </a:rPr>
-              <a:t>g</a:t>
-            </a:r>
-            <a:r>
-              <a:rPr lang="en-US" dirty="0">
-                <a:solidFill>
-                  <a:srgbClr val="FF0000"/>
-                </a:solidFill>
-                <a:latin typeface="Courier"/>
-                <a:cs typeface="Courier"/>
-              </a:rPr>
-              <a:t>++ </a:t>
-            </a:r>
-            <a:r>
-              <a:rPr lang="en-US" dirty="0" err="1">
-                <a:solidFill>
-                  <a:srgbClr val="FF0000"/>
-                </a:solidFill>
-                <a:latin typeface="Courier"/>
-                <a:cs typeface="Courier"/>
-              </a:rPr>
-              <a:t>main.o</a:t>
-            </a:r>
-            <a:r>
-              <a:rPr lang="en-US" dirty="0">
-                <a:solidFill>
-                  <a:srgbClr val="FF0000"/>
-                </a:solidFill>
-                <a:latin typeface="Courier"/>
-                <a:cs typeface="Courier"/>
-              </a:rPr>
-              <a:t> </a:t>
-            </a:r>
-            <a:r>
-              <a:rPr lang="en-US" dirty="0" err="1">
-                <a:solidFill>
-                  <a:srgbClr val="FF0000"/>
-                </a:solidFill>
-                <a:latin typeface="Courier"/>
-                <a:cs typeface="Courier"/>
-              </a:rPr>
-              <a:t>factorial.o</a:t>
-            </a:r>
-            <a:r>
-              <a:rPr lang="en-US" dirty="0">
-                <a:solidFill>
-                  <a:srgbClr val="FF0000"/>
-                </a:solidFill>
-                <a:latin typeface="Courier"/>
-                <a:cs typeface="Courier"/>
-              </a:rPr>
-              <a:t> </a:t>
-            </a:r>
-            <a:r>
-              <a:rPr lang="en-US" dirty="0" err="1">
-                <a:solidFill>
-                  <a:srgbClr val="FF0000"/>
-                </a:solidFill>
-                <a:latin typeface="Courier"/>
-                <a:cs typeface="Courier"/>
-              </a:rPr>
-              <a:t>hello.o</a:t>
-            </a:r>
-            <a:r>
-              <a:rPr lang="en-US" dirty="0">
-                <a:solidFill>
-                  <a:srgbClr val="FF0000"/>
-                </a:solidFill>
-                <a:latin typeface="Courier"/>
-                <a:cs typeface="Courier"/>
-              </a:rPr>
-              <a:t> -o hello</a:t>
-            </a:r>
-          </a:p>
-          <a:p>
             <a:endParaRPr lang="en-US" dirty="0">
               <a:latin typeface="Courier"/>
               <a:cs typeface="Courier"/>
@@ -4974,9 +4718,36 @@
               <a:buNone/>
             </a:pPr>
             <a:r>
+              <a:rPr lang="en-US" dirty="0">
+                <a:latin typeface="Courier"/>
+                <a:cs typeface="Courier"/>
+              </a:rPr>
+              <a:t>		</a:t>
+            </a:r>
+            <a:r>
               <a:rPr lang="en-US" dirty="0" err="1">
                 <a:solidFill>
-                  <a:srgbClr val="3366FF"/>
+                  <a:srgbClr val="FF0000"/>
+                </a:solidFill>
+                <a:latin typeface="Courier"/>
+                <a:cs typeface="Courier"/>
+              </a:rPr>
+              <a:t>gcc</a:t>
+            </a:r>
+            <a:r>
+              <a:rPr lang="en-US" dirty="0">
+                <a:solidFill>
+                  <a:srgbClr val="FF0000"/>
+                </a:solidFill>
+                <a:latin typeface="Courier"/>
+                <a:cs typeface="Courier"/>
+              </a:rPr>
+              <a:t> </a:t>
+            </a:r>
+            <a:r>
+              <a:rPr lang="en-US" dirty="0" err="1">
+                <a:solidFill>
+                  <a:srgbClr val="FF0000"/>
                 </a:solidFill>
                 <a:latin typeface="Courier"/>
                 <a:cs typeface="Courier"/>
@@ -4986,28 +4757,56 @@
             <a:r>
               <a:rPr lang="en-US" dirty="0">
                 <a:solidFill>
-                  <a:srgbClr val="3366FF"/>
-                </a:solidFill>
-                <a:latin typeface="Courier"/>
-                <a:cs typeface="Courier"/>
-              </a:rPr>
-              <a:t>:</a:t>
+                  <a:srgbClr val="FF0000"/>
+                </a:solidFill>
+                <a:latin typeface="Courier"/>
+                <a:cs typeface="Courier"/>
+              </a:rPr>
+              <a:t> </a:t>
+            </a:r>
+            <a:r>
+              <a:rPr lang="en-US" dirty="0" err="1">
+                <a:solidFill>
+                  <a:srgbClr val="FF0000"/>
+                </a:solidFill>
+                <a:latin typeface="Courier"/>
+                <a:cs typeface="Courier"/>
+              </a:rPr>
+              <a:t>factorial.o</a:t>
             </a:r>
             <a:r>
               <a:rPr lang="en-US" dirty="0">
+                <a:solidFill>
+                  <a:srgbClr val="FF0000"/>
+                </a:solidFill>
                 <a:latin typeface="Courier"/>
                 <a:cs typeface="Courier"/>
               </a:rPr>
               <a:t> </a:t>
             </a:r>
             <a:r>
-              <a:rPr lang="en-US" dirty="0" err="1" smtClean="0">
-                <a:latin typeface="Courier"/>
-                <a:cs typeface="Courier"/>
-              </a:rPr>
-              <a:t>main.cpp</a:t>
-            </a:r>
-            <a:endParaRPr lang="en-US" dirty="0" smtClean="0">
+              <a:rPr lang="en-US" dirty="0" err="1">
+                <a:solidFill>
+                  <a:srgbClr val="FF0000"/>
+                </a:solidFill>
+                <a:latin typeface="Courier"/>
+                <a:cs typeface="Courier"/>
+              </a:rPr>
+              <a:t>hello.o</a:t>
+            </a:r>
+            <a:r>
+              <a:rPr lang="en-US" dirty="0">
+                <a:solidFill>
+                  <a:srgbClr val="FF0000"/>
+                </a:solidFill>
+                <a:latin typeface="Courier"/>
+                <a:cs typeface="Courier"/>
+              </a:rPr>
+              <a:t> -o hello</a:t>
+            </a:r>
+          </a:p>
+          <a:p>
+            <a:endParaRPr lang="en-US" dirty="0">
               <a:latin typeface="Courier"/>
               <a:cs typeface="Courier"/>
             </a:endParaRPr>
@@ -5017,28 +4816,64 @@
               <a:buNone/>
             </a:pPr>
             <a:r>
+              <a:rPr lang="en-US" dirty="0" err="1">
+                <a:solidFill>
+                  <a:srgbClr val="3366FF"/>
+                </a:solidFill>
+                <a:latin typeface="Courier"/>
+                <a:cs typeface="Courier"/>
+              </a:rPr>
+              <a:t>main.o</a:t>
+            </a:r>
+            <a:r>
               <a:rPr lang="en-US" dirty="0">
-                <a:latin typeface="Courier"/>
-                <a:cs typeface="Courier"/>
-              </a:rPr>
-              <a:t>	</a:t>
-            </a:r>
-            <a:r>
-              <a:rPr lang="en-US" dirty="0" smtClean="0">
-                <a:latin typeface="Courier"/>
-                <a:cs typeface="Courier"/>
-              </a:rPr>
-              <a:t>	</a:t>
-            </a:r>
-            <a:r>
-              <a:rPr lang="fr-FR" dirty="0" smtClean="0">
-                <a:solidFill>
-                  <a:srgbClr val="FF0000"/>
-                </a:solidFill>
-                <a:latin typeface="Courier"/>
-                <a:cs typeface="Courier"/>
-              </a:rPr>
-              <a:t>g</a:t>
+                <a:solidFill>
+                  <a:srgbClr val="3366FF"/>
+                </a:solidFill>
+                <a:latin typeface="Courier"/>
+                <a:cs typeface="Courier"/>
+              </a:rPr>
+              <a:t>:</a:t>
+            </a:r>
+            <a:r>
+              <a:rPr lang="en-US" dirty="0">
+                <a:latin typeface="Courier"/>
+                <a:cs typeface="Courier"/>
+              </a:rPr>
+              <a:t> </a:t>
+            </a:r>
+            <a:r>
+              <a:rPr lang="en-US" dirty="0" err="1">
+                <a:latin typeface="Courier"/>
+                <a:cs typeface="Courier"/>
+              </a:rPr>
+              <a:t>main.c</a:t>
+            </a:r>
+            <a:endParaRPr lang="en-US" dirty="0">
+              <a:latin typeface="Courier"/>
+              <a:cs typeface="Courier"/>
+            </a:endParaRPr>
+          </a:p>
+          <a:p>
+            <a:pPr marL="0" indent="0">
+              <a:buNone/>
+            </a:pPr>
+            <a:r>
+              <a:rPr lang="en-US" dirty="0">
+                <a:latin typeface="Courier"/>
+                <a:cs typeface="Courier"/>
+              </a:rPr>
+              <a:t>		</a:t>
+            </a:r>
+            <a:r>
+              <a:rPr lang="fr-FR" dirty="0" err="1">
+                <a:solidFill>
+                  <a:srgbClr val="FF0000"/>
+                </a:solidFill>
+                <a:latin typeface="Courier"/>
+                <a:cs typeface="Courier"/>
+              </a:rPr>
+              <a:t>gcc</a:t>
             </a:r>
             <a:r>
               <a:rPr lang="fr-FR" dirty="0">
@@ -5048,17 +4883,17 @@
                 <a:latin typeface="Courier"/>
                 <a:cs typeface="Courier"/>
               </a:rPr>
-              <a:t>++ -c </a:t>
-            </a:r>
-            <a:r>
-              <a:rPr lang="fr-FR" dirty="0" err="1" smtClean="0">
-                <a:solidFill>
-                  <a:srgbClr val="FF0000"/>
-                </a:solidFill>
-                <a:latin typeface="Courier"/>
-                <a:cs typeface="Courier"/>
-              </a:rPr>
-              <a:t>main.cpp</a:t>
+              <a:t> -c </a:t>
+            </a:r>
+            <a:r>
+              <a:rPr lang="fr-FR" dirty="0" err="1">
+                <a:solidFill>
+                  <a:srgbClr val="FF0000"/>
+                </a:solidFill>
+                <a:latin typeface="Courier"/>
+                <a:cs typeface="Courier"/>
+              </a:rPr>
+              <a:t>main.c</a:t>
             </a:r>
             <a:endParaRPr lang="fr-FR" dirty="0">
               <a:solidFill>
@@ -5072,7 +4907,7 @@
             <a:pPr marL="0" indent="0">
               <a:buNone/>
             </a:pPr>
-            <a:endParaRPr lang="fr-FR" dirty="0" smtClean="0">
+            <a:endParaRPr lang="fr-FR" dirty="0">
               <a:latin typeface="Courier"/>
               <a:cs typeface="Courier"/>
             </a:endParaRPr>
@@ -5082,7 +4917,7 @@
               <a:buNone/>
             </a:pPr>
             <a:r>
-              <a:rPr lang="fr-FR" dirty="0" err="1" smtClean="0">
+              <a:rPr lang="fr-FR" dirty="0" err="1">
                 <a:solidFill>
                   <a:srgbClr val="3366FF"/>
                 </a:solidFill>
@@ -5109,13 +4944,13 @@
               <a:t> </a:t>
             </a:r>
             <a:r>
-              <a:rPr lang="fr-FR" dirty="0" err="1" smtClean="0">
-                <a:latin typeface="Courier"/>
-                <a:cs typeface="Courier"/>
-              </a:rPr>
-              <a:t>factorial.cpp</a:t>
-            </a:r>
-            <a:endParaRPr lang="fr-FR" dirty="0" smtClean="0">
+              <a:rPr lang="fr-FR" dirty="0" err="1">
+                <a:latin typeface="Courier"/>
+                <a:cs typeface="Courier"/>
+              </a:rPr>
+              <a:t>factorial.c</a:t>
+            </a:r>
+            <a:endParaRPr lang="fr-FR" dirty="0">
               <a:latin typeface="Courier"/>
               <a:cs typeface="Courier"/>
             </a:endParaRPr>
@@ -5129,24 +4964,17 @@
                 <a:latin typeface="Courier"/>
                 <a:cs typeface="Courier"/>
               </a:rPr>
-              <a:t>	</a:t>
-            </a:r>
-            <a:r>
-              <a:rPr lang="fr-FR" dirty="0" smtClean="0">
-                <a:latin typeface="Courier"/>
-                <a:cs typeface="Courier"/>
-              </a:rPr>
-              <a:t>	</a:t>
-            </a:r>
-            <a:r>
-              <a:rPr lang="fr-FR" dirty="0" smtClean="0">
-                <a:solidFill>
-                  <a:srgbClr val="FF0000"/>
-                </a:solidFill>
-                <a:latin typeface="Courier"/>
-                <a:cs typeface="Courier"/>
-              </a:rPr>
-              <a:t>g</a:t>
+              <a:t>		</a:t>
+            </a:r>
+            <a:r>
+              <a:rPr lang="fr-FR" dirty="0" err="1">
+                <a:solidFill>
+                  <a:srgbClr val="FF0000"/>
+                </a:solidFill>
+                <a:latin typeface="Courier"/>
+                <a:cs typeface="Courier"/>
+              </a:rPr>
+              <a:t>gcc</a:t>
             </a:r>
             <a:r>
               <a:rPr lang="fr-FR" dirty="0">
@@ -5156,7 +4984,7 @@
                 <a:latin typeface="Courier"/>
                 <a:cs typeface="Courier"/>
               </a:rPr>
-              <a:t>++ -c </a:t>
+              <a:t> -c </a:t>
             </a:r>
             <a:r>
               <a:rPr lang="fr-FR" dirty="0" err="1">
@@ -5166,7 +4994,7 @@
                 <a:latin typeface="Courier"/>
                 <a:cs typeface="Courier"/>
               </a:rPr>
-              <a:t>factorial.cpp</a:t>
+              <a:t>factorial.c</a:t>
             </a:r>
             <a:endParaRPr lang="fr-FR" dirty="0">
               <a:solidFill>
@@ -5180,7 +5008,7 @@
             <a:pPr marL="0" indent="0">
               <a:buNone/>
             </a:pPr>
-            <a:endParaRPr lang="fr-FR" dirty="0" smtClean="0">
+            <a:endParaRPr lang="fr-FR" dirty="0">
               <a:latin typeface="Courier"/>
               <a:cs typeface="Courier"/>
             </a:endParaRPr>
@@ -5190,7 +5018,7 @@
               <a:buNone/>
             </a:pPr>
             <a:r>
-              <a:rPr lang="fr-FR" dirty="0" err="1" smtClean="0">
+              <a:rPr lang="fr-FR" dirty="0" err="1">
                 <a:solidFill>
                   <a:srgbClr val="3366FF"/>
                 </a:solidFill>
@@ -5217,13 +5045,13 @@
               <a:t> </a:t>
             </a:r>
             <a:r>
-              <a:rPr lang="fr-FR" dirty="0" err="1" smtClean="0">
-                <a:latin typeface="Courier"/>
-                <a:cs typeface="Courier"/>
-              </a:rPr>
-              <a:t>hello.cpp</a:t>
-            </a:r>
-            <a:endParaRPr lang="fr-FR" dirty="0" smtClean="0">
+              <a:rPr lang="fr-FR" dirty="0" err="1">
+                <a:latin typeface="Courier"/>
+                <a:cs typeface="Courier"/>
+              </a:rPr>
+              <a:t>hello.c</a:t>
+            </a:r>
+            <a:endParaRPr lang="fr-FR" dirty="0">
               <a:latin typeface="Courier"/>
               <a:cs typeface="Courier"/>
             </a:endParaRPr>
@@ -5237,24 +5065,17 @@
                 <a:latin typeface="Courier"/>
                 <a:cs typeface="Courier"/>
               </a:rPr>
-              <a:t>	</a:t>
-            </a:r>
-            <a:r>
-              <a:rPr lang="fr-FR" dirty="0" smtClean="0">
-                <a:latin typeface="Courier"/>
-                <a:cs typeface="Courier"/>
-              </a:rPr>
-              <a:t>	</a:t>
-            </a:r>
-            <a:r>
-              <a:rPr lang="it-IT" dirty="0" smtClean="0">
-                <a:solidFill>
-                  <a:srgbClr val="FF0000"/>
-                </a:solidFill>
-                <a:latin typeface="Courier"/>
-                <a:cs typeface="Courier"/>
-              </a:rPr>
-              <a:t>g</a:t>
+              <a:t>		</a:t>
+            </a:r>
+            <a:r>
+              <a:rPr lang="it-IT" dirty="0" err="1">
+                <a:solidFill>
+                  <a:srgbClr val="FF0000"/>
+                </a:solidFill>
+                <a:latin typeface="Courier"/>
+                <a:cs typeface="Courier"/>
+              </a:rPr>
+              <a:t>gcc</a:t>
             </a:r>
             <a:r>
               <a:rPr lang="it-IT" dirty="0">
@@ -5264,7 +5085,7 @@
                 <a:latin typeface="Courier"/>
                 <a:cs typeface="Courier"/>
               </a:rPr>
-              <a:t>++ -c </a:t>
+              <a:t> -c </a:t>
             </a:r>
             <a:r>
               <a:rPr lang="it-IT" dirty="0" err="1">
@@ -5274,7 +5095,7 @@
                 <a:latin typeface="Courier"/>
                 <a:cs typeface="Courier"/>
               </a:rPr>
-              <a:t>hello.cpp</a:t>
+              <a:t>hello.c</a:t>
             </a:r>
             <a:endParaRPr lang="it-IT" dirty="0">
               <a:solidFill>
@@ -5302,20 +5123,10 @@
                 <a:latin typeface="Courier"/>
                 <a:cs typeface="Courier"/>
               </a:rPr>
-              <a:t>c</a:t>
-            </a:r>
-            <a:r>
-              <a:rPr lang="it-IT" dirty="0" err="1" smtClean="0">
-                <a:solidFill>
-                  <a:srgbClr val="3366FF"/>
-                </a:solidFill>
-                <a:latin typeface="Courier"/>
-                <a:cs typeface="Courier"/>
-              </a:rPr>
-              <a:t>lean</a:t>
-            </a:r>
-            <a:r>
-              <a:rPr lang="it-IT" dirty="0" smtClean="0">
+              <a:t>clean</a:t>
+            </a:r>
+            <a:r>
+              <a:rPr lang="it-IT" dirty="0">
                 <a:solidFill>
                   <a:srgbClr val="3366FF"/>
                 </a:solidFill>
@@ -5337,20 +5148,10 @@
                 <a:latin typeface="Courier"/>
                 <a:cs typeface="Courier"/>
               </a:rPr>
-              <a:t>	</a:t>
-            </a:r>
-            <a:r>
-              <a:rPr lang="it-IT" dirty="0" smtClean="0">
-                <a:solidFill>
-                  <a:srgbClr val="3366FF"/>
-                </a:solidFill>
-                <a:latin typeface="Courier"/>
-                <a:cs typeface="Courier"/>
-              </a:rPr>
-              <a:t>	</a:t>
-            </a:r>
-            <a:r>
-              <a:rPr lang="it-IT" dirty="0" err="1" smtClean="0">
+              <a:t>		</a:t>
+            </a:r>
+            <a:r>
+              <a:rPr lang="it-IT" dirty="0" err="1">
                 <a:solidFill>
                   <a:srgbClr val="FF0000"/>
                 </a:solidFill>
@@ -5360,16 +5161,6 @@
               <a:t>rm</a:t>
             </a:r>
             <a:r>
-              <a:rPr lang="it-IT" dirty="0" smtClean="0">
-                <a:solidFill>
-                  <a:srgbClr val="FF0000"/>
-                </a:solidFill>
-                <a:latin typeface="Courier"/>
-                <a:cs typeface="Courier"/>
-              </a:rPr>
-              <a:t> </a:t>
-            </a:r>
-            <a:r>
               <a:rPr lang="it-IT" dirty="0">
                 <a:solidFill>
                   <a:srgbClr val="FF0000"/>
@@ -5377,7 +5168,7 @@
                 <a:latin typeface="Courier"/>
                 <a:cs typeface="Courier"/>
               </a:rPr>
-              <a:t>-</a:t>
+              <a:t> -</a:t>
             </a:r>
             <a:r>
               <a:rPr lang="it-IT" dirty="0" err="1">
@@ -5397,27 +5188,7 @@
                 <a:latin typeface="Courier"/>
                 <a:cs typeface="Courier"/>
               </a:rPr>
-              <a:t> </a:t>
-            </a:r>
-            <a:r>
-              <a:rPr lang="it-IT" dirty="0" smtClean="0">
-                <a:solidFill>
-                  <a:srgbClr val="FF0000"/>
-                </a:solidFill>
-                <a:latin typeface="Courier"/>
-                <a:cs typeface="Courier"/>
-              </a:rPr>
-              <a:t>*.o </a:t>
-            </a:r>
-            <a:r>
-              <a:rPr lang="it-IT" dirty="0">
-                <a:solidFill>
-                  <a:srgbClr val="FF0000"/>
-                </a:solidFill>
-                <a:latin typeface="Courier"/>
-                <a:cs typeface="Courier"/>
-              </a:rPr>
-              <a:t>hello</a:t>
+              <a:t> *.o hello</a:t>
             </a:r>
           </a:p>
           <a:p>
@@ -5438,13 +5209,6 @@
   <p:clrMapOvr>
     <a:masterClrMapping/>
   </p:clrMapOvr>
-  <p:timing>
-    <p:tnLst>
-      <p:par>
-        <p:cTn xmlns:p14="http://schemas.microsoft.com/office/powerpoint/2010/main" id="1" dur="indefinite" restart="never" nodeType="tmRoot"/>
-      </p:par>
-    </p:tnLst>
-  </p:timing>
 </p:sld>
 </file>
 
@@ -5481,10 +5245,9 @@
           <a:lstStyle/>
           <a:p>
             <a:r>
-              <a:rPr lang="en-US" dirty="0" smtClean="0"/>
+              <a:rPr lang="en-US" dirty="0"/>
               <a:t>Modification 4 – Variables</a:t>
             </a:r>
-            <a:endParaRPr lang="en-US" dirty="0"/>
           </a:p>
         </p:txBody>
       </p:sp>
@@ -5536,22 +5299,38 @@
                 <a:latin typeface="Courier"/>
                 <a:cs typeface="Courier"/>
               </a:rPr>
-              <a:t># the compiler to use</a:t>
-            </a:r>
-            <a:r>
-              <a:rPr lang="en-US" sz="5500" dirty="0" smtClean="0">
-                <a:solidFill>
-                  <a:srgbClr val="3366FF"/>
-                </a:solidFill>
-                <a:latin typeface="Courier"/>
-                <a:cs typeface="Courier"/>
-              </a:rPr>
-              <a:t>.</a:t>
+              <a:t># the compiler to use.</a:t>
+            </a:r>
+          </a:p>
+          <a:p>
+            <a:pPr marL="0" indent="0">
+              <a:buNone/>
+            </a:pPr>
+            <a:r>
+              <a:rPr lang="en-US" sz="5500" dirty="0">
+                <a:solidFill>
+                  <a:srgbClr val="3366FF"/>
+                </a:solidFill>
+                <a:latin typeface="Courier"/>
+                <a:cs typeface="Courier"/>
+              </a:rPr>
+              <a:t>CC</a:t>
+            </a:r>
+            <a:r>
+              <a:rPr lang="en-US" sz="5500" dirty="0">
+                <a:latin typeface="Courier"/>
+                <a:cs typeface="Courier"/>
+              </a:rPr>
+              <a:t>=</a:t>
+            </a:r>
+            <a:r>
+              <a:rPr lang="en-US" sz="5500" dirty="0" err="1">
+                <a:latin typeface="Courier"/>
+                <a:cs typeface="Courier"/>
+              </a:rPr>
+              <a:t>gcc</a:t>
             </a:r>
             <a:endParaRPr lang="en-US" sz="5500" dirty="0">
-              <a:solidFill>
-                <a:srgbClr val="3366FF"/>
-              </a:solidFill>
               <a:latin typeface="Courier"/>
               <a:cs typeface="Courier"/>
             </a:endParaRPr>
@@ -5568,30 +5347,28 @@
                 <a:latin typeface="Courier"/>
                 <a:cs typeface="Courier"/>
               </a:rPr>
-              <a:t>CC</a:t>
-            </a:r>
+              <a:t># Hey!, I am comment number 2. I want to say that CFLAGS will be the</a:t>
+            </a:r>
+          </a:p>
+          <a:p>
+            <a:pPr marL="0" indent="0">
+              <a:buNone/>
+            </a:pPr>
             <a:r>
               <a:rPr lang="en-US" sz="5500" dirty="0">
-                <a:latin typeface="Courier"/>
-                <a:cs typeface="Courier"/>
-              </a:rPr>
-              <a:t>=g++</a:t>
-            </a:r>
-          </a:p>
-          <a:p>
-            <a:pPr marL="0" indent="0">
-              <a:buNone/>
-            </a:pPr>
-            <a:r>
-              <a:rPr lang="en-US" sz="5500" dirty="0" smtClean="0">
-                <a:solidFill>
-                  <a:srgbClr val="3366FF"/>
-                </a:solidFill>
-                <a:latin typeface="Courier"/>
-                <a:cs typeface="Courier"/>
-              </a:rPr>
-              <a:t># </a:t>
-            </a:r>
+                <a:solidFill>
+                  <a:srgbClr val="3366FF"/>
+                </a:solidFill>
+                <a:latin typeface="Courier"/>
+                <a:cs typeface="Courier"/>
+              </a:rPr>
+              <a:t># options I'll pass to the compiler.</a:t>
+            </a:r>
+          </a:p>
+          <a:p>
+            <a:pPr marL="0" indent="0">
+              <a:buNone/>
+            </a:pPr>
             <a:r>
               <a:rPr lang="en-US" sz="5500" dirty="0">
                 <a:solidFill>
@@ -5600,57 +5377,17 @@
                 <a:latin typeface="Courier"/>
                 <a:cs typeface="Courier"/>
               </a:rPr>
-              <a:t>Hey!, I am comment number 2. I want to say that CFLAGS will be the</a:t>
-            </a:r>
-          </a:p>
-          <a:p>
-            <a:pPr marL="0" indent="0">
-              <a:buNone/>
-            </a:pPr>
+              <a:t>CFLAGS</a:t>
+            </a:r>
             <a:r>
               <a:rPr lang="en-US" sz="5500" dirty="0">
                 <a:solidFill>
-                  <a:srgbClr val="3366FF"/>
-                </a:solidFill>
-                <a:latin typeface="Courier"/>
-                <a:cs typeface="Courier"/>
-              </a:rPr>
-              <a:t># options I'll pass to the compiler.</a:t>
-            </a:r>
-          </a:p>
-          <a:p>
-            <a:pPr marL="0" indent="0">
-              <a:buNone/>
-            </a:pPr>
-            <a:r>
-              <a:rPr lang="en-US" sz="5500" dirty="0">
-                <a:solidFill>
-                  <a:srgbClr val="3366FF"/>
-                </a:solidFill>
-                <a:latin typeface="Courier"/>
-                <a:cs typeface="Courier"/>
-              </a:rPr>
-              <a:t>CFLAGS</a:t>
-            </a:r>
-            <a:r>
-              <a:rPr lang="en-US" sz="5500" dirty="0">
-                <a:solidFill>
                   <a:srgbClr val="000000"/>
                 </a:solidFill>
                 <a:latin typeface="Courier"/>
                 <a:cs typeface="Courier"/>
               </a:rPr>
-              <a:t>=-c </a:t>
-            </a:r>
-            <a:r>
-              <a:rPr lang="en-US" sz="5500" dirty="0" smtClean="0">
-                <a:solidFill>
-                  <a:srgbClr val="000000"/>
-                </a:solidFill>
-                <a:latin typeface="Courier"/>
-                <a:cs typeface="Courier"/>
-              </a:rPr>
-              <a:t>–Wall</a:t>
+              <a:t>=-c –Wall</a:t>
             </a:r>
           </a:p>
           <a:p>
@@ -5670,16 +5407,6 @@
               <a:buNone/>
             </a:pPr>
             <a:r>
-              <a:rPr lang="en-US" sz="5500" dirty="0" smtClean="0">
-                <a:solidFill>
-                  <a:srgbClr val="3366FF"/>
-                </a:solidFill>
-                <a:latin typeface="Courier"/>
-                <a:cs typeface="Courier"/>
-              </a:rPr>
-              <a:t>all</a:t>
-            </a:r>
-            <a:r>
               <a:rPr lang="en-US" sz="5500" dirty="0">
                 <a:solidFill>
                   <a:srgbClr val="3366FF"/>
@@ -5687,7 +5414,7 @@
                 <a:latin typeface="Courier"/>
                 <a:cs typeface="Courier"/>
               </a:rPr>
-              <a:t>:</a:t>
+              <a:t>all:</a:t>
             </a:r>
             <a:r>
               <a:rPr lang="en-US" sz="5500" dirty="0">
@@ -5753,107 +5480,12 @@
               <a:t> </a:t>
             </a:r>
             <a:r>
-              <a:rPr lang="en-US" sz="5500" dirty="0" err="1" smtClean="0">
+              <a:rPr lang="en-US" sz="5500" dirty="0" err="1">
                 <a:latin typeface="Courier"/>
                 <a:cs typeface="Courier"/>
               </a:rPr>
               <a:t>hello.o</a:t>
             </a:r>
-            <a:endParaRPr lang="en-US" sz="5500" dirty="0" smtClean="0">
-              <a:latin typeface="Courier"/>
-              <a:cs typeface="Courier"/>
-            </a:endParaRPr>
-          </a:p>
-          <a:p>
-            <a:pPr marL="0" indent="0">
-              <a:buNone/>
-            </a:pPr>
-            <a:r>
-              <a:rPr lang="en-US" sz="5500" dirty="0">
-                <a:latin typeface="Courier"/>
-                <a:cs typeface="Courier"/>
-              </a:rPr>
-              <a:t>	</a:t>
-            </a:r>
-            <a:r>
-              <a:rPr lang="en-US" sz="5500" dirty="0" smtClean="0">
-                <a:latin typeface="Courier"/>
-                <a:cs typeface="Courier"/>
-              </a:rPr>
-              <a:t>	</a:t>
-            </a:r>
-            <a:r>
-              <a:rPr lang="en-US" sz="5500" dirty="0" smtClean="0">
-                <a:solidFill>
-                  <a:srgbClr val="3366FF"/>
-                </a:solidFill>
-                <a:latin typeface="Courier"/>
-                <a:cs typeface="Courier"/>
-              </a:rPr>
-              <a:t>$(CC) </a:t>
-            </a:r>
-            <a:r>
-              <a:rPr lang="en-US" sz="5500" dirty="0" err="1">
-                <a:solidFill>
-                  <a:srgbClr val="FF0000"/>
-                </a:solidFill>
-                <a:latin typeface="Courier"/>
-                <a:cs typeface="Courier"/>
-              </a:rPr>
-              <a:t>main.o</a:t>
-            </a:r>
-            <a:r>
-              <a:rPr lang="en-US" sz="5500" dirty="0">
-                <a:solidFill>
-                  <a:srgbClr val="FF0000"/>
-                </a:solidFill>
-                <a:latin typeface="Courier"/>
-                <a:cs typeface="Courier"/>
-              </a:rPr>
-              <a:t> </a:t>
-            </a:r>
-            <a:r>
-              <a:rPr lang="en-US" sz="5500" dirty="0" err="1">
-                <a:solidFill>
-                  <a:srgbClr val="FF0000"/>
-                </a:solidFill>
-                <a:latin typeface="Courier"/>
-                <a:cs typeface="Courier"/>
-              </a:rPr>
-              <a:t>factorial.o</a:t>
-            </a:r>
-            <a:r>
-              <a:rPr lang="en-US" sz="5500" dirty="0">
-                <a:solidFill>
-                  <a:srgbClr val="FF0000"/>
-                </a:solidFill>
-                <a:latin typeface="Courier"/>
-                <a:cs typeface="Courier"/>
-              </a:rPr>
-              <a:t> </a:t>
-            </a:r>
-            <a:r>
-              <a:rPr lang="en-US" sz="5500" dirty="0" err="1">
-                <a:solidFill>
-                  <a:srgbClr val="FF0000"/>
-                </a:solidFill>
-                <a:latin typeface="Courier"/>
-                <a:cs typeface="Courier"/>
-              </a:rPr>
-              <a:t>hello.o</a:t>
-            </a:r>
-            <a:r>
-              <a:rPr lang="en-US" sz="5500" dirty="0">
-                <a:solidFill>
-                  <a:srgbClr val="FF0000"/>
-                </a:solidFill>
-                <a:latin typeface="Courier"/>
-                <a:cs typeface="Courier"/>
-              </a:rPr>
-              <a:t> -o hello</a:t>
-            </a:r>
-          </a:p>
-          <a:p>
             <a:endParaRPr lang="en-US" sz="5500" dirty="0">
               <a:latin typeface="Courier"/>
               <a:cs typeface="Courier"/>
@@ -5864,9 +5496,26 @@
               <a:buNone/>
             </a:pPr>
             <a:r>
+              <a:rPr lang="en-US" sz="5500" dirty="0">
+                <a:latin typeface="Courier"/>
+                <a:cs typeface="Courier"/>
+              </a:rPr>
+              <a:t>		</a:t>
+            </a:r>
+            <a:r>
+              <a:rPr lang="en-US" sz="5500" dirty="0">
+                <a:solidFill>
+                  <a:srgbClr val="3366FF"/>
+                </a:solidFill>
+                <a:latin typeface="Courier"/>
+                <a:cs typeface="Courier"/>
+              </a:rPr>
+              <a:t>$(CC) </a:t>
+            </a:r>
+            <a:r>
               <a:rPr lang="en-US" sz="5500" dirty="0" err="1">
                 <a:solidFill>
-                  <a:srgbClr val="3366FF"/>
+                  <a:srgbClr val="FF0000"/>
                 </a:solidFill>
                 <a:latin typeface="Courier"/>
                 <a:cs typeface="Courier"/>
@@ -5876,28 +5525,56 @@
             <a:r>
               <a:rPr lang="en-US" sz="5500" dirty="0">
                 <a:solidFill>
-                  <a:srgbClr val="3366FF"/>
-                </a:solidFill>
-                <a:latin typeface="Courier"/>
-                <a:cs typeface="Courier"/>
-              </a:rPr>
-              <a:t>:</a:t>
+                  <a:srgbClr val="FF0000"/>
+                </a:solidFill>
+                <a:latin typeface="Courier"/>
+                <a:cs typeface="Courier"/>
+              </a:rPr>
+              <a:t> </a:t>
+            </a:r>
+            <a:r>
+              <a:rPr lang="en-US" sz="5500" dirty="0" err="1">
+                <a:solidFill>
+                  <a:srgbClr val="FF0000"/>
+                </a:solidFill>
+                <a:latin typeface="Courier"/>
+                <a:cs typeface="Courier"/>
+              </a:rPr>
+              <a:t>factorial.o</a:t>
             </a:r>
             <a:r>
               <a:rPr lang="en-US" sz="5500" dirty="0">
+                <a:solidFill>
+                  <a:srgbClr val="FF0000"/>
+                </a:solidFill>
                 <a:latin typeface="Courier"/>
                 <a:cs typeface="Courier"/>
               </a:rPr>
               <a:t> </a:t>
             </a:r>
             <a:r>
-              <a:rPr lang="en-US" sz="5500" dirty="0" err="1" smtClean="0">
-                <a:latin typeface="Courier"/>
-                <a:cs typeface="Courier"/>
-              </a:rPr>
-              <a:t>main.cpp</a:t>
-            </a:r>
-            <a:endParaRPr lang="en-US" sz="5500" dirty="0" smtClean="0">
+              <a:rPr lang="en-US" sz="5500" dirty="0" err="1">
+                <a:solidFill>
+                  <a:srgbClr val="FF0000"/>
+                </a:solidFill>
+                <a:latin typeface="Courier"/>
+                <a:cs typeface="Courier"/>
+              </a:rPr>
+              <a:t>hello.o</a:t>
+            </a:r>
+            <a:r>
+              <a:rPr lang="en-US" sz="5500" dirty="0">
+                <a:solidFill>
+                  <a:srgbClr val="FF0000"/>
+                </a:solidFill>
+                <a:latin typeface="Courier"/>
+                <a:cs typeface="Courier"/>
+              </a:rPr>
+              <a:t> -o hello</a:t>
+            </a:r>
+          </a:p>
+          <a:p>
+            <a:endParaRPr lang="en-US" sz="5500" dirty="0">
               <a:latin typeface="Courier"/>
               <a:cs typeface="Courier"/>
             </a:endParaRPr>
@@ -5907,21 +5584,57 @@
               <a:buNone/>
             </a:pPr>
             <a:r>
+              <a:rPr lang="en-US" sz="5500" dirty="0" err="1">
+                <a:solidFill>
+                  <a:srgbClr val="3366FF"/>
+                </a:solidFill>
+                <a:latin typeface="Courier"/>
+                <a:cs typeface="Courier"/>
+              </a:rPr>
+              <a:t>main.o</a:t>
+            </a:r>
+            <a:r>
               <a:rPr lang="en-US" sz="5500" dirty="0">
-                <a:latin typeface="Courier"/>
-                <a:cs typeface="Courier"/>
-              </a:rPr>
-              <a:t>	</a:t>
-            </a:r>
-            <a:r>
-              <a:rPr lang="en-US" sz="5500" dirty="0" smtClean="0">
-                <a:latin typeface="Courier"/>
-                <a:cs typeface="Courier"/>
-              </a:rPr>
-              <a:t>	</a:t>
-            </a:r>
-            <a:r>
-              <a:rPr lang="fr-FR" sz="5500" dirty="0" smtClean="0">
+                <a:solidFill>
+                  <a:srgbClr val="3366FF"/>
+                </a:solidFill>
+                <a:latin typeface="Courier"/>
+                <a:cs typeface="Courier"/>
+              </a:rPr>
+              <a:t>:</a:t>
+            </a:r>
+            <a:r>
+              <a:rPr lang="en-US" sz="5500" dirty="0">
+                <a:latin typeface="Courier"/>
+                <a:cs typeface="Courier"/>
+              </a:rPr>
+              <a:t> </a:t>
+            </a:r>
+            <a:r>
+              <a:rPr lang="en-US" sz="5500" dirty="0" err="1">
+                <a:latin typeface="Courier"/>
+                <a:cs typeface="Courier"/>
+              </a:rPr>
+              <a:t>main.c</a:t>
+            </a:r>
+            <a:endParaRPr lang="en-US" sz="5500" dirty="0">
+              <a:latin typeface="Courier"/>
+              <a:cs typeface="Courier"/>
+            </a:endParaRPr>
+          </a:p>
+          <a:p>
+            <a:pPr marL="0" indent="0">
+              <a:buNone/>
+            </a:pPr>
+            <a:r>
+              <a:rPr lang="en-US" sz="5500" dirty="0">
+                <a:latin typeface="Courier"/>
+                <a:cs typeface="Courier"/>
+              </a:rPr>
+              <a:t>		</a:t>
+            </a:r>
+            <a:r>
+              <a:rPr lang="fr-FR" sz="5500" dirty="0">
                 <a:solidFill>
                   <a:srgbClr val="3366FF"/>
                 </a:solidFill>
@@ -5931,14 +5644,14 @@
               <a:t>$(CC) $(CFLAGS) </a:t>
             </a:r>
             <a:r>
-              <a:rPr lang="fr-FR" sz="5500" dirty="0" err="1" smtClean="0">
-                <a:solidFill>
-                  <a:srgbClr val="FF0000"/>
-                </a:solidFill>
-                <a:latin typeface="Courier"/>
-                <a:cs typeface="Courier"/>
-              </a:rPr>
-              <a:t>main.cpp</a:t>
+              <a:rPr lang="fr-FR" sz="5500" dirty="0" err="1">
+                <a:solidFill>
+                  <a:srgbClr val="FF0000"/>
+                </a:solidFill>
+                <a:latin typeface="Courier"/>
+                <a:cs typeface="Courier"/>
+              </a:rPr>
+              <a:t>main.c</a:t>
             </a:r>
             <a:endParaRPr lang="fr-FR" sz="5500" dirty="0">
               <a:solidFill>
@@ -5952,7 +5665,7 @@
             <a:pPr marL="0" indent="0">
               <a:buNone/>
             </a:pPr>
-            <a:endParaRPr lang="fr-FR" sz="5500" dirty="0" smtClean="0">
+            <a:endParaRPr lang="fr-FR" sz="5500" dirty="0">
               <a:latin typeface="Courier"/>
               <a:cs typeface="Courier"/>
             </a:endParaRPr>
@@ -5962,7 +5675,7 @@
               <a:buNone/>
             </a:pPr>
             <a:r>
-              <a:rPr lang="fr-FR" sz="5500" dirty="0" err="1" smtClean="0">
+              <a:rPr lang="fr-FR" sz="5500" dirty="0" err="1">
                 <a:solidFill>
                   <a:srgbClr val="3366FF"/>
                 </a:solidFill>
@@ -5989,13 +5702,13 @@
               <a:t> </a:t>
             </a:r>
             <a:r>
-              <a:rPr lang="fr-FR" sz="5500" dirty="0" err="1" smtClean="0">
-                <a:latin typeface="Courier"/>
-                <a:cs typeface="Courier"/>
-              </a:rPr>
-              <a:t>factorial.cpp</a:t>
-            </a:r>
-            <a:endParaRPr lang="fr-FR" sz="5500" dirty="0" smtClean="0">
+              <a:rPr lang="fr-FR" sz="5500" dirty="0" err="1">
+                <a:latin typeface="Courier"/>
+                <a:cs typeface="Courier"/>
+              </a:rPr>
+              <a:t>factorial.c</a:t>
+            </a:r>
+            <a:endParaRPr lang="fr-FR" sz="5500" dirty="0">
               <a:latin typeface="Courier"/>
               <a:cs typeface="Courier"/>
             </a:endParaRPr>
@@ -6009,17 +5722,10 @@
                 <a:latin typeface="Courier"/>
                 <a:cs typeface="Courier"/>
               </a:rPr>
-              <a:t>	</a:t>
-            </a:r>
-            <a:r>
-              <a:rPr lang="fr-FR" sz="5500" dirty="0" smtClean="0">
-                <a:latin typeface="Courier"/>
-                <a:cs typeface="Courier"/>
-              </a:rPr>
-              <a:t>	</a:t>
-            </a:r>
-            <a:r>
-              <a:rPr lang="fr-FR" sz="5500" dirty="0" smtClean="0">
+              <a:t>		</a:t>
+            </a:r>
+            <a:r>
+              <a:rPr lang="fr-FR" sz="5500" dirty="0">
                 <a:solidFill>
                   <a:srgbClr val="3366FF"/>
                 </a:solidFill>
@@ -6029,14 +5735,14 @@
               <a:t>$(CC) $(CFLAGS) </a:t>
             </a:r>
             <a:r>
-              <a:rPr lang="fr-FR" sz="5500" dirty="0" err="1" smtClean="0">
-                <a:solidFill>
-                  <a:srgbClr val="FF0000"/>
-                </a:solidFill>
-                <a:latin typeface="Courier"/>
-                <a:cs typeface="Courier"/>
-              </a:rPr>
-              <a:t>factorial.cpp</a:t>
+              <a:rPr lang="fr-FR" sz="5500" dirty="0" err="1">
+                <a:solidFill>
+                  <a:srgbClr val="FF0000"/>
+                </a:solidFill>
+                <a:latin typeface="Courier"/>
+                <a:cs typeface="Courier"/>
+              </a:rPr>
+              <a:t>factorial.c</a:t>
             </a:r>
             <a:endParaRPr lang="fr-FR" sz="5500" dirty="0">
               <a:solidFill>
@@ -6050,7 +5756,7 @@
             <a:pPr marL="0" indent="0">
               <a:buNone/>
             </a:pPr>
-            <a:endParaRPr lang="fr-FR" sz="5500" dirty="0" smtClean="0">
+            <a:endParaRPr lang="fr-FR" sz="5500" dirty="0">
               <a:latin typeface="Courier"/>
               <a:cs typeface="Courier"/>
             </a:endParaRPr>
@@ -6060,7 +5766,7 @@
               <a:buNone/>
             </a:pPr>
             <a:r>
-              <a:rPr lang="fr-FR" sz="5500" dirty="0" err="1" smtClean="0">
+              <a:rPr lang="fr-FR" sz="5500" dirty="0" err="1">
                 <a:solidFill>
                   <a:srgbClr val="3366FF"/>
                 </a:solidFill>
@@ -6087,13 +5793,13 @@
               <a:t> </a:t>
             </a:r>
             <a:r>
-              <a:rPr lang="fr-FR" sz="5500" dirty="0" err="1" smtClean="0">
-                <a:latin typeface="Courier"/>
-                <a:cs typeface="Courier"/>
-              </a:rPr>
-              <a:t>hello.cpp</a:t>
-            </a:r>
-            <a:endParaRPr lang="fr-FR" sz="5500" dirty="0" smtClean="0">
+              <a:rPr lang="fr-FR" sz="5500" dirty="0" err="1">
+                <a:latin typeface="Courier"/>
+                <a:cs typeface="Courier"/>
+              </a:rPr>
+              <a:t>hello.c</a:t>
+            </a:r>
+            <a:endParaRPr lang="fr-FR" sz="5500" dirty="0">
               <a:latin typeface="Courier"/>
               <a:cs typeface="Courier"/>
             </a:endParaRPr>
@@ -6107,17 +5813,10 @@
                 <a:latin typeface="Courier"/>
                 <a:cs typeface="Courier"/>
               </a:rPr>
-              <a:t>	</a:t>
-            </a:r>
-            <a:r>
-              <a:rPr lang="fr-FR" sz="5500" dirty="0" smtClean="0">
-                <a:latin typeface="Courier"/>
-                <a:cs typeface="Courier"/>
-              </a:rPr>
-              <a:t>	</a:t>
-            </a:r>
-            <a:r>
-              <a:rPr lang="it-IT" sz="5500" dirty="0" smtClean="0">
+              <a:t>		</a:t>
+            </a:r>
+            <a:r>
+              <a:rPr lang="it-IT" sz="5500" dirty="0">
                 <a:solidFill>
                   <a:srgbClr val="3366FF"/>
                 </a:solidFill>
@@ -6127,14 +5826,14 @@
               <a:t>$(CC) $(CFLAGS) </a:t>
             </a:r>
             <a:r>
-              <a:rPr lang="it-IT" sz="5500" dirty="0" err="1" smtClean="0">
-                <a:solidFill>
-                  <a:srgbClr val="FF0000"/>
-                </a:solidFill>
-                <a:latin typeface="Courier"/>
-                <a:cs typeface="Courier"/>
-              </a:rPr>
-              <a:t>hello.cpp</a:t>
+              <a:rPr lang="it-IT" sz="5500" dirty="0" err="1">
+                <a:solidFill>
+                  <a:srgbClr val="FF0000"/>
+                </a:solidFill>
+                <a:latin typeface="Courier"/>
+                <a:cs typeface="Courier"/>
+              </a:rPr>
+              <a:t>hello.c</a:t>
             </a:r>
             <a:endParaRPr lang="it-IT" sz="5500" dirty="0">
               <a:solidFill>
@@ -6162,20 +5861,10 @@
                 <a:latin typeface="Courier"/>
                 <a:cs typeface="Courier"/>
               </a:rPr>
-              <a:t>c</a:t>
-            </a:r>
-            <a:r>
-              <a:rPr lang="it-IT" sz="5500" dirty="0" err="1" smtClean="0">
-                <a:solidFill>
-                  <a:srgbClr val="3366FF"/>
-                </a:solidFill>
-                <a:latin typeface="Courier"/>
-                <a:cs typeface="Courier"/>
-              </a:rPr>
-              <a:t>lean</a:t>
-            </a:r>
-            <a:r>
-              <a:rPr lang="it-IT" sz="5500" dirty="0" smtClean="0">
+              <a:t>clean</a:t>
+            </a:r>
+            <a:r>
+              <a:rPr lang="it-IT" sz="5500" dirty="0">
                 <a:solidFill>
                   <a:srgbClr val="3366FF"/>
                 </a:solidFill>
@@ -6197,20 +5886,10 @@
                 <a:latin typeface="Courier"/>
                 <a:cs typeface="Courier"/>
               </a:rPr>
-              <a:t>	</a:t>
-            </a:r>
-            <a:r>
-              <a:rPr lang="it-IT" sz="5500" dirty="0" smtClean="0">
-                <a:solidFill>
-                  <a:srgbClr val="3366FF"/>
-                </a:solidFill>
-                <a:latin typeface="Courier"/>
-                <a:cs typeface="Courier"/>
-              </a:rPr>
-              <a:t>	</a:t>
-            </a:r>
-            <a:r>
-              <a:rPr lang="it-IT" sz="5500" dirty="0" err="1" smtClean="0">
+              <a:t>		</a:t>
+            </a:r>
+            <a:r>
+              <a:rPr lang="it-IT" sz="5500" dirty="0" err="1">
                 <a:solidFill>
                   <a:srgbClr val="FF0000"/>
                 </a:solidFill>
@@ -6220,16 +5899,6 @@
               <a:t>rm</a:t>
             </a:r>
             <a:r>
-              <a:rPr lang="it-IT" sz="5500" dirty="0" smtClean="0">
-                <a:solidFill>
-                  <a:srgbClr val="FF0000"/>
-                </a:solidFill>
-                <a:latin typeface="Courier"/>
-                <a:cs typeface="Courier"/>
-              </a:rPr>
-              <a:t> </a:t>
-            </a:r>
-            <a:r>
               <a:rPr lang="it-IT" sz="5500" dirty="0">
                 <a:solidFill>
                   <a:srgbClr val="FF0000"/>
@@ -6237,7 +5906,7 @@
                 <a:latin typeface="Courier"/>
                 <a:cs typeface="Courier"/>
               </a:rPr>
-              <a:t>-</a:t>
+              <a:t> -</a:t>
             </a:r>
             <a:r>
               <a:rPr lang="it-IT" sz="5500" dirty="0" err="1">
@@ -6257,27 +5926,7 @@
                 <a:latin typeface="Courier"/>
                 <a:cs typeface="Courier"/>
               </a:rPr>
-              <a:t> </a:t>
-            </a:r>
-            <a:r>
-              <a:rPr lang="it-IT" sz="5500" dirty="0" smtClean="0">
-                <a:solidFill>
-                  <a:srgbClr val="FF0000"/>
-                </a:solidFill>
-                <a:latin typeface="Courier"/>
-                <a:cs typeface="Courier"/>
-              </a:rPr>
-              <a:t>*.o </a:t>
-            </a:r>
-            <a:r>
-              <a:rPr lang="it-IT" sz="5500" dirty="0">
-                <a:solidFill>
-                  <a:srgbClr val="FF0000"/>
-                </a:solidFill>
-                <a:latin typeface="Courier"/>
-                <a:cs typeface="Courier"/>
-              </a:rPr>
-              <a:t>hello</a:t>
+              <a:t> *.o hello</a:t>
             </a:r>
           </a:p>
           <a:p>
@@ -6298,13 +5947,6 @@
   <p:clrMapOvr>
     <a:masterClrMapping/>
   </p:clrMapOvr>
-  <p:timing>
-    <p:tnLst>
-      <p:par>
-        <p:cTn xmlns:p14="http://schemas.microsoft.com/office/powerpoint/2010/main" id="1" dur="indefinite" restart="never" nodeType="tmRoot"/>
-      </p:par>
-    </p:tnLst>
-  </p:timing>
 </p:sld>
 </file>
 
@@ -6341,10 +5983,9 @@
           <a:lstStyle/>
           <a:p>
             <a:r>
-              <a:rPr lang="en-US" dirty="0" smtClean="0"/>
+              <a:rPr lang="en-US" dirty="0"/>
               <a:t>Modification 5 – Lots of Sources</a:t>
             </a:r>
-            <a:endParaRPr lang="en-US" dirty="0"/>
           </a:p>
         </p:txBody>
       </p:sp>
@@ -6388,108 +6029,14 @@
                 <a:latin typeface="Courier"/>
                 <a:cs typeface="Courier"/>
               </a:rPr>
-              <a:t>=g++</a:t>
-            </a:r>
-          </a:p>
-          <a:p>
-            <a:pPr marL="0" indent="0">
-              <a:buNone/>
-            </a:pPr>
-            <a:r>
-              <a:rPr lang="en-US" sz="1800" dirty="0">
-                <a:solidFill>
-                  <a:srgbClr val="3366FF"/>
-                </a:solidFill>
-                <a:latin typeface="Courier"/>
-                <a:cs typeface="Courier"/>
-              </a:rPr>
-              <a:t>CFLAGS</a:t>
-            </a:r>
-            <a:r>
-              <a:rPr lang="en-US" sz="1800" dirty="0">
-                <a:latin typeface="Courier"/>
-                <a:cs typeface="Courier"/>
-              </a:rPr>
-              <a:t>=-c -Wall</a:t>
-            </a:r>
-          </a:p>
-          <a:p>
-            <a:pPr marL="0" indent="0">
-              <a:buNone/>
-            </a:pPr>
-            <a:r>
-              <a:rPr lang="en-US" sz="1800" dirty="0">
-                <a:solidFill>
-                  <a:srgbClr val="3366FF"/>
-                </a:solidFill>
-                <a:latin typeface="Courier"/>
-                <a:cs typeface="Courier"/>
-              </a:rPr>
-              <a:t>LDFLAGS</a:t>
-            </a:r>
-            <a:r>
-              <a:rPr lang="en-US" sz="1800" dirty="0">
-                <a:latin typeface="Courier"/>
-                <a:cs typeface="Courier"/>
-              </a:rPr>
               <a:t>=</a:t>
             </a:r>
-          </a:p>
-          <a:p>
-            <a:pPr marL="0" indent="0">
-              <a:buNone/>
-            </a:pPr>
-            <a:r>
-              <a:rPr lang="en-US" sz="1800" dirty="0">
-                <a:solidFill>
-                  <a:srgbClr val="3366FF"/>
-                </a:solidFill>
-                <a:latin typeface="Courier"/>
-                <a:cs typeface="Courier"/>
-              </a:rPr>
-              <a:t>SOURCES</a:t>
-            </a:r>
-            <a:r>
-              <a:rPr lang="en-US" sz="1800" dirty="0">
-                <a:latin typeface="Courier"/>
-                <a:cs typeface="Courier"/>
-              </a:rPr>
-              <a:t>=</a:t>
-            </a:r>
             <a:r>
               <a:rPr lang="en-US" sz="1800" dirty="0" err="1">
                 <a:latin typeface="Courier"/>
                 <a:cs typeface="Courier"/>
               </a:rPr>
-              <a:t>main.cpp</a:t>
-            </a:r>
-            <a:r>
-              <a:rPr lang="en-US" sz="1800" dirty="0">
-                <a:latin typeface="Courier"/>
-                <a:cs typeface="Courier"/>
-              </a:rPr>
-              <a:t> </a:t>
-            </a:r>
-            <a:r>
-              <a:rPr lang="en-US" sz="1800" dirty="0" err="1">
-                <a:latin typeface="Courier"/>
-                <a:cs typeface="Courier"/>
-              </a:rPr>
-              <a:t>hello.cpp</a:t>
-            </a:r>
-            <a:r>
-              <a:rPr lang="en-US" sz="1800" dirty="0">
-                <a:latin typeface="Courier"/>
-                <a:cs typeface="Courier"/>
-              </a:rPr>
-              <a:t> </a:t>
-            </a:r>
-            <a:r>
-              <a:rPr lang="en-US" sz="1800" dirty="0" err="1">
-                <a:latin typeface="Courier"/>
-                <a:cs typeface="Courier"/>
-              </a:rPr>
-              <a:t>factorial.cpp</a:t>
+              <a:t>gcc</a:t>
             </a:r>
             <a:endParaRPr lang="en-US" sz="1800" dirty="0">
               <a:latin typeface="Courier"/>
@@ -6508,52 +6055,94 @@
                 <a:latin typeface="Courier"/>
                 <a:cs typeface="Courier"/>
               </a:rPr>
-              <a:t>OBJECTS=$(SOURCES:.</a:t>
+              <a:t>CFLAGS</a:t>
+            </a:r>
+            <a:r>
+              <a:rPr lang="en-US" sz="1800" dirty="0">
+                <a:latin typeface="Courier"/>
+                <a:cs typeface="Courier"/>
+              </a:rPr>
+              <a:t>=-c -Wall</a:t>
+            </a:r>
+          </a:p>
+          <a:p>
+            <a:pPr marL="0" indent="0">
+              <a:buNone/>
+            </a:pPr>
+            <a:r>
+              <a:rPr lang="en-US" sz="1800" dirty="0">
+                <a:solidFill>
+                  <a:srgbClr val="3366FF"/>
+                </a:solidFill>
+                <a:latin typeface="Courier"/>
+                <a:cs typeface="Courier"/>
+              </a:rPr>
+              <a:t>LDFLAGS</a:t>
+            </a:r>
+            <a:r>
+              <a:rPr lang="en-US" sz="1800" dirty="0">
+                <a:latin typeface="Courier"/>
+                <a:cs typeface="Courier"/>
+              </a:rPr>
+              <a:t>=</a:t>
+            </a:r>
+          </a:p>
+          <a:p>
+            <a:pPr marL="0" indent="0">
+              <a:buNone/>
+            </a:pPr>
+            <a:r>
+              <a:rPr lang="en-US" sz="1800" dirty="0">
+                <a:solidFill>
+                  <a:srgbClr val="3366FF"/>
+                </a:solidFill>
+                <a:latin typeface="Courier"/>
+                <a:cs typeface="Courier"/>
+              </a:rPr>
+              <a:t>SOURCES</a:t>
+            </a:r>
+            <a:r>
+              <a:rPr lang="en-US" sz="1800" dirty="0">
+                <a:latin typeface="Courier"/>
+                <a:cs typeface="Courier"/>
+              </a:rPr>
+              <a:t>=</a:t>
             </a:r>
             <a:r>
               <a:rPr lang="en-US" sz="1800" dirty="0" err="1">
-                <a:solidFill>
-                  <a:srgbClr val="3366FF"/>
-                </a:solidFill>
-                <a:latin typeface="Courier"/>
-                <a:cs typeface="Courier"/>
-              </a:rPr>
-              <a:t>cpp</a:t>
+                <a:latin typeface="Courier"/>
+                <a:cs typeface="Courier"/>
+              </a:rPr>
+              <a:t>main.c</a:t>
             </a:r>
             <a:r>
               <a:rPr lang="en-US" sz="1800" dirty="0">
-                <a:solidFill>
-                  <a:srgbClr val="3366FF"/>
-                </a:solidFill>
-                <a:latin typeface="Courier"/>
-                <a:cs typeface="Courier"/>
-              </a:rPr>
-              <a:t>=.o)</a:t>
-            </a:r>
-          </a:p>
-          <a:p>
-            <a:pPr marL="0" indent="0">
-              <a:buNone/>
-            </a:pPr>
+                <a:latin typeface="Courier"/>
+                <a:cs typeface="Courier"/>
+              </a:rPr>
+              <a:t> </a:t>
+            </a:r>
+            <a:r>
+              <a:rPr lang="en-US" sz="1800" dirty="0" err="1">
+                <a:latin typeface="Courier"/>
+                <a:cs typeface="Courier"/>
+              </a:rPr>
+              <a:t>hello.c</a:t>
+            </a:r>
             <a:r>
               <a:rPr lang="en-US" sz="1800" dirty="0">
-                <a:solidFill>
-                  <a:srgbClr val="3366FF"/>
-                </a:solidFill>
-                <a:latin typeface="Courier"/>
-                <a:cs typeface="Courier"/>
-              </a:rPr>
-              <a:t>EXECUTABLE</a:t>
-            </a:r>
-            <a:r>
-              <a:rPr lang="en-US" sz="1800" dirty="0">
-                <a:latin typeface="Courier"/>
-                <a:cs typeface="Courier"/>
-              </a:rPr>
-              <a:t>=hello</a:t>
-            </a:r>
-          </a:p>
-          <a:p>
+                <a:latin typeface="Courier"/>
+                <a:cs typeface="Courier"/>
+              </a:rPr>
+              <a:t> </a:t>
+            </a:r>
+            <a:r>
+              <a:rPr lang="en-US" sz="1800" dirty="0" err="1">
+                <a:latin typeface="Courier"/>
+                <a:cs typeface="Courier"/>
+              </a:rPr>
+              <a:t>factorial.c</a:t>
+            </a:r>
             <a:endParaRPr lang="en-US" sz="1800" dirty="0">
               <a:latin typeface="Courier"/>
               <a:cs typeface="Courier"/>
@@ -6571,19 +6160,27 @@
                 <a:latin typeface="Courier"/>
                 <a:cs typeface="Courier"/>
               </a:rPr>
-              <a:t>all: $(SOURCES) $(EXECUTABLE)</a:t>
-            </a:r>
-          </a:p>
-          <a:p>
-            <a:pPr marL="0" indent="0">
-              <a:buNone/>
-            </a:pPr>
+              <a:t>OBJECTS=$(</a:t>
+            </a:r>
+            <a:r>
+              <a:rPr lang="en-US" sz="1800" dirty="0" err="1">
+                <a:solidFill>
+                  <a:srgbClr val="3366FF"/>
+                </a:solidFill>
+                <a:latin typeface="Courier"/>
+                <a:cs typeface="Courier"/>
+              </a:rPr>
+              <a:t>SOURCES:.c</a:t>
+            </a:r>
             <a:r>
               <a:rPr lang="en-US" sz="1800" dirty="0">
-                <a:latin typeface="Courier"/>
-                <a:cs typeface="Courier"/>
-              </a:rPr>
-              <a:t>        </a:t>
+                <a:solidFill>
+                  <a:srgbClr val="3366FF"/>
+                </a:solidFill>
+                <a:latin typeface="Courier"/>
+                <a:cs typeface="Courier"/>
+              </a:rPr>
+              <a:t>=.o)</a:t>
             </a:r>
           </a:p>
           <a:p>
@@ -6598,94 +6195,17 @@
                 <a:latin typeface="Courier"/>
                 <a:cs typeface="Courier"/>
               </a:rPr>
-              <a:t>$(EXECUTABLE): $(OBJECTS</a:t>
-            </a:r>
-            <a:r>
-              <a:rPr lang="en-US" sz="1800" dirty="0" smtClean="0">
-                <a:solidFill>
-                  <a:srgbClr val="3366FF"/>
-                </a:solidFill>
-                <a:latin typeface="Courier"/>
-                <a:cs typeface="Courier"/>
-              </a:rPr>
-              <a:t>)</a:t>
-            </a:r>
-          </a:p>
-          <a:p>
-            <a:pPr marL="0" indent="0">
-              <a:buNone/>
-            </a:pPr>
+              <a:t>EXECUTABLE</a:t>
+            </a:r>
             <a:r>
               <a:rPr lang="en-US" sz="1800" dirty="0">
                 <a:latin typeface="Courier"/>
                 <a:cs typeface="Courier"/>
               </a:rPr>
-              <a:t>	</a:t>
-            </a:r>
-            <a:r>
-              <a:rPr lang="en-US" sz="1800" dirty="0" smtClean="0">
-                <a:latin typeface="Courier"/>
-                <a:cs typeface="Courier"/>
-              </a:rPr>
-              <a:t>	</a:t>
-            </a:r>
-            <a:r>
-              <a:rPr lang="en-US" sz="1800" dirty="0" smtClean="0">
-                <a:solidFill>
-                  <a:srgbClr val="3366FF"/>
-                </a:solidFill>
-                <a:latin typeface="Courier"/>
-                <a:cs typeface="Courier"/>
-              </a:rPr>
-              <a:t>$</a:t>
-            </a:r>
-            <a:r>
-              <a:rPr lang="en-US" sz="1800" dirty="0">
-                <a:solidFill>
-                  <a:srgbClr val="3366FF"/>
-                </a:solidFill>
-                <a:latin typeface="Courier"/>
-                <a:cs typeface="Courier"/>
-              </a:rPr>
-              <a:t>(CC) $(LDFLAGS) $(OBJECTS) </a:t>
-            </a:r>
-            <a:r>
-              <a:rPr lang="en-US" sz="1800" dirty="0">
-                <a:solidFill>
-                  <a:srgbClr val="FF0000"/>
-                </a:solidFill>
-                <a:latin typeface="Courier"/>
-                <a:cs typeface="Courier"/>
-              </a:rPr>
-              <a:t>-o</a:t>
-            </a:r>
-            <a:r>
-              <a:rPr lang="en-US" sz="1800" dirty="0">
-                <a:latin typeface="Courier"/>
-                <a:cs typeface="Courier"/>
-              </a:rPr>
-              <a:t> </a:t>
-            </a:r>
-            <a:r>
-              <a:rPr lang="en-US" sz="1800" dirty="0">
-                <a:solidFill>
-                  <a:srgbClr val="3366FF"/>
-                </a:solidFill>
-                <a:latin typeface="Courier"/>
-                <a:cs typeface="Courier"/>
-              </a:rPr>
-              <a:t>$</a:t>
-            </a:r>
-            <a:r>
-              <a:rPr lang="en-US" sz="1800" dirty="0" smtClean="0">
-                <a:solidFill>
-                  <a:srgbClr val="3366FF"/>
-                </a:solidFill>
-                <a:latin typeface="Courier"/>
-                <a:cs typeface="Courier"/>
-              </a:rPr>
-              <a:t>@</a:t>
-            </a:r>
+              <a:t>=hello</a:t>
+            </a:r>
+          </a:p>
+          <a:p>
             <a:endParaRPr lang="en-US" sz="1800" dirty="0">
               <a:latin typeface="Courier"/>
               <a:cs typeface="Courier"/>
@@ -6703,27 +6223,7 @@
                 <a:latin typeface="Courier"/>
                 <a:cs typeface="Courier"/>
               </a:rPr>
-              <a:t>.</a:t>
-            </a:r>
-            <a:r>
-              <a:rPr lang="en-US" sz="1800" dirty="0" err="1">
-                <a:solidFill>
-                  <a:srgbClr val="3366FF"/>
-                </a:solidFill>
-                <a:latin typeface="Courier"/>
-                <a:cs typeface="Courier"/>
-              </a:rPr>
-              <a:t>cpp.o</a:t>
-            </a:r>
-            <a:r>
-              <a:rPr lang="en-US" sz="1800" dirty="0" smtClean="0">
-                <a:solidFill>
-                  <a:srgbClr val="3366FF"/>
-                </a:solidFill>
-                <a:latin typeface="Courier"/>
-                <a:cs typeface="Courier"/>
-              </a:rPr>
-              <a:t>:</a:t>
+              <a:t>all: $(SOURCES) $(EXECUTABLE)</a:t>
             </a:r>
           </a:p>
           <a:p>
@@ -6735,25 +6235,13 @@
                 <a:latin typeface="Courier"/>
                 <a:cs typeface="Courier"/>
               </a:rPr>
-              <a:t>	</a:t>
-            </a:r>
-            <a:r>
-              <a:rPr lang="en-US" sz="1800" dirty="0" smtClean="0">
-                <a:latin typeface="Courier"/>
-                <a:cs typeface="Courier"/>
-              </a:rPr>
-              <a:t>	</a:t>
-            </a:r>
-            <a:r>
-              <a:rPr lang="en-US" sz="1800" dirty="0" smtClean="0">
-                <a:solidFill>
-                  <a:srgbClr val="3366FF"/>
-                </a:solidFill>
-                <a:latin typeface="Courier"/>
-                <a:cs typeface="Courier"/>
-              </a:rPr>
-              <a:t>$</a:t>
-            </a:r>
+              <a:t>        </a:t>
+            </a:r>
+          </a:p>
+          <a:p>
+            <a:pPr marL="0" indent="0">
+              <a:buNone/>
+            </a:pPr>
             <a:r>
               <a:rPr lang="en-US" sz="1800" dirty="0">
                 <a:solidFill>
@@ -6762,10 +6250,32 @@
                 <a:latin typeface="Courier"/>
                 <a:cs typeface="Courier"/>
               </a:rPr>
-              <a:t>(CC) $(CFLAGS) $&lt; </a:t>
-            </a:r>
+              <a:t>$(EXECUTABLE): $(OBJECTS)</a:t>
+            </a:r>
+          </a:p>
+          <a:p>
+            <a:pPr marL="0" indent="0">
+              <a:buNone/>
+            </a:pPr>
             <a:r>
               <a:rPr lang="en-US" sz="1800" dirty="0">
+                <a:latin typeface="Courier"/>
+                <a:cs typeface="Courier"/>
+              </a:rPr>
+              <a:t>		</a:t>
+            </a:r>
+            <a:r>
+              <a:rPr lang="en-US" sz="1800" dirty="0">
+                <a:solidFill>
+                  <a:srgbClr val="3366FF"/>
+                </a:solidFill>
+                <a:latin typeface="Courier"/>
+                <a:cs typeface="Courier"/>
+              </a:rPr>
+              <a:t>$(CC) $(LDFLAGS) $(OBJECTS) </a:t>
+            </a:r>
+            <a:r>
+              <a:rPr lang="en-US" sz="1800" dirty="0">
                 <a:solidFill>
                   <a:srgbClr val="FF0000"/>
                 </a:solidFill>
@@ -6789,19 +6299,9 @@
                 <a:latin typeface="Courier"/>
                 <a:cs typeface="Courier"/>
               </a:rPr>
-              <a:t>$</a:t>
-            </a:r>
-            <a:r>
-              <a:rPr lang="en-US" sz="1800" dirty="0" smtClean="0">
-                <a:solidFill>
-                  <a:srgbClr val="3366FF"/>
-                </a:solidFill>
-                <a:latin typeface="Courier"/>
-                <a:cs typeface="Courier"/>
-              </a:rPr>
-              <a:t>@</a:t>
-            </a:r>
-            <a:endParaRPr lang="en-US" sz="1800" dirty="0" smtClean="0">
+              <a:t>$@</a:t>
+            </a:r>
+            <a:endParaRPr lang="en-US" sz="1800" dirty="0">
               <a:latin typeface="Courier"/>
               <a:cs typeface="Courier"/>
             </a:endParaRPr>
@@ -6818,91 +6318,145 @@
                 <a:latin typeface="Courier"/>
                 <a:cs typeface="Courier"/>
               </a:rPr>
-              <a:t>c</a:t>
-            </a:r>
-            <a:r>
-              <a:rPr lang="en-US" sz="1800" dirty="0" smtClean="0">
-                <a:solidFill>
-                  <a:srgbClr val="3366FF"/>
-                </a:solidFill>
-                <a:latin typeface="Courier"/>
-                <a:cs typeface="Courier"/>
-              </a:rPr>
-              <a:t>lean:</a:t>
-            </a:r>
-          </a:p>
-          <a:p>
-            <a:pPr marL="0" indent="0">
-              <a:buNone/>
-            </a:pPr>
+              <a:t>.</a:t>
+            </a:r>
+            <a:r>
+              <a:rPr lang="en-US" sz="1800" dirty="0" err="1">
+                <a:solidFill>
+                  <a:srgbClr val="3366FF"/>
+                </a:solidFill>
+                <a:latin typeface="Courier"/>
+                <a:cs typeface="Courier"/>
+              </a:rPr>
+              <a:t>cpp.o</a:t>
+            </a:r>
             <a:r>
               <a:rPr lang="en-US" sz="1800" dirty="0">
-                <a:latin typeface="Courier"/>
-                <a:cs typeface="Courier"/>
-              </a:rPr>
-              <a:t>	</a:t>
-            </a:r>
-            <a:r>
-              <a:rPr lang="en-US" sz="1800" dirty="0" smtClean="0">
-                <a:latin typeface="Courier"/>
-                <a:cs typeface="Courier"/>
-              </a:rPr>
-              <a:t>	</a:t>
-            </a:r>
-            <a:r>
-              <a:rPr lang="it-IT" sz="1800" dirty="0" err="1" smtClean="0">
+                <a:solidFill>
+                  <a:srgbClr val="3366FF"/>
+                </a:solidFill>
+                <a:latin typeface="Courier"/>
+                <a:cs typeface="Courier"/>
+              </a:rPr>
+              <a:t>:</a:t>
+            </a:r>
+          </a:p>
+          <a:p>
+            <a:pPr marL="0" indent="0">
+              <a:buNone/>
+            </a:pPr>
+            <a:r>
+              <a:rPr lang="en-US" sz="1800" dirty="0">
+                <a:latin typeface="Courier"/>
+                <a:cs typeface="Courier"/>
+              </a:rPr>
+              <a:t>		</a:t>
+            </a:r>
+            <a:r>
+              <a:rPr lang="en-US" sz="1800" dirty="0">
+                <a:solidFill>
+                  <a:srgbClr val="3366FF"/>
+                </a:solidFill>
+                <a:latin typeface="Courier"/>
+                <a:cs typeface="Courier"/>
+              </a:rPr>
+              <a:t>$(CC) $(CFLAGS) $&lt; </a:t>
+            </a:r>
+            <a:r>
+              <a:rPr lang="en-US" sz="1800" dirty="0">
+                <a:solidFill>
+                  <a:srgbClr val="FF0000"/>
+                </a:solidFill>
+                <a:latin typeface="Courier"/>
+                <a:cs typeface="Courier"/>
+              </a:rPr>
+              <a:t>-o</a:t>
+            </a:r>
+            <a:r>
+              <a:rPr lang="en-US" sz="1800" dirty="0">
+                <a:latin typeface="Courier"/>
+                <a:cs typeface="Courier"/>
+              </a:rPr>
+              <a:t> </a:t>
+            </a:r>
+            <a:r>
+              <a:rPr lang="en-US" sz="1800" dirty="0">
+                <a:solidFill>
+                  <a:srgbClr val="3366FF"/>
+                </a:solidFill>
+                <a:latin typeface="Courier"/>
+                <a:cs typeface="Courier"/>
+              </a:rPr>
+              <a:t>$@</a:t>
+            </a:r>
+            <a:endParaRPr lang="en-US" sz="1800" dirty="0">
+              <a:latin typeface="Courier"/>
+              <a:cs typeface="Courier"/>
+            </a:endParaRPr>
+          </a:p>
+          <a:p>
+            <a:pPr marL="0" indent="0">
+              <a:buNone/>
+            </a:pPr>
+            <a:r>
+              <a:rPr lang="en-US" sz="1800" dirty="0">
+                <a:solidFill>
+                  <a:srgbClr val="3366FF"/>
+                </a:solidFill>
+                <a:latin typeface="Courier"/>
+                <a:cs typeface="Courier"/>
+              </a:rPr>
+              <a:t>clean:</a:t>
+            </a:r>
+          </a:p>
+          <a:p>
+            <a:pPr marL="0" indent="0">
+              <a:buNone/>
+            </a:pPr>
+            <a:r>
+              <a:rPr lang="en-US" sz="1800" dirty="0">
+                <a:latin typeface="Courier"/>
+                <a:cs typeface="Courier"/>
+              </a:rPr>
+              <a:t>		</a:t>
+            </a:r>
+            <a:r>
+              <a:rPr lang="it-IT" sz="1800" dirty="0" err="1">
                 <a:latin typeface="Courier"/>
                 <a:cs typeface="Courier"/>
               </a:rPr>
               <a:t>rm</a:t>
             </a:r>
             <a:r>
-              <a:rPr lang="it-IT" sz="1800" dirty="0" smtClean="0">
+              <a:rPr lang="it-IT" sz="1800" dirty="0">
+                <a:latin typeface="Courier"/>
+                <a:cs typeface="Courier"/>
+              </a:rPr>
+              <a:t> –</a:t>
+            </a:r>
+            <a:r>
+              <a:rPr lang="it-IT" sz="1800" dirty="0" err="1">
+                <a:latin typeface="Courier"/>
+                <a:cs typeface="Courier"/>
+              </a:rPr>
+              <a:t>rf</a:t>
+            </a:r>
+            <a:r>
+              <a:rPr lang="it-IT" sz="1800" dirty="0">
                 <a:latin typeface="Courier"/>
                 <a:cs typeface="Courier"/>
               </a:rPr>
               <a:t> </a:t>
             </a:r>
             <a:r>
-              <a:rPr lang="it-IT" sz="1800" dirty="0" smtClean="0">
-                <a:latin typeface="Courier"/>
-                <a:cs typeface="Courier"/>
-              </a:rPr>
-              <a:t>–</a:t>
-            </a:r>
-            <a:r>
-              <a:rPr lang="it-IT" sz="1800" dirty="0" err="1" smtClean="0">
-                <a:latin typeface="Courier"/>
-                <a:cs typeface="Courier"/>
-              </a:rPr>
-              <a:t>rf</a:t>
-            </a:r>
-            <a:r>
-              <a:rPr lang="it-IT" sz="1800" dirty="0" smtClean="0">
-                <a:latin typeface="Courier"/>
-                <a:cs typeface="Courier"/>
-              </a:rPr>
-              <a:t> </a:t>
-            </a:r>
-            <a:r>
-              <a:rPr lang="it-IT" sz="1800" dirty="0" smtClean="0">
-                <a:solidFill>
-                  <a:srgbClr val="3366FF"/>
-                </a:solidFill>
-                <a:latin typeface="Courier"/>
-                <a:cs typeface="Courier"/>
-              </a:rPr>
-              <a:t>$(OBJECTS)</a:t>
-            </a:r>
-            <a:r>
-              <a:rPr lang="it-IT" sz="1800" dirty="0" smtClean="0">
-                <a:solidFill>
-                  <a:srgbClr val="3366FF"/>
-                </a:solidFill>
-                <a:latin typeface="Courier"/>
-                <a:cs typeface="Courier"/>
-              </a:rPr>
-              <a:t> $(EXECUTABLE)</a:t>
+              <a:rPr lang="it-IT" sz="1800" dirty="0">
+                <a:solidFill>
+                  <a:srgbClr val="3366FF"/>
+                </a:solidFill>
+                <a:latin typeface="Courier"/>
+                <a:cs typeface="Courier"/>
+              </a:rPr>
+              <a:t>$(OBJECTS) $(EXECUTABLE)</a:t>
             </a:r>
             <a:endParaRPr lang="en-US" sz="1800" dirty="0">
               <a:solidFill>
@@ -6924,13 +6478,6 @@
   <p:clrMapOvr>
     <a:masterClrMapping/>
   </p:clrMapOvr>
-  <p:timing>
-    <p:tnLst>
-      <p:par>
-        <p:cTn xmlns:p14="http://schemas.microsoft.com/office/powerpoint/2010/main" id="1" dur="indefinite" restart="never" nodeType="tmRoot"/>
-      </p:par>
-    </p:tnLst>
-  </p:timing>
 </p:sld>
 </file>
 
@@ -6967,10 +6514,9 @@
           <a:lstStyle/>
           <a:p>
             <a:r>
-              <a:rPr lang="en-US" dirty="0" smtClean="0"/>
+              <a:rPr lang="en-US" dirty="0"/>
               <a:t>Modification 6 – Dependencies</a:t>
             </a:r>
-            <a:endParaRPr lang="en-US" dirty="0"/>
           </a:p>
         </p:txBody>
       </p:sp>
@@ -7014,108 +6560,14 @@
                 <a:latin typeface="Courier"/>
                 <a:cs typeface="Courier"/>
               </a:rPr>
-              <a:t>=g++</a:t>
-            </a:r>
-          </a:p>
-          <a:p>
-            <a:pPr marL="0" indent="0">
-              <a:buNone/>
-            </a:pPr>
-            <a:r>
-              <a:rPr lang="en-US" sz="1600" dirty="0">
-                <a:solidFill>
-                  <a:srgbClr val="3366FF"/>
-                </a:solidFill>
-                <a:latin typeface="Courier"/>
-                <a:cs typeface="Courier"/>
-              </a:rPr>
-              <a:t>CFLAGS</a:t>
-            </a:r>
-            <a:r>
-              <a:rPr lang="en-US" sz="1600" dirty="0">
-                <a:latin typeface="Courier"/>
-                <a:cs typeface="Courier"/>
-              </a:rPr>
-              <a:t>=-c -Wall</a:t>
-            </a:r>
-          </a:p>
-          <a:p>
-            <a:pPr marL="0" indent="0">
-              <a:buNone/>
-            </a:pPr>
-            <a:r>
-              <a:rPr lang="en-US" sz="1600" dirty="0">
-                <a:solidFill>
-                  <a:srgbClr val="3366FF"/>
-                </a:solidFill>
-                <a:latin typeface="Courier"/>
-                <a:cs typeface="Courier"/>
-              </a:rPr>
-              <a:t>LDFLAGS</a:t>
-            </a:r>
-            <a:r>
-              <a:rPr lang="en-US" sz="1600" dirty="0">
-                <a:latin typeface="Courier"/>
-                <a:cs typeface="Courier"/>
-              </a:rPr>
               <a:t>=</a:t>
             </a:r>
-          </a:p>
-          <a:p>
-            <a:pPr marL="0" indent="0">
-              <a:buNone/>
-            </a:pPr>
-            <a:r>
-              <a:rPr lang="en-US" sz="1600" dirty="0">
-                <a:solidFill>
-                  <a:srgbClr val="3366FF"/>
-                </a:solidFill>
-                <a:latin typeface="Courier"/>
-                <a:cs typeface="Courier"/>
-              </a:rPr>
-              <a:t>SOURCES</a:t>
-            </a:r>
-            <a:r>
-              <a:rPr lang="en-US" sz="1600" dirty="0">
-                <a:latin typeface="Courier"/>
-                <a:cs typeface="Courier"/>
-              </a:rPr>
-              <a:t>=</a:t>
-            </a:r>
             <a:r>
               <a:rPr lang="en-US" sz="1600" dirty="0" err="1">
                 <a:latin typeface="Courier"/>
                 <a:cs typeface="Courier"/>
               </a:rPr>
-              <a:t>main.cpp</a:t>
-            </a:r>
-            <a:r>
-              <a:rPr lang="en-US" sz="1600" dirty="0">
-                <a:latin typeface="Courier"/>
-                <a:cs typeface="Courier"/>
-              </a:rPr>
-              <a:t> </a:t>
-            </a:r>
-            <a:r>
-              <a:rPr lang="en-US" sz="1600" dirty="0" err="1">
-                <a:latin typeface="Courier"/>
-                <a:cs typeface="Courier"/>
-              </a:rPr>
-              <a:t>hello.cpp</a:t>
-            </a:r>
-            <a:r>
-              <a:rPr lang="en-US" sz="1600" dirty="0">
-                <a:latin typeface="Courier"/>
-                <a:cs typeface="Courier"/>
-              </a:rPr>
-              <a:t> </a:t>
-            </a:r>
-            <a:r>
-              <a:rPr lang="en-US" sz="1600" dirty="0" err="1">
-                <a:latin typeface="Courier"/>
-                <a:cs typeface="Courier"/>
-              </a:rPr>
-              <a:t>factorial.cpp</a:t>
+              <a:t>gcc</a:t>
             </a:r>
             <a:endParaRPr lang="en-US" sz="1600" dirty="0">
               <a:latin typeface="Courier"/>
@@ -7134,52 +6586,94 @@
                 <a:latin typeface="Courier"/>
                 <a:cs typeface="Courier"/>
               </a:rPr>
-              <a:t>OBJECTS=$(SOURCES:.</a:t>
+              <a:t>CFLAGS</a:t>
+            </a:r>
+            <a:r>
+              <a:rPr lang="en-US" sz="1600" dirty="0">
+                <a:latin typeface="Courier"/>
+                <a:cs typeface="Courier"/>
+              </a:rPr>
+              <a:t>=-c -Wall</a:t>
+            </a:r>
+          </a:p>
+          <a:p>
+            <a:pPr marL="0" indent="0">
+              <a:buNone/>
+            </a:pPr>
+            <a:r>
+              <a:rPr lang="en-US" sz="1600" dirty="0">
+                <a:solidFill>
+                  <a:srgbClr val="3366FF"/>
+                </a:solidFill>
+                <a:latin typeface="Courier"/>
+                <a:cs typeface="Courier"/>
+              </a:rPr>
+              <a:t>LDFLAGS</a:t>
+            </a:r>
+            <a:r>
+              <a:rPr lang="en-US" sz="1600" dirty="0">
+                <a:latin typeface="Courier"/>
+                <a:cs typeface="Courier"/>
+              </a:rPr>
+              <a:t>=</a:t>
+            </a:r>
+          </a:p>
+          <a:p>
+            <a:pPr marL="0" indent="0">
+              <a:buNone/>
+            </a:pPr>
+            <a:r>
+              <a:rPr lang="en-US" sz="1600" dirty="0">
+                <a:solidFill>
+                  <a:srgbClr val="3366FF"/>
+                </a:solidFill>
+                <a:latin typeface="Courier"/>
+                <a:cs typeface="Courier"/>
+              </a:rPr>
+              <a:t>SOURCES</a:t>
+            </a:r>
+            <a:r>
+              <a:rPr lang="en-US" sz="1600" dirty="0">
+                <a:latin typeface="Courier"/>
+                <a:cs typeface="Courier"/>
+              </a:rPr>
+              <a:t>=</a:t>
             </a:r>
             <a:r>
               <a:rPr lang="en-US" sz="1600" dirty="0" err="1">
-                <a:solidFill>
-                  <a:srgbClr val="3366FF"/>
-                </a:solidFill>
-                <a:latin typeface="Courier"/>
-                <a:cs typeface="Courier"/>
-              </a:rPr>
-              <a:t>cpp</a:t>
+                <a:latin typeface="Courier"/>
+                <a:cs typeface="Courier"/>
+              </a:rPr>
+              <a:t>main.c</a:t>
             </a:r>
             <a:r>
               <a:rPr lang="en-US" sz="1600" dirty="0">
-                <a:solidFill>
-                  <a:srgbClr val="3366FF"/>
-                </a:solidFill>
-                <a:latin typeface="Courier"/>
-                <a:cs typeface="Courier"/>
-              </a:rPr>
-              <a:t>=.o)</a:t>
-            </a:r>
-          </a:p>
-          <a:p>
-            <a:pPr marL="0" indent="0">
-              <a:buNone/>
-            </a:pPr>
+                <a:latin typeface="Courier"/>
+                <a:cs typeface="Courier"/>
+              </a:rPr>
+              <a:t> </a:t>
+            </a:r>
+            <a:r>
+              <a:rPr lang="en-US" sz="1600" dirty="0" err="1">
+                <a:latin typeface="Courier"/>
+                <a:cs typeface="Courier"/>
+              </a:rPr>
+              <a:t>hello.c</a:t>
+            </a:r>
             <a:r>
               <a:rPr lang="en-US" sz="1600" dirty="0">
-                <a:solidFill>
-                  <a:srgbClr val="3366FF"/>
-                </a:solidFill>
-                <a:latin typeface="Courier"/>
-                <a:cs typeface="Courier"/>
-              </a:rPr>
-              <a:t>EXECUTABLE</a:t>
-            </a:r>
-            <a:r>
-              <a:rPr lang="en-US" sz="1600" dirty="0">
-                <a:latin typeface="Courier"/>
-                <a:cs typeface="Courier"/>
-              </a:rPr>
-              <a:t>=hello</a:t>
-            </a:r>
-          </a:p>
-          <a:p>
+                <a:latin typeface="Courier"/>
+                <a:cs typeface="Courier"/>
+              </a:rPr>
+              <a:t> </a:t>
+            </a:r>
+            <a:r>
+              <a:rPr lang="en-US" sz="1600" dirty="0" err="1">
+                <a:latin typeface="Courier"/>
+                <a:cs typeface="Courier"/>
+              </a:rPr>
+              <a:t>factorial.c</a:t>
+            </a:r>
             <a:endParaRPr lang="en-US" sz="1600" dirty="0">
               <a:latin typeface="Courier"/>
               <a:cs typeface="Courier"/>
@@ -7197,19 +6691,27 @@
                 <a:latin typeface="Courier"/>
                 <a:cs typeface="Courier"/>
               </a:rPr>
-              <a:t>all: $(SOURCES) $(EXECUTABLE)</a:t>
-            </a:r>
-          </a:p>
-          <a:p>
-            <a:pPr marL="0" indent="0">
-              <a:buNone/>
-            </a:pPr>
+              <a:t>OBJECTS=$(SOURCES:.</a:t>
+            </a:r>
+            <a:r>
+              <a:rPr lang="en-US" sz="1600" dirty="0" err="1">
+                <a:solidFill>
+                  <a:srgbClr val="3366FF"/>
+                </a:solidFill>
+                <a:latin typeface="Courier"/>
+                <a:cs typeface="Courier"/>
+              </a:rPr>
+              <a:t>cpp</a:t>
+            </a:r>
             <a:r>
               <a:rPr lang="en-US" sz="1600" dirty="0">
-                <a:latin typeface="Courier"/>
-                <a:cs typeface="Courier"/>
-              </a:rPr>
-              <a:t>        </a:t>
+                <a:solidFill>
+                  <a:srgbClr val="3366FF"/>
+                </a:solidFill>
+                <a:latin typeface="Courier"/>
+                <a:cs typeface="Courier"/>
+              </a:rPr>
+              <a:t>=.o)</a:t>
             </a:r>
           </a:p>
           <a:p>
@@ -7224,94 +6726,17 @@
                 <a:latin typeface="Courier"/>
                 <a:cs typeface="Courier"/>
               </a:rPr>
-              <a:t>$(EXECUTABLE): $(OBJECTS</a:t>
-            </a:r>
-            <a:r>
-              <a:rPr lang="en-US" sz="1600" dirty="0" smtClean="0">
-                <a:solidFill>
-                  <a:srgbClr val="3366FF"/>
-                </a:solidFill>
-                <a:latin typeface="Courier"/>
-                <a:cs typeface="Courier"/>
-              </a:rPr>
-              <a:t>)</a:t>
-            </a:r>
-          </a:p>
-          <a:p>
-            <a:pPr marL="0" indent="0">
-              <a:buNone/>
-            </a:pPr>
+              <a:t>EXECUTABLE</a:t>
+            </a:r>
             <a:r>
               <a:rPr lang="en-US" sz="1600" dirty="0">
                 <a:latin typeface="Courier"/>
                 <a:cs typeface="Courier"/>
               </a:rPr>
-              <a:t>	</a:t>
-            </a:r>
-            <a:r>
-              <a:rPr lang="en-US" sz="1600" dirty="0" smtClean="0">
-                <a:latin typeface="Courier"/>
-                <a:cs typeface="Courier"/>
-              </a:rPr>
-              <a:t>	</a:t>
-            </a:r>
-            <a:r>
-              <a:rPr lang="en-US" sz="1600" dirty="0" smtClean="0">
-                <a:solidFill>
-                  <a:srgbClr val="3366FF"/>
-                </a:solidFill>
-                <a:latin typeface="Courier"/>
-                <a:cs typeface="Courier"/>
-              </a:rPr>
-              <a:t>$</a:t>
-            </a:r>
-            <a:r>
-              <a:rPr lang="en-US" sz="1600" dirty="0">
-                <a:solidFill>
-                  <a:srgbClr val="3366FF"/>
-                </a:solidFill>
-                <a:latin typeface="Courier"/>
-                <a:cs typeface="Courier"/>
-              </a:rPr>
-              <a:t>(CC) $(LDFLAGS) $(OBJECTS) </a:t>
-            </a:r>
-            <a:r>
-              <a:rPr lang="en-US" sz="1600" dirty="0">
-                <a:solidFill>
-                  <a:srgbClr val="FF0000"/>
-                </a:solidFill>
-                <a:latin typeface="Courier"/>
-                <a:cs typeface="Courier"/>
-              </a:rPr>
-              <a:t>-o</a:t>
-            </a:r>
-            <a:r>
-              <a:rPr lang="en-US" sz="1600" dirty="0">
-                <a:latin typeface="Courier"/>
-                <a:cs typeface="Courier"/>
-              </a:rPr>
-              <a:t> </a:t>
-            </a:r>
-            <a:r>
-              <a:rPr lang="en-US" sz="1600" dirty="0">
-                <a:solidFill>
-                  <a:srgbClr val="3366FF"/>
-                </a:solidFill>
-                <a:latin typeface="Courier"/>
-                <a:cs typeface="Courier"/>
-              </a:rPr>
-              <a:t>$</a:t>
-            </a:r>
-            <a:r>
-              <a:rPr lang="en-US" sz="1600" dirty="0" smtClean="0">
-                <a:solidFill>
-                  <a:srgbClr val="3366FF"/>
-                </a:solidFill>
-                <a:latin typeface="Courier"/>
-                <a:cs typeface="Courier"/>
-              </a:rPr>
-              <a:t>@</a:t>
-            </a:r>
+              <a:t>=hello</a:t>
+            </a:r>
+          </a:p>
+          <a:p>
             <a:endParaRPr lang="en-US" sz="1600" dirty="0">
               <a:latin typeface="Courier"/>
               <a:cs typeface="Courier"/>
@@ -7329,27 +6754,7 @@
                 <a:latin typeface="Courier"/>
                 <a:cs typeface="Courier"/>
               </a:rPr>
-              <a:t>.</a:t>
-            </a:r>
-            <a:r>
-              <a:rPr lang="en-US" sz="1600" dirty="0" err="1">
-                <a:solidFill>
-                  <a:srgbClr val="3366FF"/>
-                </a:solidFill>
-                <a:latin typeface="Courier"/>
-                <a:cs typeface="Courier"/>
-              </a:rPr>
-              <a:t>cpp.o</a:t>
-            </a:r>
-            <a:r>
-              <a:rPr lang="en-US" sz="1600" dirty="0" smtClean="0">
-                <a:solidFill>
-                  <a:srgbClr val="3366FF"/>
-                </a:solidFill>
-                <a:latin typeface="Courier"/>
-                <a:cs typeface="Courier"/>
-              </a:rPr>
-              <a:t>:</a:t>
+              <a:t>all: $(SOURCES) $(EXECUTABLE)</a:t>
             </a:r>
           </a:p>
           <a:p>
@@ -7361,25 +6766,13 @@
                 <a:latin typeface="Courier"/>
                 <a:cs typeface="Courier"/>
               </a:rPr>
-              <a:t>	</a:t>
-            </a:r>
-            <a:r>
-              <a:rPr lang="en-US" sz="1600" dirty="0" smtClean="0">
-                <a:latin typeface="Courier"/>
-                <a:cs typeface="Courier"/>
-              </a:rPr>
-              <a:t>	</a:t>
-            </a:r>
-            <a:r>
-              <a:rPr lang="en-US" sz="1600" dirty="0" smtClean="0">
-                <a:solidFill>
-                  <a:srgbClr val="3366FF"/>
-                </a:solidFill>
-                <a:latin typeface="Courier"/>
-                <a:cs typeface="Courier"/>
-              </a:rPr>
-              <a:t>$</a:t>
-            </a:r>
+              <a:t>        </a:t>
+            </a:r>
+          </a:p>
+          <a:p>
+            <a:pPr marL="0" indent="0">
+              <a:buNone/>
+            </a:pPr>
             <a:r>
               <a:rPr lang="en-US" sz="1600" dirty="0">
                 <a:solidFill>
@@ -7388,10 +6781,32 @@
                 <a:latin typeface="Courier"/>
                 <a:cs typeface="Courier"/>
               </a:rPr>
-              <a:t>(CC) $(CFLAGS) $&lt; </a:t>
-            </a:r>
+              <a:t>$(EXECUTABLE): $(OBJECTS)</a:t>
+            </a:r>
+          </a:p>
+          <a:p>
+            <a:pPr marL="0" indent="0">
+              <a:buNone/>
+            </a:pPr>
             <a:r>
               <a:rPr lang="en-US" sz="1600" dirty="0">
+                <a:latin typeface="Courier"/>
+                <a:cs typeface="Courier"/>
+              </a:rPr>
+              <a:t>		</a:t>
+            </a:r>
+            <a:r>
+              <a:rPr lang="en-US" sz="1600" dirty="0">
+                <a:solidFill>
+                  <a:srgbClr val="3366FF"/>
+                </a:solidFill>
+                <a:latin typeface="Courier"/>
+                <a:cs typeface="Courier"/>
+              </a:rPr>
+              <a:t>$(CC) $(LDFLAGS) $(OBJECTS) </a:t>
+            </a:r>
+            <a:r>
+              <a:rPr lang="en-US" sz="1600" dirty="0">
                 <a:solidFill>
                   <a:srgbClr val="FF0000"/>
                 </a:solidFill>
@@ -7415,56 +6830,7 @@
                 <a:latin typeface="Courier"/>
                 <a:cs typeface="Courier"/>
               </a:rPr>
-              <a:t>$</a:t>
-            </a:r>
-            <a:r>
-              <a:rPr lang="en-US" sz="1600" dirty="0" smtClean="0">
-                <a:solidFill>
-                  <a:srgbClr val="3366FF"/>
-                </a:solidFill>
-                <a:latin typeface="Courier"/>
-                <a:cs typeface="Courier"/>
-              </a:rPr>
-              <a:t>@</a:t>
-            </a:r>
-          </a:p>
-          <a:p>
-            <a:pPr marL="0" indent="0">
-              <a:buNone/>
-            </a:pPr>
-            <a:r>
-              <a:rPr lang="en-US" sz="1600" dirty="0" err="1">
-                <a:solidFill>
-                  <a:srgbClr val="3366FF"/>
-                </a:solidFill>
-                <a:latin typeface="Courier"/>
-                <a:cs typeface="Courier"/>
-              </a:rPr>
-              <a:t>main.o</a:t>
-            </a:r>
-            <a:r>
-              <a:rPr lang="en-US" sz="1600" dirty="0">
-                <a:solidFill>
-                  <a:srgbClr val="3366FF"/>
-                </a:solidFill>
-                <a:latin typeface="Courier"/>
-                <a:cs typeface="Courier"/>
-              </a:rPr>
-              <a:t> :</a:t>
-            </a:r>
-            <a:r>
-              <a:rPr lang="en-US" sz="1600" dirty="0">
-                <a:latin typeface="Courier"/>
-                <a:cs typeface="Courier"/>
-              </a:rPr>
-              <a:t> </a:t>
-            </a:r>
-            <a:r>
-              <a:rPr lang="en-US" sz="1600" dirty="0" err="1">
-                <a:latin typeface="Courier"/>
-                <a:cs typeface="Courier"/>
-              </a:rPr>
-              <a:t>functions.h</a:t>
+              <a:t>$@</a:t>
             </a:r>
             <a:endParaRPr lang="en-US" sz="1600" dirty="0">
               <a:latin typeface="Courier"/>
@@ -7476,6 +6842,16 @@
               <a:buNone/>
             </a:pPr>
             <a:r>
+              <a:rPr lang="en-US" sz="1600" dirty="0">
+                <a:solidFill>
+                  <a:srgbClr val="3366FF"/>
+                </a:solidFill>
+                <a:latin typeface="Courier"/>
+                <a:cs typeface="Courier"/>
+              </a:rPr>
+              <a:t>.</a:t>
+            </a:r>
+            <a:r>
               <a:rPr lang="en-US" sz="1600" dirty="0" err="1">
                 <a:solidFill>
                   <a:srgbClr val="3366FF"/>
@@ -7483,7 +6859,81 @@
                 <a:latin typeface="Courier"/>
                 <a:cs typeface="Courier"/>
               </a:rPr>
-              <a:t>hello.o</a:t>
+              <a:t>cpp.o</a:t>
+            </a:r>
+            <a:r>
+              <a:rPr lang="en-US" sz="1600" dirty="0">
+                <a:solidFill>
+                  <a:srgbClr val="3366FF"/>
+                </a:solidFill>
+                <a:latin typeface="Courier"/>
+                <a:cs typeface="Courier"/>
+              </a:rPr>
+              <a:t>:</a:t>
+            </a:r>
+          </a:p>
+          <a:p>
+            <a:pPr marL="0" indent="0">
+              <a:buNone/>
+            </a:pPr>
+            <a:r>
+              <a:rPr lang="en-US" sz="1600" dirty="0">
+                <a:latin typeface="Courier"/>
+                <a:cs typeface="Courier"/>
+              </a:rPr>
+              <a:t>		</a:t>
+            </a:r>
+            <a:r>
+              <a:rPr lang="en-US" sz="1600" dirty="0">
+                <a:solidFill>
+                  <a:srgbClr val="3366FF"/>
+                </a:solidFill>
+                <a:latin typeface="Courier"/>
+                <a:cs typeface="Courier"/>
+              </a:rPr>
+              <a:t>$(CC) $(CFLAGS) $&lt; </a:t>
+            </a:r>
+            <a:r>
+              <a:rPr lang="en-US" sz="1600" dirty="0">
+                <a:solidFill>
+                  <a:srgbClr val="FF0000"/>
+                </a:solidFill>
+                <a:latin typeface="Courier"/>
+                <a:cs typeface="Courier"/>
+              </a:rPr>
+              <a:t>-o</a:t>
+            </a:r>
+            <a:r>
+              <a:rPr lang="en-US" sz="1600" dirty="0">
+                <a:latin typeface="Courier"/>
+                <a:cs typeface="Courier"/>
+              </a:rPr>
+              <a:t> </a:t>
+            </a:r>
+            <a:r>
+              <a:rPr lang="en-US" sz="1600" dirty="0">
+                <a:solidFill>
+                  <a:srgbClr val="3366FF"/>
+                </a:solidFill>
+                <a:latin typeface="Courier"/>
+                <a:cs typeface="Courier"/>
+              </a:rPr>
+              <a:t>$@</a:t>
+            </a:r>
+          </a:p>
+          <a:p>
+            <a:pPr marL="0" indent="0">
+              <a:buNone/>
+            </a:pPr>
+            <a:r>
+              <a:rPr lang="en-US" sz="1600" dirty="0" err="1">
+                <a:solidFill>
+                  <a:srgbClr val="3366FF"/>
+                </a:solidFill>
+                <a:latin typeface="Courier"/>
+                <a:cs typeface="Courier"/>
+              </a:rPr>
+              <a:t>main.o</a:t>
             </a:r>
             <a:r>
               <a:rPr lang="en-US" sz="1600" dirty="0">
@@ -7526,7 +6976,7 @@
                 <a:latin typeface="Courier"/>
                 <a:cs typeface="Courier"/>
               </a:rPr>
-              <a:t>factorial.o</a:t>
+              <a:t>hello.o</a:t>
             </a:r>
             <a:r>
               <a:rPr lang="en-US" sz="1600" dirty="0">
@@ -7536,26 +6986,23 @@
                 <a:latin typeface="Courier"/>
                 <a:cs typeface="Courier"/>
               </a:rPr>
+              <a:t> :</a:t>
+            </a:r>
+            <a:r>
+              <a:rPr lang="en-US" sz="1600" dirty="0">
+                <a:latin typeface="Courier"/>
+                <a:cs typeface="Courier"/>
+              </a:rPr>
               <a:t> </a:t>
             </a:r>
             <a:r>
-              <a:rPr lang="en-US" sz="1600" dirty="0" smtClean="0">
-                <a:solidFill>
-                  <a:srgbClr val="3366FF"/>
-                </a:solidFill>
-                <a:latin typeface="Courier"/>
-                <a:cs typeface="Courier"/>
-              </a:rPr>
-              <a:t>: </a:t>
-            </a:r>
-            <a:r>
-              <a:rPr lang="en-US" sz="1600" dirty="0" err="1" smtClean="0">
+              <a:rPr lang="en-US" sz="1600" dirty="0" err="1">
                 <a:latin typeface="Courier"/>
                 <a:cs typeface="Courier"/>
               </a:rPr>
               <a:t>functions.h</a:t>
             </a:r>
-            <a:endParaRPr lang="en-US" sz="1600" dirty="0" smtClean="0">
+            <a:endParaRPr lang="en-US" sz="1600" dirty="0">
               <a:latin typeface="Courier"/>
               <a:cs typeface="Courier"/>
             </a:endParaRPr>
@@ -7565,6 +7012,16 @@
               <a:buNone/>
             </a:pPr>
             <a:r>
+              <a:rPr lang="en-US" sz="1600" dirty="0" err="1">
+                <a:solidFill>
+                  <a:srgbClr val="3366FF"/>
+                </a:solidFill>
+                <a:latin typeface="Courier"/>
+                <a:cs typeface="Courier"/>
+              </a:rPr>
+              <a:t>factorial.o</a:t>
+            </a:r>
+            <a:r>
               <a:rPr lang="en-US" sz="1600" dirty="0">
                 <a:solidFill>
                   <a:srgbClr val="3366FF"/>
@@ -7572,60 +7029,76 @@
                 <a:latin typeface="Courier"/>
                 <a:cs typeface="Courier"/>
               </a:rPr>
-              <a:t>c</a:t>
-            </a:r>
-            <a:r>
-              <a:rPr lang="en-US" sz="1600" dirty="0" smtClean="0">
-                <a:solidFill>
-                  <a:srgbClr val="3366FF"/>
-                </a:solidFill>
-                <a:latin typeface="Courier"/>
-                <a:cs typeface="Courier"/>
-              </a:rPr>
-              <a:t>lean:</a:t>
-            </a:r>
-          </a:p>
-          <a:p>
-            <a:pPr marL="0" indent="0">
-              <a:buNone/>
-            </a:pPr>
-            <a:r>
-              <a:rPr lang="en-US" sz="1600" dirty="0" smtClean="0">
+              <a:t> : </a:t>
+            </a:r>
+            <a:r>
+              <a:rPr lang="en-US" sz="1600" dirty="0" err="1">
+                <a:latin typeface="Courier"/>
+                <a:cs typeface="Courier"/>
+              </a:rPr>
+              <a:t>functions.h</a:t>
+            </a:r>
+            <a:endParaRPr lang="en-US" sz="1600" dirty="0">
+              <a:latin typeface="Courier"/>
+              <a:cs typeface="Courier"/>
+            </a:endParaRPr>
+          </a:p>
+          <a:p>
+            <a:pPr marL="0" indent="0">
+              <a:buNone/>
+            </a:pPr>
+            <a:r>
+              <a:rPr lang="en-US" sz="1600" dirty="0">
+                <a:solidFill>
+                  <a:srgbClr val="3366FF"/>
+                </a:solidFill>
+                <a:latin typeface="Courier"/>
+                <a:cs typeface="Courier"/>
+              </a:rPr>
+              <a:t>clean:</a:t>
+            </a:r>
+          </a:p>
+          <a:p>
+            <a:pPr marL="0" indent="0">
+              <a:buNone/>
+            </a:pPr>
+            <a:r>
+              <a:rPr lang="en-US" sz="1600" dirty="0">
                 <a:latin typeface="Courier"/>
                 <a:cs typeface="Courier"/>
               </a:rPr>
               <a:t>		</a:t>
             </a:r>
             <a:r>
-              <a:rPr lang="it-IT" sz="1600" dirty="0" err="1" smtClean="0">
+              <a:rPr lang="it-IT" sz="1600" dirty="0" err="1">
                 <a:latin typeface="Courier"/>
                 <a:cs typeface="Courier"/>
               </a:rPr>
               <a:t>rm</a:t>
             </a:r>
             <a:r>
-              <a:rPr lang="it-IT" sz="1600" dirty="0" smtClean="0">
+              <a:rPr lang="it-IT" sz="1600" dirty="0">
                 <a:latin typeface="Courier"/>
                 <a:cs typeface="Courier"/>
               </a:rPr>
               <a:t> –</a:t>
             </a:r>
             <a:r>
-              <a:rPr lang="it-IT" sz="1600" dirty="0" err="1" smtClean="0">
+              <a:rPr lang="it-IT" sz="1600" dirty="0" err="1">
                 <a:latin typeface="Courier"/>
                 <a:cs typeface="Courier"/>
               </a:rPr>
               <a:t>rf</a:t>
             </a:r>
             <a:r>
-              <a:rPr lang="it-IT" sz="1600" dirty="0" smtClean="0">
+              <a:rPr lang="it-IT" sz="1600" dirty="0">
                 <a:latin typeface="Courier"/>
                 <a:cs typeface="Courier"/>
               </a:rPr>
               <a:t> </a:t>
             </a:r>
             <a:r>
-              <a:rPr lang="it-IT" sz="1600" dirty="0" smtClean="0">
+              <a:rPr lang="it-IT" sz="1600" dirty="0">
                 <a:solidFill>
                   <a:srgbClr val="3366FF"/>
                 </a:solidFill>
@@ -7654,13 +7127,6 @@
   <p:clrMapOvr>
     <a:masterClrMapping/>
   </p:clrMapOvr>
-  <p:timing>
-    <p:tnLst>
-      <p:par>
-        <p:cTn xmlns:p14="http://schemas.microsoft.com/office/powerpoint/2010/main" id="1" dur="indefinite" restart="never" nodeType="tmRoot"/>
-      </p:par>
-    </p:tnLst>
-  </p:timing>
 </p:sld>
 </file>
 
@@ -7697,10 +7163,9 @@
           <a:lstStyle/>
           <a:p>
             <a:r>
-              <a:rPr lang="en-US" dirty="0" smtClean="0"/>
+              <a:rPr lang="en-US" dirty="0"/>
               <a:t>Modification 7 – Wildcards</a:t>
             </a:r>
-            <a:endParaRPr lang="en-US" dirty="0"/>
           </a:p>
         </p:txBody>
       </p:sp>
@@ -7744,108 +7209,14 @@
                 <a:latin typeface="Courier"/>
                 <a:cs typeface="Courier"/>
               </a:rPr>
-              <a:t>=g++</a:t>
-            </a:r>
-          </a:p>
-          <a:p>
-            <a:pPr marL="0" indent="0">
-              <a:buNone/>
-            </a:pPr>
-            <a:r>
-              <a:rPr lang="en-US" sz="1600" dirty="0">
-                <a:solidFill>
-                  <a:srgbClr val="3366FF"/>
-                </a:solidFill>
-                <a:latin typeface="Courier"/>
-                <a:cs typeface="Courier"/>
-              </a:rPr>
-              <a:t>CFLAGS</a:t>
-            </a:r>
-            <a:r>
-              <a:rPr lang="en-US" sz="1600" dirty="0">
-                <a:latin typeface="Courier"/>
-                <a:cs typeface="Courier"/>
-              </a:rPr>
-              <a:t>=-c -Wall</a:t>
-            </a:r>
-          </a:p>
-          <a:p>
-            <a:pPr marL="0" indent="0">
-              <a:buNone/>
-            </a:pPr>
-            <a:r>
-              <a:rPr lang="en-US" sz="1600" dirty="0">
-                <a:solidFill>
-                  <a:srgbClr val="3366FF"/>
-                </a:solidFill>
-                <a:latin typeface="Courier"/>
-                <a:cs typeface="Courier"/>
-              </a:rPr>
-              <a:t>LDFLAGS</a:t>
-            </a:r>
-            <a:r>
-              <a:rPr lang="en-US" sz="1600" dirty="0">
-                <a:latin typeface="Courier"/>
-                <a:cs typeface="Courier"/>
-              </a:rPr>
               <a:t>=</a:t>
             </a:r>
-          </a:p>
-          <a:p>
-            <a:pPr marL="0" indent="0">
-              <a:buNone/>
-            </a:pPr>
-            <a:r>
-              <a:rPr lang="en-US" sz="1600" dirty="0">
-                <a:solidFill>
-                  <a:srgbClr val="3366FF"/>
-                </a:solidFill>
-                <a:latin typeface="Courier"/>
-                <a:cs typeface="Courier"/>
-              </a:rPr>
-              <a:t>SOURCES</a:t>
-            </a:r>
-            <a:r>
-              <a:rPr lang="en-US" sz="1600" dirty="0">
-                <a:latin typeface="Courier"/>
-                <a:cs typeface="Courier"/>
-              </a:rPr>
-              <a:t>=</a:t>
-            </a:r>
             <a:r>
               <a:rPr lang="en-US" sz="1600" dirty="0" err="1">
                 <a:latin typeface="Courier"/>
                 <a:cs typeface="Courier"/>
               </a:rPr>
-              <a:t>main.cpp</a:t>
-            </a:r>
-            <a:r>
-              <a:rPr lang="en-US" sz="1600" dirty="0">
-                <a:latin typeface="Courier"/>
-                <a:cs typeface="Courier"/>
-              </a:rPr>
-              <a:t> </a:t>
-            </a:r>
-            <a:r>
-              <a:rPr lang="en-US" sz="1600" dirty="0" err="1">
-                <a:latin typeface="Courier"/>
-                <a:cs typeface="Courier"/>
-              </a:rPr>
-              <a:t>hello.cpp</a:t>
-            </a:r>
-            <a:r>
-              <a:rPr lang="en-US" sz="1600" dirty="0">
-                <a:latin typeface="Courier"/>
-                <a:cs typeface="Courier"/>
-              </a:rPr>
-              <a:t> </a:t>
-            </a:r>
-            <a:r>
-              <a:rPr lang="en-US" sz="1600" dirty="0" err="1">
-                <a:latin typeface="Courier"/>
-                <a:cs typeface="Courier"/>
-              </a:rPr>
-              <a:t>factorial.cpp</a:t>
+              <a:t>gcc</a:t>
             </a:r>
             <a:endParaRPr lang="en-US" sz="1600" dirty="0">
               <a:latin typeface="Courier"/>
@@ -7864,52 +7235,94 @@
                 <a:latin typeface="Courier"/>
                 <a:cs typeface="Courier"/>
               </a:rPr>
-              <a:t>OBJECTS=$(SOURCES:.</a:t>
+              <a:t>CFLAGS</a:t>
+            </a:r>
+            <a:r>
+              <a:rPr lang="en-US" sz="1600" dirty="0">
+                <a:latin typeface="Courier"/>
+                <a:cs typeface="Courier"/>
+              </a:rPr>
+              <a:t>=-c -Wall</a:t>
+            </a:r>
+          </a:p>
+          <a:p>
+            <a:pPr marL="0" indent="0">
+              <a:buNone/>
+            </a:pPr>
+            <a:r>
+              <a:rPr lang="en-US" sz="1600" dirty="0">
+                <a:solidFill>
+                  <a:srgbClr val="3366FF"/>
+                </a:solidFill>
+                <a:latin typeface="Courier"/>
+                <a:cs typeface="Courier"/>
+              </a:rPr>
+              <a:t>LDFLAGS</a:t>
+            </a:r>
+            <a:r>
+              <a:rPr lang="en-US" sz="1600" dirty="0">
+                <a:latin typeface="Courier"/>
+                <a:cs typeface="Courier"/>
+              </a:rPr>
+              <a:t>=</a:t>
+            </a:r>
+          </a:p>
+          <a:p>
+            <a:pPr marL="0" indent="0">
+              <a:buNone/>
+            </a:pPr>
+            <a:r>
+              <a:rPr lang="en-US" sz="1600" dirty="0">
+                <a:solidFill>
+                  <a:srgbClr val="3366FF"/>
+                </a:solidFill>
+                <a:latin typeface="Courier"/>
+                <a:cs typeface="Courier"/>
+              </a:rPr>
+              <a:t>SOURCES</a:t>
+            </a:r>
+            <a:r>
+              <a:rPr lang="en-US" sz="1600" dirty="0">
+                <a:latin typeface="Courier"/>
+                <a:cs typeface="Courier"/>
+              </a:rPr>
+              <a:t>=</a:t>
             </a:r>
             <a:r>
               <a:rPr lang="en-US" sz="1600" dirty="0" err="1">
-                <a:solidFill>
-                  <a:srgbClr val="3366FF"/>
-                </a:solidFill>
-                <a:latin typeface="Courier"/>
-                <a:cs typeface="Courier"/>
-              </a:rPr>
-              <a:t>cpp</a:t>
+                <a:latin typeface="Courier"/>
+                <a:cs typeface="Courier"/>
+              </a:rPr>
+              <a:t>main.c</a:t>
             </a:r>
             <a:r>
               <a:rPr lang="en-US" sz="1600" dirty="0">
-                <a:solidFill>
-                  <a:srgbClr val="3366FF"/>
-                </a:solidFill>
-                <a:latin typeface="Courier"/>
-                <a:cs typeface="Courier"/>
-              </a:rPr>
-              <a:t>=.o)</a:t>
-            </a:r>
-          </a:p>
-          <a:p>
-            <a:pPr marL="0" indent="0">
-              <a:buNone/>
-            </a:pPr>
+                <a:latin typeface="Courier"/>
+                <a:cs typeface="Courier"/>
+              </a:rPr>
+              <a:t> </a:t>
+            </a:r>
+            <a:r>
+              <a:rPr lang="en-US" sz="1600" dirty="0" err="1">
+                <a:latin typeface="Courier"/>
+                <a:cs typeface="Courier"/>
+              </a:rPr>
+              <a:t>hello.c</a:t>
+            </a:r>
             <a:r>
               <a:rPr lang="en-US" sz="1600" dirty="0">
-                <a:solidFill>
-                  <a:srgbClr val="3366FF"/>
-                </a:solidFill>
-                <a:latin typeface="Courier"/>
-                <a:cs typeface="Courier"/>
-              </a:rPr>
-              <a:t>EXECUTABLE</a:t>
-            </a:r>
-            <a:r>
-              <a:rPr lang="en-US" sz="1600" dirty="0">
-                <a:latin typeface="Courier"/>
-                <a:cs typeface="Courier"/>
-              </a:rPr>
-              <a:t>=hello</a:t>
-            </a:r>
-          </a:p>
-          <a:p>
+                <a:latin typeface="Courier"/>
+                <a:cs typeface="Courier"/>
+              </a:rPr>
+              <a:t> </a:t>
+            </a:r>
+            <a:r>
+              <a:rPr lang="en-US" sz="1600" dirty="0" err="1">
+                <a:latin typeface="Courier"/>
+                <a:cs typeface="Courier"/>
+              </a:rPr>
+              <a:t>factorial.c</a:t>
+            </a:r>
             <a:endParaRPr lang="en-US" sz="1600" dirty="0">
               <a:latin typeface="Courier"/>
               <a:cs typeface="Courier"/>
@@ -7927,19 +7340,27 @@
                 <a:latin typeface="Courier"/>
                 <a:cs typeface="Courier"/>
               </a:rPr>
-              <a:t>all: $(SOURCES) $(EXECUTABLE)</a:t>
-            </a:r>
-          </a:p>
-          <a:p>
-            <a:pPr marL="0" indent="0">
-              <a:buNone/>
-            </a:pPr>
+              <a:t>OBJECTS=$(</a:t>
+            </a:r>
+            <a:r>
+              <a:rPr lang="en-US" sz="1600" dirty="0" err="1">
+                <a:solidFill>
+                  <a:srgbClr val="3366FF"/>
+                </a:solidFill>
+                <a:latin typeface="Courier"/>
+                <a:cs typeface="Courier"/>
+              </a:rPr>
+              <a:t>SOURCES:.c</a:t>
+            </a:r>
             <a:r>
               <a:rPr lang="en-US" sz="1600" dirty="0">
-                <a:latin typeface="Courier"/>
-                <a:cs typeface="Courier"/>
-              </a:rPr>
-              <a:t>        </a:t>
+                <a:solidFill>
+                  <a:srgbClr val="3366FF"/>
+                </a:solidFill>
+                <a:latin typeface="Courier"/>
+                <a:cs typeface="Courier"/>
+              </a:rPr>
+              <a:t>=.o)</a:t>
             </a:r>
           </a:p>
           <a:p>
@@ -7954,94 +7375,17 @@
                 <a:latin typeface="Courier"/>
                 <a:cs typeface="Courier"/>
               </a:rPr>
-              <a:t>$(EXECUTABLE): $(OBJECTS</a:t>
-            </a:r>
-            <a:r>
-              <a:rPr lang="en-US" sz="1600" dirty="0" smtClean="0">
-                <a:solidFill>
-                  <a:srgbClr val="3366FF"/>
-                </a:solidFill>
-                <a:latin typeface="Courier"/>
-                <a:cs typeface="Courier"/>
-              </a:rPr>
-              <a:t>)</a:t>
-            </a:r>
-          </a:p>
-          <a:p>
-            <a:pPr marL="0" indent="0">
-              <a:buNone/>
-            </a:pPr>
+              <a:t>EXECUTABLE</a:t>
+            </a:r>
             <a:r>
               <a:rPr lang="en-US" sz="1600" dirty="0">
                 <a:latin typeface="Courier"/>
                 <a:cs typeface="Courier"/>
               </a:rPr>
-              <a:t>	</a:t>
-            </a:r>
-            <a:r>
-              <a:rPr lang="en-US" sz="1600" dirty="0" smtClean="0">
-                <a:latin typeface="Courier"/>
-                <a:cs typeface="Courier"/>
-              </a:rPr>
-              <a:t>	</a:t>
-            </a:r>
-            <a:r>
-              <a:rPr lang="en-US" sz="1600" dirty="0" smtClean="0">
-                <a:solidFill>
-                  <a:srgbClr val="3366FF"/>
-                </a:solidFill>
-                <a:latin typeface="Courier"/>
-                <a:cs typeface="Courier"/>
-              </a:rPr>
-              <a:t>$</a:t>
-            </a:r>
-            <a:r>
-              <a:rPr lang="en-US" sz="1600" dirty="0">
-                <a:solidFill>
-                  <a:srgbClr val="3366FF"/>
-                </a:solidFill>
-                <a:latin typeface="Courier"/>
-                <a:cs typeface="Courier"/>
-              </a:rPr>
-              <a:t>(CC) $(LDFLAGS) $(OBJECTS) </a:t>
-            </a:r>
-            <a:r>
-              <a:rPr lang="en-US" sz="1600" dirty="0">
-                <a:solidFill>
-                  <a:srgbClr val="FF0000"/>
-                </a:solidFill>
-                <a:latin typeface="Courier"/>
-                <a:cs typeface="Courier"/>
-              </a:rPr>
-              <a:t>-o</a:t>
-            </a:r>
-            <a:r>
-              <a:rPr lang="en-US" sz="1600" dirty="0">
-                <a:latin typeface="Courier"/>
-                <a:cs typeface="Courier"/>
-              </a:rPr>
-              <a:t> </a:t>
-            </a:r>
-            <a:r>
-              <a:rPr lang="en-US" sz="1600" dirty="0">
-                <a:solidFill>
-                  <a:srgbClr val="3366FF"/>
-                </a:solidFill>
-                <a:latin typeface="Courier"/>
-                <a:cs typeface="Courier"/>
-              </a:rPr>
-              <a:t>$</a:t>
-            </a:r>
-            <a:r>
-              <a:rPr lang="en-US" sz="1600" dirty="0" smtClean="0">
-                <a:solidFill>
-                  <a:srgbClr val="3366FF"/>
-                </a:solidFill>
-                <a:latin typeface="Courier"/>
-                <a:cs typeface="Courier"/>
-              </a:rPr>
-              <a:t>@</a:t>
-            </a:r>
+              <a:t>=hello</a:t>
+            </a:r>
+          </a:p>
+          <a:p>
             <a:endParaRPr lang="en-US" sz="1600" dirty="0">
               <a:latin typeface="Courier"/>
               <a:cs typeface="Courier"/>
@@ -8059,6 +7403,101 @@
                 <a:latin typeface="Courier"/>
                 <a:cs typeface="Courier"/>
               </a:rPr>
+              <a:t>all: $(SOURCES) $(EXECUTABLE)</a:t>
+            </a:r>
+          </a:p>
+          <a:p>
+            <a:pPr marL="0" indent="0">
+              <a:buNone/>
+            </a:pPr>
+            <a:r>
+              <a:rPr lang="en-US" sz="1600" dirty="0">
+                <a:latin typeface="Courier"/>
+                <a:cs typeface="Courier"/>
+              </a:rPr>
+              <a:t>        </a:t>
+            </a:r>
+          </a:p>
+          <a:p>
+            <a:pPr marL="0" indent="0">
+              <a:buNone/>
+            </a:pPr>
+            <a:r>
+              <a:rPr lang="en-US" sz="1600" dirty="0">
+                <a:solidFill>
+                  <a:srgbClr val="3366FF"/>
+                </a:solidFill>
+                <a:latin typeface="Courier"/>
+                <a:cs typeface="Courier"/>
+              </a:rPr>
+              <a:t>$(EXECUTABLE): $(OBJECTS)</a:t>
+            </a:r>
+          </a:p>
+          <a:p>
+            <a:pPr marL="0" indent="0">
+              <a:buNone/>
+            </a:pPr>
+            <a:r>
+              <a:rPr lang="en-US" sz="1600" dirty="0">
+                <a:latin typeface="Courier"/>
+                <a:cs typeface="Courier"/>
+              </a:rPr>
+              <a:t>		</a:t>
+            </a:r>
+            <a:r>
+              <a:rPr lang="en-US" sz="1600" dirty="0">
+                <a:solidFill>
+                  <a:srgbClr val="3366FF"/>
+                </a:solidFill>
+                <a:latin typeface="Courier"/>
+                <a:cs typeface="Courier"/>
+              </a:rPr>
+              <a:t>$(CC) $(LDFLAGS) $(OBJECTS) </a:t>
+            </a:r>
+            <a:r>
+              <a:rPr lang="en-US" sz="1600" dirty="0">
+                <a:solidFill>
+                  <a:srgbClr val="FF0000"/>
+                </a:solidFill>
+                <a:latin typeface="Courier"/>
+                <a:cs typeface="Courier"/>
+              </a:rPr>
+              <a:t>-o</a:t>
+            </a:r>
+            <a:r>
+              <a:rPr lang="en-US" sz="1600" dirty="0">
+                <a:latin typeface="Courier"/>
+                <a:cs typeface="Courier"/>
+              </a:rPr>
+              <a:t> </a:t>
+            </a:r>
+            <a:r>
+              <a:rPr lang="en-US" sz="1600" dirty="0">
+                <a:solidFill>
+                  <a:srgbClr val="3366FF"/>
+                </a:solidFill>
+                <a:latin typeface="Courier"/>
+                <a:cs typeface="Courier"/>
+              </a:rPr>
+              <a:t>$@</a:t>
+            </a:r>
+            <a:endParaRPr lang="en-US" sz="1600" dirty="0">
+              <a:latin typeface="Courier"/>
+              <a:cs typeface="Courier"/>
+            </a:endParaRPr>
+          </a:p>
+          <a:p>
+            <a:pPr marL="0" indent="0">
+              <a:buNone/>
+            </a:pPr>
+            <a:r>
+              <a:rPr lang="en-US" sz="1600" dirty="0">
+                <a:solidFill>
+                  <a:srgbClr val="3366FF"/>
+                </a:solidFill>
+                <a:latin typeface="Courier"/>
+                <a:cs typeface="Courier"/>
+              </a:rPr>
               <a:t>.</a:t>
             </a:r>
             <a:r>
@@ -8072,7 +7511,7 @@
               <a:t>cpp.o</a:t>
             </a:r>
             <a:r>
-              <a:rPr lang="en-US" sz="1600" dirty="0" smtClean="0">
+              <a:rPr lang="en-US" sz="1600" dirty="0">
                 <a:solidFill>
                   <a:srgbClr val="3366FF"/>
                 </a:solidFill>
@@ -8091,24 +7530,7 @@
                 <a:latin typeface="Courier"/>
                 <a:cs typeface="Courier"/>
               </a:rPr>
-              <a:t>	</a:t>
-            </a:r>
-            <a:r>
-              <a:rPr lang="en-US" sz="1600" dirty="0" smtClean="0">
-                <a:latin typeface="Courier"/>
-                <a:cs typeface="Courier"/>
-              </a:rPr>
-              <a:t>	</a:t>
-            </a:r>
-            <a:r>
-              <a:rPr lang="en-US" sz="1600" dirty="0" smtClean="0">
-                <a:solidFill>
-                  <a:srgbClr val="3366FF"/>
-                </a:solidFill>
-                <a:latin typeface="Courier"/>
-                <a:cs typeface="Courier"/>
-              </a:rPr>
-              <a:t>$</a:t>
+              <a:t>		</a:t>
             </a:r>
             <a:r>
               <a:rPr lang="en-US" sz="1600" dirty="0">
@@ -8118,7 +7540,7 @@
                 <a:latin typeface="Courier"/>
                 <a:cs typeface="Courier"/>
               </a:rPr>
-              <a:t>(CC) $(CFLAGS) $&lt; </a:t>
+              <a:t>$(CC) $(CFLAGS) $&lt; </a:t>
             </a:r>
             <a:r>
               <a:rPr lang="en-US" sz="1600" dirty="0">
@@ -8145,39 +7567,19 @@
                 <a:latin typeface="Courier"/>
                 <a:cs typeface="Courier"/>
               </a:rPr>
-              <a:t>$</a:t>
-            </a:r>
-            <a:r>
-              <a:rPr lang="en-US" sz="1600" dirty="0" smtClean="0">
-                <a:solidFill>
-                  <a:srgbClr val="3366FF"/>
-                </a:solidFill>
-                <a:latin typeface="Courier"/>
-                <a:cs typeface="Courier"/>
-              </a:rPr>
-              <a:t>@</a:t>
-            </a:r>
-          </a:p>
-          <a:p>
-            <a:pPr marL="0" indent="0">
-              <a:buNone/>
-            </a:pPr>
-            <a:endParaRPr lang="en-US" sz="1600" dirty="0" smtClean="0"/>
-          </a:p>
-          <a:p>
-            <a:pPr marL="0" indent="0">
-              <a:buNone/>
-            </a:pPr>
-            <a:r>
-              <a:rPr lang="en-US" sz="1600" dirty="0" smtClean="0">
-                <a:solidFill>
-                  <a:srgbClr val="3366FF"/>
-                </a:solidFill>
-                <a:latin typeface="Courier"/>
-                <a:cs typeface="Courier"/>
-              </a:rPr>
-              <a:t>$</a:t>
-            </a:r>
+              <a:t>$@</a:t>
+            </a:r>
+          </a:p>
+          <a:p>
+            <a:pPr marL="0" indent="0">
+              <a:buNone/>
+            </a:pPr>
+            <a:endParaRPr lang="en-US" sz="1600" dirty="0"/>
+          </a:p>
+          <a:p>
+            <a:pPr marL="0" indent="0">
+              <a:buNone/>
+            </a:pPr>
             <a:r>
               <a:rPr lang="en-US" sz="1600" dirty="0">
                 <a:solidFill>
@@ -8186,16 +7588,16 @@
                 <a:latin typeface="Courier"/>
                 <a:cs typeface="Courier"/>
               </a:rPr>
-              <a:t>(OBJECTS) : </a:t>
-            </a:r>
-            <a:r>
-              <a:rPr lang="en-US" sz="1600" dirty="0" err="1" smtClean="0">
+              <a:t>$(OBJECTS) : </a:t>
+            </a:r>
+            <a:r>
+              <a:rPr lang="en-US" sz="1600" dirty="0" err="1">
                 <a:latin typeface="Courier"/>
                 <a:cs typeface="Courier"/>
               </a:rPr>
               <a:t>functions.h</a:t>
             </a:r>
-            <a:endParaRPr lang="en-US" sz="1600" dirty="0" smtClean="0">
+            <a:endParaRPr lang="en-US" sz="1600" dirty="0">
               <a:latin typeface="Courier"/>
               <a:cs typeface="Courier"/>
             </a:endParaRPr>
@@ -8217,7 +7619,7 @@
               <a:buNone/>
             </a:pPr>
             <a:r>
-              <a:rPr lang="en-US" sz="1600" dirty="0" smtClean="0">
+              <a:rPr lang="en-US" sz="1600" dirty="0">
                 <a:solidFill>
                   <a:srgbClr val="3366FF"/>
                 </a:solidFill>
@@ -8236,45 +7638,31 @@
                 <a:latin typeface="Courier"/>
                 <a:cs typeface="Courier"/>
               </a:rPr>
-              <a:t>	</a:t>
-            </a:r>
-            <a:r>
-              <a:rPr lang="en-US" sz="1600" dirty="0" smtClean="0">
-                <a:latin typeface="Courier"/>
-                <a:cs typeface="Courier"/>
-              </a:rPr>
-              <a:t>	</a:t>
-            </a:r>
-            <a:r>
-              <a:rPr lang="it-IT" sz="1600" dirty="0" err="1" smtClean="0">
+              <a:t>		</a:t>
+            </a:r>
+            <a:r>
+              <a:rPr lang="it-IT" sz="1600" dirty="0" err="1">
                 <a:latin typeface="Courier"/>
                 <a:cs typeface="Courier"/>
               </a:rPr>
               <a:t>rm</a:t>
             </a:r>
             <a:r>
-              <a:rPr lang="it-IT" sz="1600" dirty="0" smtClean="0">
-                <a:latin typeface="Courier"/>
-                <a:cs typeface="Courier"/>
-              </a:rPr>
-              <a:t> </a:t>
-            </a:r>
-            <a:r>
-              <a:rPr lang="it-IT" sz="1600" dirty="0" smtClean="0">
-                <a:latin typeface="Courier"/>
-                <a:cs typeface="Courier"/>
-              </a:rPr>
-              <a:t>–</a:t>
-            </a:r>
-            <a:r>
-              <a:rPr lang="it-IT" sz="1600" dirty="0" err="1" smtClean="0">
+              <a:rPr lang="it-IT" sz="1600" dirty="0">
+                <a:latin typeface="Courier"/>
+                <a:cs typeface="Courier"/>
+              </a:rPr>
+              <a:t> –</a:t>
+            </a:r>
+            <a:r>
+              <a:rPr lang="it-IT" sz="1600" dirty="0" err="1">
                 <a:latin typeface="Courier"/>
                 <a:cs typeface="Courier"/>
               </a:rPr>
               <a:t>rf</a:t>
             </a:r>
             <a:r>
-              <a:rPr lang="it-IT" sz="1600" dirty="0" smtClean="0">
+              <a:rPr lang="it-IT" sz="1600" dirty="0">
                 <a:latin typeface="Courier"/>
                 <a:cs typeface="Courier"/>
               </a:rPr>
@@ -8319,13 +7707,6 @@
   <p:clrMapOvr>
     <a:masterClrMapping/>
   </p:clrMapOvr>
-  <p:timing>
-    <p:tnLst>
-      <p:par>
-        <p:cTn xmlns:p14="http://schemas.microsoft.com/office/powerpoint/2010/main" id="1" dur="indefinite" restart="never" nodeType="tmRoot"/>
-      </p:par>
-    </p:tnLst>
-  </p:timing>
 </p:sld>
 </file>
 
@@ -8362,10 +7743,9 @@
           <a:lstStyle/>
           <a:p>
             <a:r>
-              <a:rPr lang="en-US" dirty="0" smtClean="0"/>
+              <a:rPr lang="en-US" dirty="0"/>
               <a:t>Modification 8 – Multiple targets</a:t>
             </a:r>
-            <a:endParaRPr lang="en-US" dirty="0"/>
           </a:p>
         </p:txBody>
       </p:sp>
@@ -8409,8 +7789,19 @@
                 <a:latin typeface="Courier"/>
                 <a:cs typeface="Courier"/>
               </a:rPr>
-              <a:t>=g++</a:t>
-            </a:r>
+              <a:t>=</a:t>
+            </a:r>
+            <a:r>
+              <a:rPr lang="en-US" sz="4400" dirty="0" err="1">
+                <a:latin typeface="Courier"/>
+                <a:cs typeface="Courier"/>
+              </a:rPr>
+              <a:t>gcc</a:t>
+            </a:r>
+            <a:endParaRPr lang="en-US" sz="4400" dirty="0">
+              <a:latin typeface="Courier"/>
+              <a:cs typeface="Courier"/>
+            </a:endParaRPr>
           </a:p>
           <a:p>
             <a:pPr marL="0" indent="0">
@@ -8494,7 +7885,7 @@
                 <a:latin typeface="Courier"/>
                 <a:cs typeface="Courier"/>
               </a:rPr>
-              <a:t>factorial.cpp</a:t>
+              <a:t>factorial.c</a:t>
             </a:r>
             <a:endParaRPr lang="en-US" sz="4400" dirty="0">
               <a:solidFill>
@@ -8556,7 +7947,7 @@
                 <a:latin typeface="Courier"/>
                 <a:cs typeface="Courier"/>
               </a:rPr>
-              <a:t>hello.cpp</a:t>
+              <a:t>hello.c</a:t>
             </a:r>
             <a:endParaRPr lang="en-US" sz="4400" dirty="0">
               <a:solidFill>
@@ -8598,7 +7989,7 @@
                 <a:latin typeface="Courier"/>
                 <a:cs typeface="Courier"/>
               </a:rPr>
-              <a:t>states.cpp</a:t>
+              <a:t>states.c</a:t>
             </a:r>
             <a:endParaRPr lang="en-US" sz="4400" dirty="0">
               <a:solidFill>
@@ -9103,39 +8494,29 @@
                 <a:latin typeface="Courier"/>
                 <a:cs typeface="Courier"/>
               </a:rPr>
+              <a:t> –</a:t>
+            </a:r>
+            <a:r>
+              <a:rPr lang="it-IT" sz="4400" dirty="0" err="1">
+                <a:solidFill>
+                  <a:srgbClr val="FF0000"/>
+                </a:solidFill>
+                <a:latin typeface="Courier"/>
+                <a:cs typeface="Courier"/>
+              </a:rPr>
+              <a:t>rf</a:t>
+            </a:r>
+            <a:r>
+              <a:rPr lang="it-IT" sz="4400" dirty="0">
+                <a:solidFill>
+                  <a:srgbClr val="FF0000"/>
+                </a:solidFill>
+                <a:latin typeface="Courier"/>
+                <a:cs typeface="Courier"/>
+              </a:rPr>
               <a:t> </a:t>
             </a:r>
             <a:r>
-              <a:rPr lang="it-IT" sz="4400" dirty="0" smtClean="0">
-                <a:solidFill>
-                  <a:srgbClr val="FF0000"/>
-                </a:solidFill>
-                <a:latin typeface="Courier"/>
-                <a:cs typeface="Courier"/>
-              </a:rPr>
-              <a:t>–</a:t>
-            </a:r>
-            <a:r>
-              <a:rPr lang="it-IT" sz="4400" dirty="0" err="1" smtClean="0">
-                <a:solidFill>
-                  <a:srgbClr val="FF0000"/>
-                </a:solidFill>
-                <a:latin typeface="Courier"/>
-                <a:cs typeface="Courier"/>
-              </a:rPr>
-              <a:t>rf</a:t>
-            </a:r>
-            <a:r>
-              <a:rPr lang="it-IT" sz="4400" dirty="0" smtClean="0">
-                <a:solidFill>
-                  <a:srgbClr val="FF0000"/>
-                </a:solidFill>
-                <a:latin typeface="Courier"/>
-                <a:cs typeface="Courier"/>
-              </a:rPr>
-              <a:t> </a:t>
-            </a:r>
-            <a:r>
               <a:rPr lang="it-IT" sz="4400" dirty="0">
                 <a:solidFill>
                   <a:srgbClr val="3366FF"/>
@@ -9143,37 +8524,7 @@
                 <a:latin typeface="Courier"/>
                 <a:cs typeface="Courier"/>
               </a:rPr>
-              <a:t>$(</a:t>
-            </a:r>
-            <a:r>
-              <a:rPr lang="it-IT" sz="4400" dirty="0" smtClean="0">
-                <a:solidFill>
-                  <a:srgbClr val="3366FF"/>
-                </a:solidFill>
-                <a:latin typeface="Courier"/>
-                <a:cs typeface="Courier"/>
-              </a:rPr>
-              <a:t>OBJECTS1) $(OBJECTS2) $(FACOBJS) </a:t>
-            </a:r>
-            <a:r>
-              <a:rPr lang="it-IT" sz="4400" dirty="0">
-                <a:solidFill>
-                  <a:srgbClr val="3366FF"/>
-                </a:solidFill>
-                <a:latin typeface="Courier"/>
-                <a:cs typeface="Courier"/>
-              </a:rPr>
-              <a:t>$(</a:t>
-            </a:r>
-            <a:r>
-              <a:rPr lang="it-IT" sz="4400" dirty="0" smtClean="0">
-                <a:solidFill>
-                  <a:srgbClr val="3366FF"/>
-                </a:solidFill>
-                <a:latin typeface="Courier"/>
-                <a:cs typeface="Courier"/>
-              </a:rPr>
-              <a:t>EXECUTABLE1) $(EXECUTABLE2)</a:t>
+              <a:t>$(OBJECTS1) $(OBJECTS2) $(FACOBJS) $(EXECUTABLE1) $(EXECUTABLE2)</a:t>
             </a:r>
             <a:endParaRPr lang="en-US" sz="4400" dirty="0">
               <a:solidFill>
@@ -9213,13 +8564,6 @@
   <p:clrMapOvr>
     <a:masterClrMapping/>
   </p:clrMapOvr>
-  <p:timing>
-    <p:tnLst>
-      <p:par>
-        <p:cTn xmlns:p14="http://schemas.microsoft.com/office/powerpoint/2010/main" id="1" dur="indefinite" restart="never" nodeType="tmRoot"/>
-      </p:par>
-    </p:tnLst>
-  </p:timing>
 </p:sld>
 </file>
 
@@ -9256,10 +8600,9 @@
           <a:lstStyle/>
           <a:p>
             <a:r>
-              <a:rPr lang="en-US" dirty="0" smtClean="0"/>
+              <a:rPr lang="en-US" dirty="0"/>
               <a:t>Creating an Executable</a:t>
             </a:r>
-            <a:endParaRPr lang="en-US" dirty="0"/>
           </a:p>
         </p:txBody>
       </p:sp>
@@ -9281,61 +8624,53 @@
           <a:lstStyle/>
           <a:p>
             <a:r>
-              <a:rPr lang="en-US" dirty="0" smtClean="0"/>
+              <a:rPr lang="en-US" dirty="0"/>
               <a:t>Several options:</a:t>
             </a:r>
           </a:p>
           <a:p>
             <a:r>
-              <a:rPr lang="en-US" dirty="0" smtClean="0"/>
+              <a:rPr lang="en-US" dirty="0"/>
               <a:t>At the command line</a:t>
             </a:r>
           </a:p>
           <a:p>
             <a:pPr lvl="1"/>
             <a:r>
-              <a:rPr lang="en-US" dirty="0" smtClean="0"/>
+              <a:rPr lang="en-US" dirty="0"/>
               <a:t>Works ok for small source code distributions</a:t>
             </a:r>
           </a:p>
           <a:p>
             <a:pPr lvl="1"/>
             <a:r>
-              <a:rPr lang="en-US" dirty="0" smtClean="0"/>
+              <a:rPr lang="en-US" dirty="0"/>
               <a:t>Cumbersome – need to keep track of changes by hand – can be confusing even for small codes</a:t>
             </a:r>
           </a:p>
           <a:p>
             <a:r>
-              <a:rPr lang="en-US" dirty="0" smtClean="0"/>
-              <a:t>Within an IDE (eclipse, </a:t>
-            </a:r>
-            <a:r>
-              <a:rPr lang="en-US" dirty="0" err="1" smtClean="0"/>
-              <a:t>XCode</a:t>
-            </a:r>
-            <a:r>
-              <a:rPr lang="en-US" dirty="0" smtClean="0"/>
-              <a:t>, etc.)</a:t>
+              <a:rPr lang="en-US" dirty="0"/>
+              <a:t>Within an IDE (Eclipse, NetBeans, XCode, etc.)</a:t>
             </a:r>
           </a:p>
           <a:p>
             <a:pPr lvl="1"/>
             <a:r>
-              <a:rPr lang="en-US" dirty="0" smtClean="0"/>
+              <a:rPr lang="en-US" dirty="0"/>
               <a:t>These will use some sort of underlying system, probably Make</a:t>
             </a:r>
           </a:p>
           <a:p>
             <a:r>
-              <a:rPr lang="en-US" dirty="0" smtClean="0"/>
+              <a:rPr lang="en-US" dirty="0"/>
               <a:t>Building a Make system</a:t>
             </a:r>
           </a:p>
           <a:p>
             <a:pPr lvl="1"/>
             <a:r>
-              <a:rPr lang="en-US" dirty="0" smtClean="0"/>
+              <a:rPr lang="en-US" dirty="0"/>
               <a:t>Probably still the most popular option, and you will undoubtedly have to use it at some point! </a:t>
             </a:r>
           </a:p>
@@ -9354,13 +8689,6 @@
   <p:clrMapOvr>
     <a:masterClrMapping/>
   </p:clrMapOvr>
-  <p:timing>
-    <p:tnLst>
-      <p:par>
-        <p:cTn xmlns:p14="http://schemas.microsoft.com/office/powerpoint/2010/main" id="1" dur="indefinite" restart="never" nodeType="tmRoot"/>
-      </p:par>
-    </p:tnLst>
-  </p:timing>
 </p:sld>
 </file>
 
@@ -9397,10 +8725,9 @@
           <a:lstStyle/>
           <a:p>
             <a:r>
-              <a:rPr lang="en-US" dirty="0" smtClean="0"/>
+              <a:rPr lang="en-US" dirty="0"/>
               <a:t>Version 0</a:t>
             </a:r>
-            <a:endParaRPr lang="en-US" dirty="0"/>
           </a:p>
         </p:txBody>
       </p:sp>
@@ -9436,17 +8763,7 @@
                 <a:latin typeface="Courier"/>
                 <a:cs typeface="Courier"/>
               </a:rPr>
-              <a:t>a</a:t>
-            </a:r>
-            <a:r>
-              <a:rPr lang="en-US" sz="2000" dirty="0" smtClean="0">
-                <a:solidFill>
-                  <a:srgbClr val="3366FF"/>
-                </a:solidFill>
-                <a:latin typeface="Courier"/>
-                <a:cs typeface="Courier"/>
-              </a:rPr>
-              <a:t>ll:</a:t>
+              <a:t>all:</a:t>
             </a:r>
           </a:p>
           <a:p>
@@ -9458,24 +8775,17 @@
                 <a:latin typeface="Courier"/>
                 <a:cs typeface="Courier"/>
               </a:rPr>
-              <a:t>	</a:t>
-            </a:r>
-            <a:r>
-              <a:rPr lang="en-US" sz="2000" dirty="0" smtClean="0">
-                <a:latin typeface="Courier"/>
-                <a:cs typeface="Courier"/>
-              </a:rPr>
-              <a:t>	</a:t>
-            </a:r>
-            <a:r>
-              <a:rPr lang="en-US" sz="2000" dirty="0" smtClean="0">
-                <a:solidFill>
-                  <a:srgbClr val="FF0000"/>
-                </a:solidFill>
-                <a:latin typeface="Courier"/>
-                <a:cs typeface="Courier"/>
-              </a:rPr>
-              <a:t>g</a:t>
+              <a:t>		</a:t>
+            </a:r>
+            <a:r>
+              <a:rPr lang="en-US" sz="2000" dirty="0" err="1">
+                <a:solidFill>
+                  <a:srgbClr val="FF0000"/>
+                </a:solidFill>
+                <a:latin typeface="Courier"/>
+                <a:cs typeface="Courier"/>
+              </a:rPr>
+              <a:t>gcc</a:t>
             </a:r>
             <a:r>
               <a:rPr lang="en-US" sz="2000" dirty="0">
@@ -9485,30 +8795,20 @@
                 <a:latin typeface="Courier"/>
                 <a:cs typeface="Courier"/>
               </a:rPr>
-              <a:t>++ </a:t>
-            </a:r>
-            <a:r>
-              <a:rPr lang="en-US" sz="2000" dirty="0" smtClean="0">
-                <a:solidFill>
-                  <a:srgbClr val="FF0000"/>
-                </a:solidFill>
-                <a:latin typeface="Courier"/>
-                <a:cs typeface="Courier"/>
-              </a:rPr>
-              <a:t>-c </a:t>
-            </a:r>
-            <a:r>
-              <a:rPr lang="en-US" sz="2000" dirty="0" err="1" smtClean="0">
-                <a:solidFill>
-                  <a:srgbClr val="FF0000"/>
-                </a:solidFill>
-                <a:latin typeface="Courier"/>
-                <a:cs typeface="Courier"/>
-              </a:rPr>
-              <a:t>main.cpp</a:t>
-            </a:r>
-            <a:r>
-              <a:rPr lang="en-US" sz="2000" dirty="0" smtClean="0">
+              <a:t> -c </a:t>
+            </a:r>
+            <a:r>
+              <a:rPr lang="en-US" sz="2000" dirty="0" err="1">
+                <a:solidFill>
+                  <a:srgbClr val="FF0000"/>
+                </a:solidFill>
+                <a:latin typeface="Courier"/>
+                <a:cs typeface="Courier"/>
+              </a:rPr>
+              <a:t>main.c</a:t>
+            </a:r>
+            <a:r>
+              <a:rPr lang="en-US" sz="2000" dirty="0">
                 <a:solidFill>
                   <a:srgbClr val="FF0000"/>
                 </a:solidFill>
@@ -9530,30 +8830,40 @@
                 <a:latin typeface="Courier"/>
                 <a:cs typeface="Courier"/>
               </a:rPr>
-              <a:t>	</a:t>
-            </a:r>
-            <a:r>
-              <a:rPr lang="en-US" sz="2000" dirty="0" smtClean="0">
-                <a:solidFill>
-                  <a:srgbClr val="FF0000"/>
-                </a:solidFill>
-                <a:latin typeface="Courier"/>
-                <a:cs typeface="Courier"/>
-              </a:rPr>
-              <a:t>	g++ -c </a:t>
-            </a:r>
-            <a:r>
-              <a:rPr lang="en-US" sz="2000" dirty="0" err="1" smtClean="0">
-                <a:solidFill>
-                  <a:srgbClr val="FF0000"/>
-                </a:solidFill>
-                <a:latin typeface="Courier"/>
-                <a:cs typeface="Courier"/>
-              </a:rPr>
-              <a:t>hello.cpp</a:t>
-            </a:r>
-            <a:r>
-              <a:rPr lang="en-US" sz="2000" dirty="0" smtClean="0">
+              <a:t>		</a:t>
+            </a:r>
+            <a:r>
+              <a:rPr lang="en-US" sz="2000" dirty="0" err="1">
+                <a:solidFill>
+                  <a:srgbClr val="FF0000"/>
+                </a:solidFill>
+                <a:latin typeface="Courier"/>
+                <a:cs typeface="Courier"/>
+              </a:rPr>
+              <a:t>gcc</a:t>
+            </a:r>
+            <a:r>
+              <a:rPr lang="en-US" sz="2000" dirty="0">
+                <a:solidFill>
+                  <a:srgbClr val="FF0000"/>
+                </a:solidFill>
+                <a:latin typeface="Courier"/>
+                <a:cs typeface="Courier"/>
+              </a:rPr>
+              <a:t> -c </a:t>
+            </a:r>
+            <a:r>
+              <a:rPr lang="en-US" sz="2000" dirty="0" err="1">
+                <a:solidFill>
+                  <a:srgbClr val="FF0000"/>
+                </a:solidFill>
+                <a:latin typeface="Courier"/>
+                <a:cs typeface="Courier"/>
+              </a:rPr>
+              <a:t>hello.c</a:t>
+            </a:r>
+            <a:r>
+              <a:rPr lang="en-US" sz="2000" dirty="0">
                 <a:solidFill>
                   <a:srgbClr val="FF0000"/>
                 </a:solidFill>
@@ -9575,30 +8885,40 @@
                 <a:latin typeface="Courier"/>
                 <a:cs typeface="Courier"/>
               </a:rPr>
-              <a:t>	</a:t>
-            </a:r>
-            <a:r>
-              <a:rPr lang="en-US" sz="2000" dirty="0" smtClean="0">
-                <a:solidFill>
-                  <a:srgbClr val="FF0000"/>
-                </a:solidFill>
-                <a:latin typeface="Courier"/>
-                <a:cs typeface="Courier"/>
-              </a:rPr>
-              <a:t>	g++ -c </a:t>
-            </a:r>
-            <a:r>
-              <a:rPr lang="en-US" sz="2000" dirty="0" err="1" smtClean="0">
-                <a:solidFill>
-                  <a:srgbClr val="FF0000"/>
-                </a:solidFill>
-                <a:latin typeface="Courier"/>
-                <a:cs typeface="Courier"/>
-              </a:rPr>
-              <a:t>factorial.cpp</a:t>
-            </a:r>
-            <a:r>
-              <a:rPr lang="en-US" sz="2000" dirty="0" smtClean="0">
+              <a:t>		</a:t>
+            </a:r>
+            <a:r>
+              <a:rPr lang="en-US" sz="2000" dirty="0" err="1">
+                <a:solidFill>
+                  <a:srgbClr val="FF0000"/>
+                </a:solidFill>
+                <a:latin typeface="Courier"/>
+                <a:cs typeface="Courier"/>
+              </a:rPr>
+              <a:t>gcc</a:t>
+            </a:r>
+            <a:r>
+              <a:rPr lang="en-US" sz="2000" dirty="0">
+                <a:solidFill>
+                  <a:srgbClr val="FF0000"/>
+                </a:solidFill>
+                <a:latin typeface="Courier"/>
+                <a:cs typeface="Courier"/>
+              </a:rPr>
+              <a:t> -c </a:t>
+            </a:r>
+            <a:r>
+              <a:rPr lang="en-US" sz="2000" dirty="0" err="1">
+                <a:solidFill>
+                  <a:srgbClr val="FF0000"/>
+                </a:solidFill>
+                <a:latin typeface="Courier"/>
+                <a:cs typeface="Courier"/>
+              </a:rPr>
+              <a:t>factorial.c</a:t>
+            </a:r>
+            <a:r>
+              <a:rPr lang="en-US" sz="2000" dirty="0">
                 <a:solidFill>
                   <a:srgbClr val="FF0000"/>
                 </a:solidFill>
@@ -9620,17 +8940,17 @@
                 <a:latin typeface="Courier"/>
                 <a:cs typeface="Courier"/>
               </a:rPr>
-              <a:t>	</a:t>
-            </a:r>
-            <a:r>
-              <a:rPr lang="en-US" sz="2000" dirty="0" smtClean="0">
-                <a:solidFill>
-                  <a:srgbClr val="FF0000"/>
-                </a:solidFill>
-                <a:latin typeface="Courier"/>
-                <a:cs typeface="Courier"/>
-              </a:rPr>
-              <a:t>	g++ -</a:t>
+              <a:t>		</a:t>
+            </a:r>
+            <a:r>
+              <a:rPr lang="en-US" sz="2000" dirty="0" err="1">
+                <a:solidFill>
+                  <a:srgbClr val="FF0000"/>
+                </a:solidFill>
+                <a:latin typeface="Courier"/>
+                <a:cs typeface="Courier"/>
+              </a:rPr>
+              <a:t>gcc</a:t>
             </a:r>
             <a:r>
               <a:rPr lang="en-US" sz="2000" dirty="0">
@@ -9640,20 +8960,10 @@
                 <a:latin typeface="Courier"/>
                 <a:cs typeface="Courier"/>
               </a:rPr>
-              <a:t>o </a:t>
-            </a:r>
-            <a:r>
-              <a:rPr lang="en-US" sz="2000" dirty="0" smtClean="0">
-                <a:solidFill>
-                  <a:srgbClr val="FF0000"/>
-                </a:solidFill>
-                <a:latin typeface="Courier"/>
-                <a:cs typeface="Courier"/>
-              </a:rPr>
-              <a:t>hello </a:t>
-            </a:r>
-            <a:r>
-              <a:rPr lang="en-US" sz="2000" dirty="0" err="1" smtClean="0">
+              <a:t> -o hello </a:t>
+            </a:r>
+            <a:r>
+              <a:rPr lang="en-US" sz="2000" dirty="0" err="1">
                 <a:solidFill>
                   <a:srgbClr val="FF0000"/>
                 </a:solidFill>
@@ -9663,7 +8973,7 @@
               <a:t>main.o</a:t>
             </a:r>
             <a:r>
-              <a:rPr lang="en-US" sz="2000" dirty="0" smtClean="0">
+              <a:rPr lang="en-US" sz="2000" dirty="0">
                 <a:solidFill>
                   <a:srgbClr val="FF0000"/>
                 </a:solidFill>
@@ -9673,7 +8983,7 @@
               <a:t> </a:t>
             </a:r>
             <a:r>
-              <a:rPr lang="en-US" sz="2000" dirty="0" err="1" smtClean="0">
+              <a:rPr lang="en-US" sz="2000" dirty="0" err="1">
                 <a:solidFill>
                   <a:srgbClr val="FF0000"/>
                 </a:solidFill>
@@ -9683,7 +8993,7 @@
               <a:t>hello.o</a:t>
             </a:r>
             <a:r>
-              <a:rPr lang="en-US" sz="2000" dirty="0" smtClean="0">
+              <a:rPr lang="en-US" sz="2000" dirty="0">
                 <a:solidFill>
                   <a:srgbClr val="FF0000"/>
                 </a:solidFill>
@@ -9693,7 +9003,7 @@
               <a:t> </a:t>
             </a:r>
             <a:r>
-              <a:rPr lang="en-US" sz="2000" dirty="0" err="1" smtClean="0">
+              <a:rPr lang="en-US" sz="2000" dirty="0" err="1">
                 <a:solidFill>
                   <a:srgbClr val="FF0000"/>
                 </a:solidFill>
@@ -9728,13 +9038,6 @@
   <p:clrMapOvr>
     <a:masterClrMapping/>
   </p:clrMapOvr>
-  <p:timing>
-    <p:tnLst>
-      <p:par>
-        <p:cTn xmlns:p14="http://schemas.microsoft.com/office/powerpoint/2010/main" id="1" dur="indefinite" restart="never" nodeType="tmRoot"/>
-      </p:par>
-    </p:tnLst>
-  </p:timing>
 </p:sld>
 </file>
 
@@ -9771,10 +9074,9 @@
           <a:lstStyle/>
           <a:p>
             <a:r>
-              <a:rPr lang="en-US" dirty="0" smtClean="0"/>
+              <a:rPr lang="en-US" dirty="0"/>
               <a:t>Future Crash Course?</a:t>
             </a:r>
-            <a:endParaRPr lang="en-US" dirty="0"/>
           </a:p>
         </p:txBody>
       </p:sp>
@@ -9794,82 +9096,82 @@
           <a:lstStyle/>
           <a:p>
             <a:r>
-              <a:rPr lang="en-US" dirty="0" smtClean="0"/>
+              <a:rPr lang="en-US" dirty="0"/>
               <a:t>Multiple source, include, install directories</a:t>
             </a:r>
           </a:p>
           <a:p>
             <a:r>
-              <a:rPr lang="en-US" dirty="0" smtClean="0"/>
+              <a:rPr lang="en-US" dirty="0"/>
               <a:t>“bin/</a:t>
             </a:r>
             <a:r>
-              <a:rPr lang="en-US" dirty="0" err="1" smtClean="0"/>
+              <a:rPr lang="en-US" dirty="0" err="1"/>
               <a:t>src</a:t>
             </a:r>
             <a:r>
-              <a:rPr lang="en-US" dirty="0" smtClean="0"/>
+              <a:rPr lang="en-US" dirty="0"/>
               <a:t>/include” directory model</a:t>
             </a:r>
           </a:p>
           <a:p>
             <a:r>
-              <a:rPr lang="en-US" dirty="0" smtClean="0"/>
+              <a:rPr lang="en-US" dirty="0"/>
               <a:t>Linking with libraries</a:t>
             </a:r>
           </a:p>
           <a:p>
             <a:r>
-              <a:rPr lang="en-US" dirty="0" smtClean="0"/>
+              <a:rPr lang="en-US" dirty="0"/>
               <a:t>Multiple </a:t>
             </a:r>
             <a:r>
-              <a:rPr lang="en-US" dirty="0" err="1" smtClean="0"/>
+              <a:rPr lang="en-US" dirty="0" err="1"/>
               <a:t>Makefiles</a:t>
             </a:r>
             <a:r>
-              <a:rPr lang="en-US" dirty="0" smtClean="0"/>
+              <a:rPr lang="en-US" dirty="0"/>
               <a:t> (for multiple source directories)</a:t>
             </a:r>
           </a:p>
           <a:p>
             <a:r>
-              <a:rPr lang="en-US" dirty="0" smtClean="0"/>
+              <a:rPr lang="en-US" dirty="0"/>
               <a:t>Other build systems (</a:t>
             </a:r>
             <a:r>
-              <a:rPr lang="en-US" dirty="0" err="1" smtClean="0"/>
+              <a:rPr lang="en-US" dirty="0" err="1"/>
               <a:t>SCons</a:t>
             </a:r>
             <a:r>
-              <a:rPr lang="en-US" dirty="0" smtClean="0"/>
+              <a:rPr lang="en-US" dirty="0"/>
               <a:t>, </a:t>
             </a:r>
             <a:r>
-              <a:rPr lang="en-US" dirty="0" err="1" smtClean="0"/>
+              <a:rPr lang="en-US" dirty="0" err="1"/>
               <a:t>cmake</a:t>
             </a:r>
             <a:r>
-              <a:rPr lang="en-US" dirty="0" smtClean="0"/>
+              <a:rPr lang="en-US" dirty="0"/>
               <a:t>, etc.)</a:t>
             </a:r>
           </a:p>
           <a:p>
             <a:r>
-              <a:rPr lang="en-US" dirty="0" smtClean="0"/>
+              <a:rPr lang="en-US" dirty="0"/>
               <a:t>GNU </a:t>
             </a:r>
             <a:r>
-              <a:rPr lang="en-US" dirty="0" err="1" smtClean="0"/>
+              <a:rPr lang="en-US" dirty="0" err="1"/>
               <a:t>Autoconf</a:t>
             </a:r>
             <a:r>
-              <a:rPr lang="en-US" dirty="0" smtClean="0"/>
+              <a:rPr lang="en-US" dirty="0"/>
               <a:t> </a:t>
             </a:r>
           </a:p>
           <a:p>
-            <a:endParaRPr lang="en-US" dirty="0" smtClean="0"/>
+            <a:endParaRPr lang="en-US" dirty="0"/>
           </a:p>
           <a:p>
             <a:endParaRPr lang="en-US" dirty="0"/>
@@ -9886,13 +9188,6 @@
   <p:clrMapOvr>
     <a:masterClrMapping/>
   </p:clrMapOvr>
-  <p:timing>
-    <p:tnLst>
-      <p:par>
-        <p:cTn xmlns:p14="http://schemas.microsoft.com/office/powerpoint/2010/main" id="1" dur="indefinite" restart="never" nodeType="tmRoot"/>
-      </p:par>
-    </p:tnLst>
-  </p:timing>
 </p:sld>
 </file>
 
@@ -9929,10 +9224,9 @@
           <a:lstStyle/>
           <a:p>
             <a:r>
-              <a:rPr lang="en-US" dirty="0" smtClean="0"/>
+              <a:rPr lang="en-US" dirty="0"/>
               <a:t>What is Make?</a:t>
             </a:r>
-            <a:endParaRPr lang="en-US" dirty="0"/>
           </a:p>
         </p:txBody>
       </p:sp>
@@ -9952,11 +9246,11 @@
           <a:lstStyle/>
           <a:p>
             <a:r>
-              <a:rPr lang="en-US" dirty="0" smtClean="0"/>
+              <a:rPr lang="en-US" dirty="0"/>
               <a:t>Make is a utility that automatically builds executable programs and libraries from source code by reading </a:t>
             </a:r>
             <a:r>
-              <a:rPr lang="en-US" dirty="0" err="1" smtClean="0">
+              <a:rPr lang="en-US" dirty="0" err="1">
                 <a:solidFill>
                   <a:srgbClr val="FF0000"/>
                 </a:solidFill>
@@ -9964,11 +9258,11 @@
               <a:t>Makefiles</a:t>
             </a:r>
             <a:r>
-              <a:rPr lang="en-US" dirty="0" smtClean="0"/>
+              <a:rPr lang="en-US" dirty="0"/>
               <a:t> which specify how to derive the </a:t>
             </a:r>
             <a:r>
-              <a:rPr lang="en-US" dirty="0" smtClean="0">
+              <a:rPr lang="en-US" dirty="0">
                 <a:solidFill>
                   <a:srgbClr val="FF0000"/>
                 </a:solidFill>
@@ -9976,24 +9270,23 @@
               <a:t>target</a:t>
             </a:r>
             <a:r>
-              <a:rPr lang="en-US" dirty="0" smtClean="0"/>
+              <a:rPr lang="en-US" dirty="0"/>
               <a:t> program</a:t>
             </a:r>
           </a:p>
           <a:p>
             <a:r>
-              <a:rPr lang="en-US" dirty="0" smtClean="0"/>
+              <a:rPr lang="en-US" dirty="0"/>
               <a:t>On most Unix systems, Make is actually GNU Make, which can be used in conjunction with the GNU build system (which in turn allows some amount of </a:t>
             </a:r>
             <a:r>
-              <a:rPr lang="en-US" dirty="0" err="1" smtClean="0"/>
+              <a:rPr lang="en-US" dirty="0" err="1"/>
               <a:t>autoconfiguration</a:t>
             </a:r>
             <a:r>
-              <a:rPr lang="en-US" dirty="0" smtClean="0"/>
+              <a:rPr lang="en-US" dirty="0"/>
               <a:t> abilities)</a:t>
             </a:r>
-            <a:endParaRPr lang="en-US" dirty="0"/>
           </a:p>
         </p:txBody>
       </p:sp>
@@ -10007,13 +9300,6 @@
   <p:clrMapOvr>
     <a:masterClrMapping/>
   </p:clrMapOvr>
-  <p:timing>
-    <p:tnLst>
-      <p:par>
-        <p:cTn xmlns:p14="http://schemas.microsoft.com/office/powerpoint/2010/main" id="1" dur="indefinite" restart="never" nodeType="tmRoot"/>
-      </p:par>
-    </p:tnLst>
-  </p:timing>
 </p:sld>
 </file>
 
@@ -10050,10 +9336,9 @@
           <a:lstStyle/>
           <a:p>
             <a:r>
-              <a:rPr lang="en-US" dirty="0" smtClean="0"/>
+              <a:rPr lang="en-US" dirty="0"/>
               <a:t>What is Make?</a:t>
             </a:r>
-            <a:endParaRPr lang="en-US" dirty="0"/>
           </a:p>
         </p:txBody>
       </p:sp>
@@ -10075,7 +9360,7 @@
           <a:lstStyle/>
           <a:p>
             <a:r>
-              <a:rPr lang="en-US" dirty="0" smtClean="0"/>
+              <a:rPr lang="en-US" dirty="0"/>
               <a:t>Make has its own internal language</a:t>
             </a:r>
           </a:p>
@@ -10083,11 +9368,11 @@
             <a:pPr marL="0" indent="0">
               <a:buNone/>
             </a:pPr>
-            <a:endParaRPr lang="en-US" dirty="0" smtClean="0"/>
-          </a:p>
-          <a:p>
-            <a:r>
-              <a:rPr lang="en-US" dirty="0" smtClean="0"/>
+            <a:endParaRPr lang="en-US" dirty="0"/>
+          </a:p>
+          <a:p>
+            <a:r>
+              <a:rPr lang="en-US" dirty="0"/>
               <a:t>In my experience, it is rather cryptic, and is somewhat platform dependent (use of tabs)</a:t>
             </a:r>
           </a:p>
@@ -10096,7 +9381,7 @@
           </a:p>
           <a:p>
             <a:r>
-              <a:rPr lang="en-US" dirty="0" smtClean="0"/>
+              <a:rPr lang="en-US" dirty="0"/>
               <a:t>“Make is a popular but flawed tool.”</a:t>
             </a:r>
           </a:p>
@@ -10104,68 +9389,68 @@
             <a:pPr marL="0" indent="0">
               <a:buNone/>
             </a:pPr>
-            <a:endParaRPr lang="en-US" dirty="0" smtClean="0"/>
-          </a:p>
-          <a:p>
-            <a:r>
-              <a:rPr lang="en-US" dirty="0" smtClean="0"/>
+            <a:endParaRPr lang="en-US" dirty="0"/>
+          </a:p>
+          <a:p>
+            <a:r>
+              <a:rPr lang="en-US" dirty="0"/>
               <a:t>It has a LOT of problems:</a:t>
             </a:r>
           </a:p>
           <a:p>
             <a:pPr lvl="1"/>
             <a:r>
-              <a:rPr lang="en-US" dirty="0" smtClean="0"/>
+              <a:rPr lang="en-US" dirty="0"/>
               <a:t>Make’s parser does not function in a normal way</a:t>
             </a:r>
           </a:p>
           <a:p>
             <a:pPr lvl="1"/>
             <a:r>
-              <a:rPr lang="en-US" dirty="0" smtClean="0"/>
+              <a:rPr lang="en-US" dirty="0"/>
               <a:t>Special tokens (commas, etc.) are not handled consistently</a:t>
             </a:r>
           </a:p>
           <a:p>
             <a:pPr lvl="1"/>
             <a:r>
-              <a:rPr lang="en-US" dirty="0" smtClean="0"/>
+              <a:rPr lang="en-US" dirty="0"/>
               <a:t>Whitespace (sometimes matters, sometimes doesn’t)</a:t>
             </a:r>
           </a:p>
           <a:p>
             <a:pPr lvl="1"/>
             <a:r>
-              <a:rPr lang="en-US" dirty="0" smtClean="0"/>
+              <a:rPr lang="en-US" dirty="0"/>
               <a:t>Undefined variables do not generate an error</a:t>
             </a:r>
           </a:p>
           <a:p>
             <a:pPr lvl="1"/>
             <a:r>
-              <a:rPr lang="en-US" dirty="0" smtClean="0"/>
+              <a:rPr lang="en-US" dirty="0"/>
               <a:t>Limited support for conditions (if … then … else)</a:t>
             </a:r>
           </a:p>
           <a:p>
             <a:pPr lvl="1"/>
             <a:r>
-              <a:rPr lang="en-US" dirty="0" smtClean="0"/>
+              <a:rPr lang="en-US" dirty="0"/>
               <a:t>No </a:t>
             </a:r>
             <a:r>
-              <a:rPr lang="en-US" dirty="0" err="1" smtClean="0"/>
+              <a:rPr lang="en-US" dirty="0" err="1"/>
               <a:t>boolean</a:t>
             </a:r>
             <a:r>
-              <a:rPr lang="en-US" dirty="0" smtClean="0"/>
+              <a:rPr lang="en-US" dirty="0"/>
               <a:t> data types</a:t>
             </a:r>
           </a:p>
           <a:p>
             <a:pPr lvl="1"/>
             <a:r>
-              <a:rPr lang="en-US" dirty="0" smtClean="0"/>
+              <a:rPr lang="en-US" dirty="0"/>
               <a:t>No scoping (all variables are global)</a:t>
             </a:r>
           </a:p>
@@ -10184,13 +9469,6 @@
   <p:clrMapOvr>
     <a:masterClrMapping/>
   </p:clrMapOvr>
-  <p:timing>
-    <p:tnLst>
-      <p:par>
-        <p:cTn xmlns:p14="http://schemas.microsoft.com/office/powerpoint/2010/main" id="1" dur="indefinite" restart="never" nodeType="tmRoot"/>
-      </p:par>
-    </p:tnLst>
-  </p:timing>
 </p:sld>
 </file>
 
@@ -10227,12 +9505,12 @@
           <a:lstStyle/>
           <a:p>
             <a:r>
-              <a:rPr lang="en-US" dirty="0" smtClean="0"/>
+              <a:rPr lang="en-US" dirty="0"/>
               <a:t>Example 1 – </a:t>
             </a:r>
             <a:r>
-              <a:rPr lang="en-US" dirty="0" err="1" smtClean="0"/>
-              <a:t>main.cpp</a:t>
+              <a:rPr lang="en-US" dirty="0" err="1"/>
+              <a:t>main.c</a:t>
             </a:r>
             <a:endParaRPr lang="en-US" dirty="0"/>
           </a:p>
@@ -10248,10 +9526,15 @@
             <p:ph idx="1"/>
           </p:nvPr>
         </p:nvSpPr>
-        <p:spPr/>
+        <p:spPr>
+          <a:xfrm>
+            <a:off x="525517" y="1547648"/>
+            <a:ext cx="8571186" cy="4525963"/>
+          </a:xfrm>
+        </p:spPr>
         <p:txBody>
           <a:bodyPr>
-            <a:normAutofit fontScale="85000" lnSpcReduction="20000"/>
+            <a:normAutofit/>
           </a:bodyPr>
           <a:lstStyle/>
           <a:p>
@@ -10259,40 +9542,66 @@
               <a:buNone/>
             </a:pPr>
             <a:r>
-              <a:rPr lang="en-US" dirty="0">
-                <a:latin typeface="Courier"/>
-                <a:cs typeface="Courier"/>
-              </a:rPr>
-              <a:t>#include &lt;</a:t>
-            </a:r>
-            <a:r>
-              <a:rPr lang="en-US" dirty="0" err="1">
-                <a:latin typeface="Courier"/>
-                <a:cs typeface="Courier"/>
-              </a:rPr>
-              <a:t>iostream</a:t>
-            </a:r>
-            <a:r>
-              <a:rPr lang="en-US" dirty="0">
-                <a:latin typeface="Courier"/>
-                <a:cs typeface="Courier"/>
-              </a:rPr>
-              <a:t>&gt;</a:t>
-            </a:r>
-          </a:p>
-          <a:p>
-            <a:pPr marL="0" indent="0">
-              <a:buNone/>
-            </a:pPr>
-            <a:r>
-              <a:rPr lang="en-US" dirty="0">
+              <a:rPr lang="en-US" sz="2000" dirty="0">
+                <a:latin typeface="Courier"/>
+                <a:cs typeface="Courier"/>
+              </a:rPr>
+              <a:t>#include “</a:t>
+            </a:r>
+            <a:r>
+              <a:rPr lang="en-US" sz="2000" dirty="0" err="1">
+                <a:latin typeface="Courier"/>
+                <a:cs typeface="Courier"/>
+              </a:rPr>
+              <a:t>stdlib.h</a:t>
+            </a:r>
+            <a:r>
+              <a:rPr lang="en-US" sz="2000" dirty="0">
+                <a:latin typeface="Courier"/>
+                <a:cs typeface="Courier"/>
+              </a:rPr>
+              <a:t>”</a:t>
+            </a:r>
+          </a:p>
+          <a:p>
+            <a:pPr marL="0" indent="0">
+              <a:buNone/>
+            </a:pPr>
+            <a:r>
+              <a:rPr lang="en-US" sz="2000" dirty="0">
+                <a:latin typeface="Courier"/>
+                <a:cs typeface="Courier"/>
+              </a:rPr>
+              <a:t>#include “</a:t>
+            </a:r>
+            <a:r>
+              <a:rPr lang="en-US" sz="2000" dirty="0" err="1">
+                <a:latin typeface="Courier"/>
+                <a:cs typeface="Courier"/>
+              </a:rPr>
+              <a:t>stdio.h</a:t>
+            </a:r>
+            <a:r>
+              <a:rPr lang="en-US" sz="2000" dirty="0">
+                <a:latin typeface="Courier"/>
+                <a:cs typeface="Courier"/>
+              </a:rPr>
+              <a:t>”</a:t>
+            </a:r>
+          </a:p>
+          <a:p>
+            <a:pPr marL="0" indent="0">
+              <a:buNone/>
+            </a:pPr>
+            <a:r>
+              <a:rPr lang="en-US" sz="2000" dirty="0">
                 <a:latin typeface="Courier"/>
                 <a:cs typeface="Courier"/>
               </a:rPr>
               <a:t>#include "</a:t>
             </a:r>
             <a:r>
-              <a:rPr lang="en-US" dirty="0" err="1">
+              <a:rPr lang="en-US" sz="2000" dirty="0" err="1">
                 <a:solidFill>
                   <a:srgbClr val="FF0000"/>
                 </a:solidFill>
@@ -10302,15 +9611,18 @@
               <a:t>functions.h</a:t>
             </a:r>
             <a:r>
-              <a:rPr lang="en-US" dirty="0">
-                <a:latin typeface="Courier"/>
-                <a:cs typeface="Courier"/>
-              </a:rPr>
-              <a:t>"</a:t>
-            </a:r>
-          </a:p>
-          <a:p>
-            <a:endParaRPr lang="en-US" dirty="0">
+              <a:rPr lang="en-US" sz="2000" dirty="0">
+                <a:latin typeface="Courier"/>
+                <a:cs typeface="Courier"/>
+              </a:rPr>
+              <a:t>”</a:t>
+            </a:r>
+          </a:p>
+          <a:p>
+            <a:pPr marL="0" indent="0">
+              <a:buNone/>
+            </a:pPr>
+            <a:endParaRPr lang="en-US" sz="2000" dirty="0">
               <a:latin typeface="Courier"/>
               <a:cs typeface="Courier"/>
             </a:endParaRPr>
@@ -10320,21 +9632,53 @@
               <a:buNone/>
             </a:pPr>
             <a:r>
-              <a:rPr lang="en-US" dirty="0">
-                <a:latin typeface="Courier"/>
-                <a:cs typeface="Courier"/>
-              </a:rPr>
-              <a:t>using namespace </a:t>
-            </a:r>
-            <a:r>
-              <a:rPr lang="en-US" dirty="0" err="1">
-                <a:latin typeface="Courier"/>
-                <a:cs typeface="Courier"/>
-              </a:rPr>
-              <a:t>std</a:t>
-            </a:r>
-            <a:r>
-              <a:rPr lang="en-US" dirty="0">
+              <a:rPr lang="en-US" sz="2000" dirty="0" err="1">
+                <a:latin typeface="Courier"/>
+                <a:cs typeface="Courier"/>
+              </a:rPr>
+              <a:t>int</a:t>
+            </a:r>
+            <a:r>
+              <a:rPr lang="en-US" sz="2000" dirty="0">
+                <a:latin typeface="Courier"/>
+                <a:cs typeface="Courier"/>
+              </a:rPr>
+              <a:t> main(){</a:t>
+            </a:r>
+          </a:p>
+          <a:p>
+            <a:pPr marL="0" indent="0">
+              <a:buNone/>
+            </a:pPr>
+            <a:r>
+              <a:rPr lang="en-US" sz="2000" dirty="0">
+                <a:latin typeface="Courier"/>
+                <a:cs typeface="Courier"/>
+              </a:rPr>
+              <a:t>    </a:t>
+            </a:r>
+            <a:r>
+              <a:rPr lang="en-US" sz="2000" dirty="0" err="1">
+                <a:solidFill>
+                  <a:srgbClr val="FF0000"/>
+                </a:solidFill>
+                <a:latin typeface="Courier"/>
+                <a:cs typeface="Courier"/>
+              </a:rPr>
+              <a:t>print_hello</a:t>
+            </a:r>
+            <a:r>
+              <a:rPr lang="en-US" sz="2000" dirty="0">
+                <a:solidFill>
+                  <a:srgbClr val="FF0000"/>
+                </a:solidFill>
+                <a:latin typeface="Courier"/>
+                <a:cs typeface="Courier"/>
+              </a:rPr>
+              <a:t>()</a:t>
+            </a:r>
+            <a:r>
+              <a:rPr lang="en-US" sz="2000" dirty="0">
                 <a:latin typeface="Courier"/>
                 <a:cs typeface="Courier"/>
               </a:rPr>
@@ -10345,188 +9689,85 @@
             <a:pPr marL="0" indent="0">
               <a:buNone/>
             </a:pPr>
-            <a:endParaRPr lang="en-US" dirty="0">
-              <a:latin typeface="Courier"/>
-              <a:cs typeface="Courier"/>
-            </a:endParaRPr>
-          </a:p>
-          <a:p>
-            <a:pPr marL="0" indent="0">
-              <a:buNone/>
-            </a:pPr>
-            <a:r>
-              <a:rPr lang="en-US" dirty="0" err="1">
-                <a:latin typeface="Courier"/>
-                <a:cs typeface="Courier"/>
-              </a:rPr>
-              <a:t>int</a:t>
-            </a:r>
-            <a:r>
-              <a:rPr lang="en-US" dirty="0">
-                <a:latin typeface="Courier"/>
-                <a:cs typeface="Courier"/>
-              </a:rPr>
-              <a:t> main(){</a:t>
-            </a:r>
-          </a:p>
-          <a:p>
-            <a:pPr marL="0" indent="0">
-              <a:buNone/>
-            </a:pPr>
-            <a:r>
-              <a:rPr lang="en-US" dirty="0">
-                <a:latin typeface="Courier"/>
-                <a:cs typeface="Courier"/>
-              </a:rPr>
-              <a:t>    </a:t>
-            </a:r>
-            <a:r>
-              <a:rPr lang="en-US" dirty="0" err="1">
-                <a:solidFill>
-                  <a:srgbClr val="FF0000"/>
-                </a:solidFill>
-                <a:latin typeface="Courier"/>
-                <a:cs typeface="Courier"/>
-              </a:rPr>
-              <a:t>print_hello</a:t>
-            </a:r>
-            <a:r>
-              <a:rPr lang="en-US" dirty="0">
-                <a:solidFill>
-                  <a:srgbClr val="FF0000"/>
-                </a:solidFill>
-                <a:latin typeface="Courier"/>
-                <a:cs typeface="Courier"/>
-              </a:rPr>
-              <a:t>()</a:t>
-            </a:r>
-            <a:r>
-              <a:rPr lang="en-US" dirty="0" smtClean="0">
-                <a:latin typeface="Courier"/>
-                <a:cs typeface="Courier"/>
-              </a:rPr>
-              <a:t>;</a:t>
-            </a:r>
-          </a:p>
-          <a:p>
-            <a:pPr marL="0" indent="0">
-              <a:buNone/>
-            </a:pPr>
-            <a:r>
-              <a:rPr lang="en-US" dirty="0" smtClean="0">
-                <a:latin typeface="Courier"/>
-                <a:cs typeface="Courier"/>
-              </a:rPr>
-              <a:t>    </a:t>
-            </a:r>
-            <a:r>
-              <a:rPr lang="en-US" dirty="0" err="1" smtClean="0">
-                <a:latin typeface="Courier"/>
-                <a:cs typeface="Courier"/>
-              </a:rPr>
-              <a:t>cout</a:t>
-            </a:r>
-            <a:r>
-              <a:rPr lang="en-US" dirty="0" smtClean="0">
-                <a:latin typeface="Courier"/>
-                <a:cs typeface="Courier"/>
-              </a:rPr>
-              <a:t> </a:t>
-            </a:r>
-            <a:r>
-              <a:rPr lang="en-US" dirty="0">
-                <a:latin typeface="Courier"/>
-                <a:cs typeface="Courier"/>
-              </a:rPr>
-              <a:t>&lt;&lt; "The factorial of 5 is " &lt;&lt; </a:t>
-            </a:r>
-            <a:r>
-              <a:rPr lang="en-US" dirty="0">
-                <a:solidFill>
-                  <a:srgbClr val="FF0000"/>
-                </a:solidFill>
-                <a:latin typeface="Courier"/>
-                <a:cs typeface="Courier"/>
-              </a:rPr>
-              <a:t>factorial(5)</a:t>
-            </a:r>
-            <a:r>
-              <a:rPr lang="en-US" dirty="0">
-                <a:latin typeface="Courier"/>
-                <a:cs typeface="Courier"/>
-              </a:rPr>
-              <a:t> &lt;&lt; </a:t>
-            </a:r>
-            <a:r>
-              <a:rPr lang="en-US" dirty="0" err="1">
-                <a:latin typeface="Courier"/>
-                <a:cs typeface="Courier"/>
-              </a:rPr>
-              <a:t>endl</a:t>
-            </a:r>
-            <a:r>
-              <a:rPr lang="en-US" dirty="0" smtClean="0">
-                <a:latin typeface="Courier"/>
-                <a:cs typeface="Courier"/>
-              </a:rPr>
-              <a:t>;</a:t>
-            </a:r>
-          </a:p>
-          <a:p>
-            <a:pPr marL="0" indent="0">
-              <a:buNone/>
-            </a:pPr>
-            <a:r>
-              <a:rPr lang="en-US" dirty="0">
-                <a:latin typeface="Courier"/>
-                <a:cs typeface="Courier"/>
-              </a:rPr>
-              <a:t> </a:t>
-            </a:r>
-            <a:r>
-              <a:rPr lang="en-US" dirty="0" smtClean="0">
-                <a:latin typeface="Courier"/>
-                <a:cs typeface="Courier"/>
-              </a:rPr>
-              <a:t>   </a:t>
-            </a:r>
-            <a:r>
-              <a:rPr lang="is-IS" dirty="0" smtClean="0">
-                <a:latin typeface="Courier"/>
-                <a:cs typeface="Courier"/>
-              </a:rPr>
-              <a:t>return </a:t>
-            </a:r>
-            <a:r>
-              <a:rPr lang="is-IS" dirty="0">
-                <a:latin typeface="Courier"/>
-                <a:cs typeface="Courier"/>
-              </a:rPr>
-              <a:t>0</a:t>
-            </a:r>
-            <a:r>
-              <a:rPr lang="is-IS" dirty="0" smtClean="0">
-                <a:latin typeface="Courier"/>
-                <a:cs typeface="Courier"/>
-              </a:rPr>
-              <a:t>;</a:t>
-            </a:r>
-          </a:p>
-          <a:p>
-            <a:pPr marL="0" indent="0">
-              <a:buNone/>
-            </a:pPr>
-            <a:r>
-              <a:rPr lang="is-IS" dirty="0" smtClean="0">
+            <a:r>
+              <a:rPr lang="en-US" sz="2000" dirty="0">
+                <a:latin typeface="Courier"/>
+                <a:cs typeface="Courier"/>
+              </a:rPr>
+              <a:t>	 </a:t>
+            </a:r>
+            <a:r>
+              <a:rPr lang="en-US" sz="2000" dirty="0" err="1">
+                <a:latin typeface="Courier"/>
+                <a:cs typeface="Courier"/>
+              </a:rPr>
+              <a:t>printf</a:t>
+            </a:r>
+            <a:r>
+              <a:rPr lang="en-US" sz="2000" dirty="0">
+                <a:latin typeface="Courier"/>
+                <a:cs typeface="Courier"/>
+              </a:rPr>
+              <a:t>("The factorial of 5 is %d\</a:t>
+            </a:r>
+            <a:r>
+              <a:rPr lang="en-US" sz="2000" dirty="0" err="1">
+                <a:latin typeface="Courier"/>
+                <a:cs typeface="Courier"/>
+              </a:rPr>
+              <a:t>n”,</a:t>
+            </a:r>
+            <a:r>
+              <a:rPr lang="en-US" sz="2000" dirty="0" err="1">
+                <a:solidFill>
+                  <a:srgbClr val="FF0000"/>
+                </a:solidFill>
+                <a:latin typeface="Courier"/>
+                <a:cs typeface="Courier"/>
+              </a:rPr>
+              <a:t>factorial</a:t>
+            </a:r>
+            <a:r>
+              <a:rPr lang="en-US" sz="2000" dirty="0">
+                <a:solidFill>
+                  <a:srgbClr val="FF0000"/>
+                </a:solidFill>
+                <a:latin typeface="Courier"/>
+                <a:cs typeface="Courier"/>
+              </a:rPr>
+              <a:t>(5)</a:t>
+            </a:r>
+            <a:r>
+              <a:rPr lang="en-US" sz="2000" dirty="0">
+                <a:latin typeface="Courier"/>
+                <a:cs typeface="Courier"/>
+              </a:rPr>
+              <a:t>);</a:t>
+            </a:r>
+          </a:p>
+          <a:p>
+            <a:pPr marL="0" indent="0">
+              <a:buNone/>
+            </a:pPr>
+            <a:r>
+              <a:rPr lang="is-IS" sz="2000" dirty="0">
+                <a:latin typeface="Courier"/>
+                <a:cs typeface="Courier"/>
+              </a:rPr>
+              <a:t>	 return 0;</a:t>
+            </a:r>
+          </a:p>
+          <a:p>
+            <a:pPr marL="0" indent="0">
+              <a:buNone/>
+            </a:pPr>
+            <a:r>
+              <a:rPr lang="is-IS" sz="2000" dirty="0">
                 <a:latin typeface="Courier"/>
                 <a:cs typeface="Courier"/>
               </a:rPr>
               <a:t>}</a:t>
             </a:r>
-            <a:endParaRPr lang="is-IS" dirty="0">
-              <a:latin typeface="Courier"/>
-              <a:cs typeface="Courier"/>
-            </a:endParaRPr>
           </a:p>
           <a:p>
             <a:pPr marL="0" indent="0">
@@ -10546,13 +9787,6 @@
   <p:clrMapOvr>
     <a:masterClrMapping/>
   </p:clrMapOvr>
-  <p:timing>
-    <p:tnLst>
-      <p:par>
-        <p:cTn xmlns:p14="http://schemas.microsoft.com/office/powerpoint/2010/main" id="1" dur="indefinite" restart="never" nodeType="tmRoot"/>
-      </p:par>
-    </p:tnLst>
-  </p:timing>
 </p:sld>
 </file>
 
@@ -10589,12 +9823,12 @@
           <a:lstStyle/>
           <a:p>
             <a:r>
-              <a:rPr lang="en-US" dirty="0" smtClean="0"/>
+              <a:rPr lang="en-US" dirty="0"/>
               <a:t>Example 1 – </a:t>
             </a:r>
             <a:r>
-              <a:rPr lang="en-US" dirty="0" err="1" smtClean="0"/>
-              <a:t>hello.cpp</a:t>
+              <a:rPr lang="en-US" dirty="0" err="1"/>
+              <a:t>hello.c</a:t>
             </a:r>
             <a:endParaRPr lang="en-US" dirty="0"/>
           </a:p>
@@ -10613,7 +9847,7 @@
         <p:spPr/>
         <p:txBody>
           <a:bodyPr>
-            <a:normAutofit fontScale="92500" lnSpcReduction="20000"/>
+            <a:normAutofit/>
           </a:bodyPr>
           <a:lstStyle/>
           <a:p>
@@ -10625,21 +9859,21 @@
                 <a:latin typeface="Courier"/>
                 <a:cs typeface="Courier"/>
               </a:rPr>
-              <a:t>#include &lt;</a:t>
+              <a:t>#include “</a:t>
             </a:r>
             <a:r>
               <a:rPr lang="en-US" dirty="0" err="1">
                 <a:latin typeface="Courier"/>
                 <a:cs typeface="Courier"/>
               </a:rPr>
-              <a:t>iostream</a:t>
+              <a:t>stdlib.h</a:t>
             </a:r>
             <a:r>
               <a:rPr lang="en-US" dirty="0">
                 <a:latin typeface="Courier"/>
                 <a:cs typeface="Courier"/>
               </a:rPr>
-              <a:t>&gt;</a:t>
+              <a:t>”</a:t>
             </a:r>
           </a:p>
           <a:p>
@@ -10651,6 +9885,32 @@
                 <a:latin typeface="Courier"/>
                 <a:cs typeface="Courier"/>
               </a:rPr>
+              <a:t>#include “</a:t>
+            </a:r>
+            <a:r>
+              <a:rPr lang="en-US" dirty="0" err="1">
+                <a:latin typeface="Courier"/>
+                <a:cs typeface="Courier"/>
+              </a:rPr>
+              <a:t>stdio.h</a:t>
+            </a:r>
+            <a:r>
+              <a:rPr lang="en-US" dirty="0">
+                <a:latin typeface="Courier"/>
+                <a:cs typeface="Courier"/>
+              </a:rPr>
+              <a:t>”</a:t>
+            </a:r>
+          </a:p>
+          <a:p>
+            <a:pPr marL="0" indent="0">
+              <a:buNone/>
+            </a:pPr>
+            <a:r>
+              <a:rPr lang="en-US" dirty="0">
+                <a:latin typeface="Courier"/>
+                <a:cs typeface="Courier"/>
+              </a:rPr>
               <a:t>#include "</a:t>
             </a:r>
             <a:r>
@@ -10665,10 +9925,13 @@
                 <a:latin typeface="Courier"/>
                 <a:cs typeface="Courier"/>
               </a:rPr>
-              <a:t>"</a:t>
-            </a:r>
-          </a:p>
-          <a:p>
+              <a:t>”</a:t>
+            </a:r>
+          </a:p>
+          <a:p>
+            <a:pPr marL="0" indent="0">
+              <a:buNone/>
+            </a:pPr>
             <a:endParaRPr lang="en-US" dirty="0">
               <a:latin typeface="Courier"/>
               <a:cs typeface="Courier"/>
@@ -10683,28 +9946,22 @@
                 <a:latin typeface="Courier"/>
                 <a:cs typeface="Courier"/>
               </a:rPr>
-              <a:t>using namespace </a:t>
+              <a:t>void </a:t>
             </a:r>
             <a:r>
               <a:rPr lang="en-US" dirty="0" err="1">
                 <a:latin typeface="Courier"/>
                 <a:cs typeface="Courier"/>
               </a:rPr>
-              <a:t>std</a:t>
+              <a:t>print_hello</a:t>
             </a:r>
             <a:r>
               <a:rPr lang="en-US" dirty="0">
                 <a:latin typeface="Courier"/>
                 <a:cs typeface="Courier"/>
               </a:rPr>
-              <a:t>;</a:t>
-            </a:r>
-          </a:p>
-          <a:p>
-            <a:endParaRPr lang="en-US" dirty="0">
-              <a:latin typeface="Courier"/>
-              <a:cs typeface="Courier"/>
-            </a:endParaRPr>
+              <a:t>(){</a:t>
+            </a:r>
           </a:p>
           <a:p>
             <a:pPr marL="0" indent="0">
@@ -10715,106 +9972,22 @@
                 <a:latin typeface="Courier"/>
                 <a:cs typeface="Courier"/>
               </a:rPr>
-              <a:t>void </a:t>
+              <a:t>		</a:t>
             </a:r>
             <a:r>
               <a:rPr lang="en-US" dirty="0" err="1">
                 <a:latin typeface="Courier"/>
                 <a:cs typeface="Courier"/>
               </a:rPr>
-              <a:t>print_hello</a:t>
+              <a:t>printf</a:t>
             </a:r>
             <a:r>
               <a:rPr lang="en-US" dirty="0">
                 <a:latin typeface="Courier"/>
                 <a:cs typeface="Courier"/>
               </a:rPr>
-              <a:t>(){</a:t>
-            </a:r>
-          </a:p>
-          <a:p>
-            <a:pPr marL="0" indent="0">
-              <a:buNone/>
-            </a:pPr>
-            <a:r>
-              <a:rPr lang="en-US" dirty="0">
-                <a:latin typeface="Courier"/>
-                <a:cs typeface="Courier"/>
-              </a:rPr>
-              <a:t>   </a:t>
-            </a:r>
-            <a:r>
-              <a:rPr lang="en-US" dirty="0" err="1">
-                <a:latin typeface="Courier"/>
-                <a:cs typeface="Courier"/>
-              </a:rPr>
-              <a:t>cout</a:t>
-            </a:r>
-            <a:r>
-              <a:rPr lang="en-US" dirty="0">
-                <a:latin typeface="Courier"/>
-                <a:cs typeface="Courier"/>
-              </a:rPr>
-              <a:t> &lt;&lt; "Hello World!"</a:t>
-            </a:r>
-            <a:r>
-              <a:rPr lang="en-US" dirty="0" smtClean="0">
-                <a:latin typeface="Courier"/>
-                <a:cs typeface="Courier"/>
-              </a:rPr>
-              <a:t>;</a:t>
-            </a:r>
-          </a:p>
-          <a:p>
-            <a:pPr marL="0" indent="0">
-              <a:buNone/>
-            </a:pPr>
-            <a:r>
-              <a:rPr lang="en-US" dirty="0">
-                <a:latin typeface="Courier"/>
-                <a:cs typeface="Courier"/>
-              </a:rPr>
-              <a:t>	</a:t>
-            </a:r>
-            <a:r>
-              <a:rPr lang="en-US" dirty="0" smtClean="0">
-                <a:latin typeface="Courier"/>
-                <a:cs typeface="Courier"/>
-              </a:rPr>
-              <a:t> </a:t>
-            </a:r>
-            <a:r>
-              <a:rPr lang="en-US" dirty="0" err="1" smtClean="0">
-                <a:latin typeface="Courier"/>
-                <a:cs typeface="Courier"/>
-              </a:rPr>
-              <a:t>cout</a:t>
-            </a:r>
-            <a:r>
-              <a:rPr lang="en-US" dirty="0" smtClean="0">
-                <a:latin typeface="Courier"/>
-                <a:cs typeface="Courier"/>
-              </a:rPr>
-              <a:t> &lt;&lt; </a:t>
-            </a:r>
-            <a:r>
-              <a:rPr lang="en-US" dirty="0" err="1" smtClean="0">
-                <a:latin typeface="Courier"/>
-                <a:cs typeface="Courier"/>
-              </a:rPr>
-              <a:t>endl</a:t>
-            </a:r>
-            <a:r>
-              <a:rPr lang="en-US" dirty="0" smtClean="0">
-                <a:latin typeface="Courier"/>
-                <a:cs typeface="Courier"/>
-              </a:rPr>
-              <a:t>;</a:t>
-            </a:r>
-            <a:endParaRPr lang="en-US" dirty="0">
-              <a:latin typeface="Courier"/>
-              <a:cs typeface="Courier"/>
-            </a:endParaRPr>
+              <a:t>(“Hello World!\n”);	</a:t>
+            </a:r>
           </a:p>
           <a:p>
             <a:pPr marL="0" indent="0">
@@ -10840,13 +10013,6 @@
   <p:clrMapOvr>
     <a:masterClrMapping/>
   </p:clrMapOvr>
-  <p:timing>
-    <p:tnLst>
-      <p:par>
-        <p:cTn xmlns:p14="http://schemas.microsoft.com/office/powerpoint/2010/main" id="1" dur="indefinite" restart="never" nodeType="tmRoot"/>
-      </p:par>
-    </p:tnLst>
-  </p:timing>
 </p:sld>
 </file>
 
@@ -10883,12 +10049,12 @@
           <a:lstStyle/>
           <a:p>
             <a:r>
-              <a:rPr lang="en-US" dirty="0" smtClean="0"/>
+              <a:rPr lang="en-US" dirty="0"/>
               <a:t>Example 1 – </a:t>
             </a:r>
             <a:r>
-              <a:rPr lang="en-US" dirty="0" err="1" smtClean="0"/>
-              <a:t>factorial.cpp</a:t>
+              <a:rPr lang="en-US" dirty="0" err="1"/>
+              <a:t>factorial.c</a:t>
             </a:r>
             <a:endParaRPr lang="en-US" dirty="0"/>
           </a:p>
@@ -10933,10 +10099,13 @@
                 <a:latin typeface="Courier"/>
                 <a:cs typeface="Courier"/>
               </a:rPr>
-              <a:t>"</a:t>
-            </a:r>
-          </a:p>
-          <a:p>
+              <a:t>”</a:t>
+            </a:r>
+          </a:p>
+          <a:p>
+            <a:pPr marL="0" indent="0">
+              <a:buNone/>
+            </a:pPr>
             <a:endParaRPr lang="en-US" dirty="0">
               <a:latin typeface="Courier"/>
               <a:cs typeface="Courier"/>
@@ -11053,13 +10222,6 @@
   <p:clrMapOvr>
     <a:masterClrMapping/>
   </p:clrMapOvr>
-  <p:timing>
-    <p:tnLst>
-      <p:par>
-        <p:cTn xmlns:p14="http://schemas.microsoft.com/office/powerpoint/2010/main" id="1" dur="indefinite" restart="never" nodeType="tmRoot"/>
-      </p:par>
-    </p:tnLst>
-  </p:timing>
 </p:sld>
 </file>
 
@@ -11096,11 +10258,11 @@
           <a:lstStyle/>
           <a:p>
             <a:r>
-              <a:rPr lang="en-US" dirty="0" smtClean="0"/>
+              <a:rPr lang="en-US" dirty="0"/>
               <a:t>Example 1 – </a:t>
             </a:r>
             <a:r>
-              <a:rPr lang="en-US" dirty="0" err="1" smtClean="0"/>
+              <a:rPr lang="en-US" dirty="0" err="1"/>
               <a:t>functions.h</a:t>
             </a:r>
             <a:endParaRPr lang="en-US" dirty="0"/>
@@ -11194,13 +10356,6 @@
   <p:clrMapOvr>
     <a:masterClrMapping/>
   </p:clrMapOvr>
-  <p:timing>
-    <p:tnLst>
-      <p:par>
-        <p:cTn xmlns:p14="http://schemas.microsoft.com/office/powerpoint/2010/main" id="1" dur="indefinite" restart="never" nodeType="tmRoot"/>
-      </p:par>
-    </p:tnLst>
-  </p:timing>
 </p:sld>
 </file>
 
@@ -11237,10 +10392,9 @@
           <a:lstStyle/>
           <a:p>
             <a:r>
-              <a:rPr lang="en-US" dirty="0" smtClean="0"/>
+              <a:rPr lang="en-US" dirty="0"/>
               <a:t>At the command line</a:t>
             </a:r>
-            <a:endParaRPr lang="en-US" dirty="0"/>
           </a:p>
         </p:txBody>
       </p:sp>
@@ -11265,16 +10419,20 @@
               <a:buNone/>
             </a:pPr>
             <a:r>
-              <a:rPr lang="en-US" dirty="0" smtClean="0"/>
-              <a:t>$   g</a:t>
-            </a:r>
-            <a:r>
               <a:rPr lang="en-US" dirty="0"/>
-              <a:t>++ -c </a:t>
+              <a:t>$   </a:t>
             </a:r>
             <a:r>
               <a:rPr lang="en-US" dirty="0" err="1"/>
-              <a:t>main.cpp</a:t>
+              <a:t>gcc</a:t>
+            </a:r>
+            <a:r>
+              <a:rPr lang="en-US" dirty="0"/>
+              <a:t> -c </a:t>
+            </a:r>
+            <a:r>
+              <a:rPr lang="en-US" dirty="0" err="1"/>
+              <a:t>main.c</a:t>
             </a:r>
             <a:endParaRPr lang="en-US" dirty="0"/>
           </a:p>
@@ -11283,16 +10441,20 @@
               <a:buNone/>
             </a:pPr>
             <a:r>
-              <a:rPr lang="en-US" dirty="0" smtClean="0"/>
-              <a:t>$   g</a:t>
-            </a:r>
-            <a:r>
               <a:rPr lang="en-US" dirty="0"/>
-              <a:t>++ -c </a:t>
+              <a:t>$   </a:t>
             </a:r>
             <a:r>
               <a:rPr lang="en-US" dirty="0" err="1"/>
-              <a:t>hello.cpp</a:t>
+              <a:t>gcc</a:t>
+            </a:r>
+            <a:r>
+              <a:rPr lang="en-US" dirty="0"/>
+              <a:t> -c </a:t>
+            </a:r>
+            <a:r>
+              <a:rPr lang="en-US" dirty="0" err="1"/>
+              <a:t>hello.c</a:t>
             </a:r>
             <a:endParaRPr lang="en-US" dirty="0"/>
           </a:p>
@@ -11301,16 +10463,20 @@
               <a:buNone/>
             </a:pPr>
             <a:r>
-              <a:rPr lang="en-US" dirty="0" smtClean="0"/>
-              <a:t>$   g</a:t>
-            </a:r>
-            <a:r>
               <a:rPr lang="en-US" dirty="0"/>
-              <a:t>++ -c </a:t>
+              <a:t>$   </a:t>
             </a:r>
             <a:r>
               <a:rPr lang="en-US" dirty="0" err="1"/>
-              <a:t>factorial.cpp</a:t>
+              <a:t>gcc</a:t>
+            </a:r>
+            <a:r>
+              <a:rPr lang="en-US" dirty="0"/>
+              <a:t> -c </a:t>
+            </a:r>
+            <a:r>
+              <a:rPr lang="en-US" dirty="0" err="1"/>
+              <a:t>factorial.c</a:t>
             </a:r>
             <a:endParaRPr lang="en-US" dirty="0"/>
           </a:p>
@@ -11319,12 +10485,16 @@
               <a:buNone/>
             </a:pPr>
             <a:r>
-              <a:rPr lang="en-US" dirty="0" smtClean="0"/>
-              <a:t>$   g</a:t>
-            </a:r>
-            <a:r>
               <a:rPr lang="en-US" dirty="0"/>
-              <a:t>++ -o hello </a:t>
+              <a:t>$   </a:t>
+            </a:r>
+            <a:r>
+              <a:rPr lang="en-US" dirty="0" err="1"/>
+              <a:t>gcc</a:t>
+            </a:r>
+            <a:r>
+              <a:rPr lang="en-US" dirty="0"/>
+              <a:t> -o hello </a:t>
             </a:r>
             <a:r>
               <a:rPr lang="en-US" dirty="0" err="1"/>
@@ -11343,23 +10513,23 @@
               <a:t> </a:t>
             </a:r>
             <a:r>
-              <a:rPr lang="en-US" dirty="0" err="1" smtClean="0"/>
+              <a:rPr lang="en-US" dirty="0" err="1"/>
               <a:t>factorial.o</a:t>
             </a:r>
-            <a:endParaRPr lang="en-US" dirty="0" smtClean="0"/>
-          </a:p>
-          <a:p>
-            <a:pPr marL="0" indent="0">
-              <a:buNone/>
-            </a:pPr>
             <a:endParaRPr lang="en-US" dirty="0"/>
           </a:p>
           <a:p>
             <a:pPr marL="0" indent="0">
               <a:buNone/>
             </a:pPr>
-            <a:r>
-              <a:rPr lang="en-US" dirty="0" smtClean="0"/>
+            <a:endParaRPr lang="en-US" dirty="0"/>
+          </a:p>
+          <a:p>
+            <a:pPr marL="0" indent="0">
+              <a:buNone/>
+            </a:pPr>
+            <a:r>
+              <a:rPr lang="en-US" dirty="0"/>
               <a:t>$ ./hello</a:t>
             </a:r>
           </a:p>
@@ -11396,13 +10566,6 @@
   <p:clrMapOvr>
     <a:masterClrMapping/>
   </p:clrMapOvr>
-  <p:timing>
-    <p:tnLst>
-      <p:par>
-        <p:cTn xmlns:p14="http://schemas.microsoft.com/office/powerpoint/2010/main" id="1" dur="indefinite" restart="never" nodeType="tmRoot"/>
-      </p:par>
-    </p:tnLst>
-  </p:timing>
 </p:sld>
 </file>
 
